--- a/presentation.pptx
+++ b/presentation.pptx
@@ -4,6 +4,9 @@
   <p:sldMasterIdLst>
     <p:sldMasterId id="2147483708" r:id="rId1"/>
   </p:sldMasterIdLst>
+  <p:notesMasterIdLst>
+    <p:notesMasterId r:id="rId20"/>
+  </p:notesMasterIdLst>
   <p:sldIdLst>
     <p:sldId id="256" r:id="rId2"/>
     <p:sldId id="257" r:id="rId3"/>
@@ -15,6 +18,14 @@
     <p:sldId id="261" r:id="rId9"/>
     <p:sldId id="259" r:id="rId10"/>
     <p:sldId id="262" r:id="rId11"/>
+    <p:sldId id="267" r:id="rId12"/>
+    <p:sldId id="268" r:id="rId13"/>
+    <p:sldId id="269" r:id="rId14"/>
+    <p:sldId id="270" r:id="rId15"/>
+    <p:sldId id="271" r:id="rId16"/>
+    <p:sldId id="275" r:id="rId17"/>
+    <p:sldId id="272" r:id="rId18"/>
+    <p:sldId id="273" r:id="rId19"/>
   </p:sldIdLst>
   <p:sldSz cx="12192000" cy="6858000"/>
   <p:notesSz cx="6858000" cy="9144000"/>
@@ -113,7 +124,446 @@
       </a:defRPr>
     </a:lvl9pPr>
   </p:defaultTextStyle>
+  <p:extLst>
+    <p:ext uri="{EFAFB233-063F-42B5-8137-9DF3F51BA10A}">
+      <p15:sldGuideLst xmlns:p15="http://schemas.microsoft.com/office/powerpoint/2012/main"/>
+    </p:ext>
+  </p:extLst>
 </p:presentation>
+</file>
+
+<file path=ppt/notesMasters/notesMaster1.xml><?xml version="1.0" encoding="utf-8"?>
+<p:notesMaster xmlns:a="http://schemas.openxmlformats.org/drawingml/2006/main" xmlns:r="http://schemas.openxmlformats.org/officeDocument/2006/relationships" xmlns:p="http://schemas.openxmlformats.org/presentationml/2006/main">
+  <p:cSld>
+    <p:bg>
+      <p:bgRef idx="1001">
+        <a:schemeClr val="bg1"/>
+      </p:bgRef>
+    </p:bg>
+    <p:spTree>
+      <p:nvGrpSpPr>
+        <p:cNvPr id="1" name=""/>
+        <p:cNvGrpSpPr/>
+        <p:nvPr/>
+      </p:nvGrpSpPr>
+      <p:grpSpPr>
+        <a:xfrm>
+          <a:off x="0" y="0"/>
+          <a:ext cx="0" cy="0"/>
+          <a:chOff x="0" y="0"/>
+          <a:chExt cx="0" cy="0"/>
+        </a:xfrm>
+      </p:grpSpPr>
+      <p:sp>
+        <p:nvSpPr>
+          <p:cNvPr id="2" name="Marcador de Posição do Cabeçalho 1"/>
+          <p:cNvSpPr>
+            <a:spLocks noGrp="1"/>
+          </p:cNvSpPr>
+          <p:nvPr>
+            <p:ph type="hdr" sz="quarter"/>
+          </p:nvPr>
+        </p:nvSpPr>
+        <p:spPr>
+          <a:xfrm>
+            <a:off x="0" y="0"/>
+            <a:ext cx="2971800" cy="458788"/>
+          </a:xfrm>
+          <a:prstGeom prst="rect">
+            <a:avLst/>
+          </a:prstGeom>
+        </p:spPr>
+        <p:txBody>
+          <a:bodyPr vert="horz" lIns="91440" tIns="45720" rIns="91440" bIns="45720" rtlCol="0"/>
+          <a:lstStyle>
+            <a:lvl1pPr algn="l">
+              <a:defRPr sz="1200"/>
+            </a:lvl1pPr>
+          </a:lstStyle>
+          <a:p>
+            <a:endParaRPr lang="en-GB"/>
+          </a:p>
+        </p:txBody>
+      </p:sp>
+      <p:sp>
+        <p:nvSpPr>
+          <p:cNvPr id="3" name="Marcador de Posição da Data 2"/>
+          <p:cNvSpPr>
+            <a:spLocks noGrp="1"/>
+          </p:cNvSpPr>
+          <p:nvPr>
+            <p:ph type="dt" idx="1"/>
+          </p:nvPr>
+        </p:nvSpPr>
+        <p:spPr>
+          <a:xfrm>
+            <a:off x="3884613" y="0"/>
+            <a:ext cx="2971800" cy="458788"/>
+          </a:xfrm>
+          <a:prstGeom prst="rect">
+            <a:avLst/>
+          </a:prstGeom>
+        </p:spPr>
+        <p:txBody>
+          <a:bodyPr vert="horz" lIns="91440" tIns="45720" rIns="91440" bIns="45720" rtlCol="0"/>
+          <a:lstStyle>
+            <a:lvl1pPr algn="r">
+              <a:defRPr sz="1200"/>
+            </a:lvl1pPr>
+          </a:lstStyle>
+          <a:p>
+            <a:fld id="{BF01B894-BA05-4132-B1ED-0A4641E46206}" type="datetimeFigureOut">
+              <a:rPr lang="en-GB" smtClean="0"/>
+              <a:t>08/05/2024</a:t>
+            </a:fld>
+            <a:endParaRPr lang="en-GB"/>
+          </a:p>
+        </p:txBody>
+      </p:sp>
+      <p:sp>
+        <p:nvSpPr>
+          <p:cNvPr id="4" name="Marcador de Posição da Imagem do Diapositivo 3"/>
+          <p:cNvSpPr>
+            <a:spLocks noGrp="1" noRot="1" noChangeAspect="1"/>
+          </p:cNvSpPr>
+          <p:nvPr>
+            <p:ph type="sldImg" idx="2"/>
+          </p:nvPr>
+        </p:nvSpPr>
+        <p:spPr>
+          <a:xfrm>
+            <a:off x="685800" y="1143000"/>
+            <a:ext cx="5486400" cy="3086100"/>
+          </a:xfrm>
+          <a:prstGeom prst="rect">
+            <a:avLst/>
+          </a:prstGeom>
+          <a:noFill/>
+          <a:ln w="12700">
+            <a:solidFill>
+              <a:prstClr val="black"/>
+            </a:solidFill>
+          </a:ln>
+        </p:spPr>
+        <p:txBody>
+          <a:bodyPr vert="horz" lIns="91440" tIns="45720" rIns="91440" bIns="45720" rtlCol="0" anchor="ctr"/>
+          <a:lstStyle/>
+          <a:p>
+            <a:endParaRPr lang="en-GB"/>
+          </a:p>
+        </p:txBody>
+      </p:sp>
+      <p:sp>
+        <p:nvSpPr>
+          <p:cNvPr id="5" name="Marcador de Posição de Notas 4"/>
+          <p:cNvSpPr>
+            <a:spLocks noGrp="1"/>
+          </p:cNvSpPr>
+          <p:nvPr>
+            <p:ph type="body" sz="quarter" idx="3"/>
+          </p:nvPr>
+        </p:nvSpPr>
+        <p:spPr>
+          <a:xfrm>
+            <a:off x="685800" y="4400550"/>
+            <a:ext cx="5486400" cy="3600450"/>
+          </a:xfrm>
+          <a:prstGeom prst="rect">
+            <a:avLst/>
+          </a:prstGeom>
+        </p:spPr>
+        <p:txBody>
+          <a:bodyPr vert="horz" lIns="91440" tIns="45720" rIns="91440" bIns="45720" rtlCol="0"/>
+          <a:lstStyle/>
+          <a:p>
+            <a:pPr lvl="0"/>
+            <a:r>
+              <a:rPr lang="pt-PT"/>
+              <a:t>Clique para editar os estilos do texto de Modelo Global</a:t>
+            </a:r>
+          </a:p>
+          <a:p>
+            <a:pPr lvl="1"/>
+            <a:r>
+              <a:rPr lang="pt-PT"/>
+              <a:t>Segundo nível</a:t>
+            </a:r>
+          </a:p>
+          <a:p>
+            <a:pPr lvl="2"/>
+            <a:r>
+              <a:rPr lang="pt-PT"/>
+              <a:t>Terceiro nível</a:t>
+            </a:r>
+          </a:p>
+          <a:p>
+            <a:pPr lvl="3"/>
+            <a:r>
+              <a:rPr lang="pt-PT"/>
+              <a:t>Quarto nível</a:t>
+            </a:r>
+          </a:p>
+          <a:p>
+            <a:pPr lvl="4"/>
+            <a:r>
+              <a:rPr lang="pt-PT"/>
+              <a:t>Quinto nível</a:t>
+            </a:r>
+            <a:endParaRPr lang="en-GB"/>
+          </a:p>
+        </p:txBody>
+      </p:sp>
+      <p:sp>
+        <p:nvSpPr>
+          <p:cNvPr id="6" name="Marcador de Posição do Rodapé 5"/>
+          <p:cNvSpPr>
+            <a:spLocks noGrp="1"/>
+          </p:cNvSpPr>
+          <p:nvPr>
+            <p:ph type="ftr" sz="quarter" idx="4"/>
+          </p:nvPr>
+        </p:nvSpPr>
+        <p:spPr>
+          <a:xfrm>
+            <a:off x="0" y="8685213"/>
+            <a:ext cx="2971800" cy="458787"/>
+          </a:xfrm>
+          <a:prstGeom prst="rect">
+            <a:avLst/>
+          </a:prstGeom>
+        </p:spPr>
+        <p:txBody>
+          <a:bodyPr vert="horz" lIns="91440" tIns="45720" rIns="91440" bIns="45720" rtlCol="0" anchor="b"/>
+          <a:lstStyle>
+            <a:lvl1pPr algn="l">
+              <a:defRPr sz="1200"/>
+            </a:lvl1pPr>
+          </a:lstStyle>
+          <a:p>
+            <a:endParaRPr lang="en-GB"/>
+          </a:p>
+        </p:txBody>
+      </p:sp>
+      <p:sp>
+        <p:nvSpPr>
+          <p:cNvPr id="7" name="Marcador de Posição do Número do Diapositivo 6"/>
+          <p:cNvSpPr>
+            <a:spLocks noGrp="1"/>
+          </p:cNvSpPr>
+          <p:nvPr>
+            <p:ph type="sldNum" sz="quarter" idx="5"/>
+          </p:nvPr>
+        </p:nvSpPr>
+        <p:spPr>
+          <a:xfrm>
+            <a:off x="3884613" y="8685213"/>
+            <a:ext cx="2971800" cy="458787"/>
+          </a:xfrm>
+          <a:prstGeom prst="rect">
+            <a:avLst/>
+          </a:prstGeom>
+        </p:spPr>
+        <p:txBody>
+          <a:bodyPr vert="horz" lIns="91440" tIns="45720" rIns="91440" bIns="45720" rtlCol="0" anchor="b"/>
+          <a:lstStyle>
+            <a:lvl1pPr algn="r">
+              <a:defRPr sz="1200"/>
+            </a:lvl1pPr>
+          </a:lstStyle>
+          <a:p>
+            <a:fld id="{3CE2BF42-F545-42C2-BD34-B46E2D4E8FA5}" type="slidenum">
+              <a:rPr lang="en-GB" smtClean="0"/>
+              <a:t>‹nº›</a:t>
+            </a:fld>
+            <a:endParaRPr lang="en-GB"/>
+          </a:p>
+        </p:txBody>
+      </p:sp>
+    </p:spTree>
+    <p:extLst>
+      <p:ext uri="{BB962C8B-B14F-4D97-AF65-F5344CB8AC3E}">
+        <p14:creationId xmlns:p14="http://schemas.microsoft.com/office/powerpoint/2010/main" val="334401574"/>
+      </p:ext>
+    </p:extLst>
+  </p:cSld>
+  <p:clrMap bg1="lt1" tx1="dk1" bg2="lt2" tx2="dk2" accent1="accent1" accent2="accent2" accent3="accent3" accent4="accent4" accent5="accent5" accent6="accent6" hlink="hlink" folHlink="folHlink"/>
+  <p:notesStyle>
+    <a:lvl1pPr marL="0" algn="l" defTabSz="914400" rtl="0" eaLnBrk="1" latinLnBrk="0" hangingPunct="1">
+      <a:defRPr sz="1200" kern="1200">
+        <a:solidFill>
+          <a:schemeClr val="tx1"/>
+        </a:solidFill>
+        <a:latin typeface="+mn-lt"/>
+        <a:ea typeface="+mn-ea"/>
+        <a:cs typeface="+mn-cs"/>
+      </a:defRPr>
+    </a:lvl1pPr>
+    <a:lvl2pPr marL="457200" algn="l" defTabSz="914400" rtl="0" eaLnBrk="1" latinLnBrk="0" hangingPunct="1">
+      <a:defRPr sz="1200" kern="1200">
+        <a:solidFill>
+          <a:schemeClr val="tx1"/>
+        </a:solidFill>
+        <a:latin typeface="+mn-lt"/>
+        <a:ea typeface="+mn-ea"/>
+        <a:cs typeface="+mn-cs"/>
+      </a:defRPr>
+    </a:lvl2pPr>
+    <a:lvl3pPr marL="914400" algn="l" defTabSz="914400" rtl="0" eaLnBrk="1" latinLnBrk="0" hangingPunct="1">
+      <a:defRPr sz="1200" kern="1200">
+        <a:solidFill>
+          <a:schemeClr val="tx1"/>
+        </a:solidFill>
+        <a:latin typeface="+mn-lt"/>
+        <a:ea typeface="+mn-ea"/>
+        <a:cs typeface="+mn-cs"/>
+      </a:defRPr>
+    </a:lvl3pPr>
+    <a:lvl4pPr marL="1371600" algn="l" defTabSz="914400" rtl="0" eaLnBrk="1" latinLnBrk="0" hangingPunct="1">
+      <a:defRPr sz="1200" kern="1200">
+        <a:solidFill>
+          <a:schemeClr val="tx1"/>
+        </a:solidFill>
+        <a:latin typeface="+mn-lt"/>
+        <a:ea typeface="+mn-ea"/>
+        <a:cs typeface="+mn-cs"/>
+      </a:defRPr>
+    </a:lvl4pPr>
+    <a:lvl5pPr marL="1828800" algn="l" defTabSz="914400" rtl="0" eaLnBrk="1" latinLnBrk="0" hangingPunct="1">
+      <a:defRPr sz="1200" kern="1200">
+        <a:solidFill>
+          <a:schemeClr val="tx1"/>
+        </a:solidFill>
+        <a:latin typeface="+mn-lt"/>
+        <a:ea typeface="+mn-ea"/>
+        <a:cs typeface="+mn-cs"/>
+      </a:defRPr>
+    </a:lvl5pPr>
+    <a:lvl6pPr marL="2286000" algn="l" defTabSz="914400" rtl="0" eaLnBrk="1" latinLnBrk="0" hangingPunct="1">
+      <a:defRPr sz="1200" kern="1200">
+        <a:solidFill>
+          <a:schemeClr val="tx1"/>
+        </a:solidFill>
+        <a:latin typeface="+mn-lt"/>
+        <a:ea typeface="+mn-ea"/>
+        <a:cs typeface="+mn-cs"/>
+      </a:defRPr>
+    </a:lvl6pPr>
+    <a:lvl7pPr marL="2743200" algn="l" defTabSz="914400" rtl="0" eaLnBrk="1" latinLnBrk="0" hangingPunct="1">
+      <a:defRPr sz="1200" kern="1200">
+        <a:solidFill>
+          <a:schemeClr val="tx1"/>
+        </a:solidFill>
+        <a:latin typeface="+mn-lt"/>
+        <a:ea typeface="+mn-ea"/>
+        <a:cs typeface="+mn-cs"/>
+      </a:defRPr>
+    </a:lvl7pPr>
+    <a:lvl8pPr marL="3200400" algn="l" defTabSz="914400" rtl="0" eaLnBrk="1" latinLnBrk="0" hangingPunct="1">
+      <a:defRPr sz="1200" kern="1200">
+        <a:solidFill>
+          <a:schemeClr val="tx1"/>
+        </a:solidFill>
+        <a:latin typeface="+mn-lt"/>
+        <a:ea typeface="+mn-ea"/>
+        <a:cs typeface="+mn-cs"/>
+      </a:defRPr>
+    </a:lvl8pPr>
+    <a:lvl9pPr marL="3657600" algn="l" defTabSz="914400" rtl="0" eaLnBrk="1" latinLnBrk="0" hangingPunct="1">
+      <a:defRPr sz="1200" kern="1200">
+        <a:solidFill>
+          <a:schemeClr val="tx1"/>
+        </a:solidFill>
+        <a:latin typeface="+mn-lt"/>
+        <a:ea typeface="+mn-ea"/>
+        <a:cs typeface="+mn-cs"/>
+      </a:defRPr>
+    </a:lvl9pPr>
+  </p:notesStyle>
+</p:notesMaster>
+</file>
+
+<file path=ppt/notesSlides/notesSlide1.xml><?xml version="1.0" encoding="utf-8"?>
+<p:notes xmlns:a="http://schemas.openxmlformats.org/drawingml/2006/main" xmlns:r="http://schemas.openxmlformats.org/officeDocument/2006/relationships" xmlns:p="http://schemas.openxmlformats.org/presentationml/2006/main">
+  <p:cSld>
+    <p:spTree>
+      <p:nvGrpSpPr>
+        <p:cNvPr id="1" name=""/>
+        <p:cNvGrpSpPr/>
+        <p:nvPr/>
+      </p:nvGrpSpPr>
+      <p:grpSpPr>
+        <a:xfrm>
+          <a:off x="0" y="0"/>
+          <a:ext cx="0" cy="0"/>
+          <a:chOff x="0" y="0"/>
+          <a:chExt cx="0" cy="0"/>
+        </a:xfrm>
+      </p:grpSpPr>
+      <p:sp>
+        <p:nvSpPr>
+          <p:cNvPr id="2" name="Marcador de Posição da Imagem do Diapositivo 1"/>
+          <p:cNvSpPr>
+            <a:spLocks noGrp="1" noRot="1" noChangeAspect="1"/>
+          </p:cNvSpPr>
+          <p:nvPr>
+            <p:ph type="sldImg"/>
+          </p:nvPr>
+        </p:nvSpPr>
+        <p:spPr/>
+      </p:sp>
+      <p:sp>
+        <p:nvSpPr>
+          <p:cNvPr id="3" name="Marcador de Posição de Notas 2"/>
+          <p:cNvSpPr>
+            <a:spLocks noGrp="1"/>
+          </p:cNvSpPr>
+          <p:nvPr>
+            <p:ph type="body" idx="1"/>
+          </p:nvPr>
+        </p:nvSpPr>
+        <p:spPr/>
+        <p:txBody>
+          <a:bodyPr/>
+          <a:lstStyle/>
+          <a:p>
+            <a:endParaRPr lang="en-GB" dirty="0"/>
+          </a:p>
+        </p:txBody>
+      </p:sp>
+      <p:sp>
+        <p:nvSpPr>
+          <p:cNvPr id="4" name="Marcador de Posição do Número do Diapositivo 3"/>
+          <p:cNvSpPr>
+            <a:spLocks noGrp="1"/>
+          </p:cNvSpPr>
+          <p:nvPr>
+            <p:ph type="sldNum" sz="quarter" idx="5"/>
+          </p:nvPr>
+        </p:nvSpPr>
+        <p:spPr/>
+        <p:txBody>
+          <a:bodyPr/>
+          <a:lstStyle/>
+          <a:p>
+            <a:fld id="{3CE2BF42-F545-42C2-BD34-B46E2D4E8FA5}" type="slidenum">
+              <a:rPr lang="en-GB" smtClean="0"/>
+              <a:t>14</a:t>
+            </a:fld>
+            <a:endParaRPr lang="en-GB"/>
+          </a:p>
+        </p:txBody>
+      </p:sp>
+    </p:spTree>
+    <p:extLst>
+      <p:ext uri="{BB962C8B-B14F-4D97-AF65-F5344CB8AC3E}">
+        <p14:creationId xmlns:p14="http://schemas.microsoft.com/office/powerpoint/2010/main" val="3068079964"/>
+      </p:ext>
+    </p:extLst>
+  </p:cSld>
+  <p:clrMapOvr>
+    <a:masterClrMapping/>
+  </p:clrMapOvr>
+</p:notes>
 </file>
 
 <file path=ppt/slideLayouts/slideLayout1.xml><?xml version="1.0" encoding="utf-8"?>
@@ -306,7 +756,7 @@
           <a:p>
             <a:fld id="{92EA8367-D27A-4CE4-996D-A14CDCBADE41}" type="datetimeFigureOut">
               <a:rPr lang="en-GB" smtClean="0"/>
-              <a:t>07/05/2024</a:t>
+              <a:t>08/05/2024</a:t>
             </a:fld>
             <a:endParaRPr lang="en-GB"/>
           </a:p>
@@ -348,7 +798,7 @@
           <a:p>
             <a:fld id="{1D3DC89F-3B98-42F4-932C-A4AFF1CD7782}" type="slidenum">
               <a:rPr lang="en-GB" smtClean="0"/>
-              <a:t>‹#›</a:t>
+              <a:t>‹nº›</a:t>
             </a:fld>
             <a:endParaRPr lang="en-GB"/>
           </a:p>
@@ -511,7 +961,7 @@
           <a:p>
             <a:fld id="{92EA8367-D27A-4CE4-996D-A14CDCBADE41}" type="datetimeFigureOut">
               <a:rPr lang="en-GB" smtClean="0"/>
-              <a:t>07/05/2024</a:t>
+              <a:t>08/05/2024</a:t>
             </a:fld>
             <a:endParaRPr lang="en-GB"/>
           </a:p>
@@ -553,7 +1003,7 @@
           <a:p>
             <a:fld id="{1D3DC89F-3B98-42F4-932C-A4AFF1CD7782}" type="slidenum">
               <a:rPr lang="en-GB" smtClean="0"/>
-              <a:t>‹#›</a:t>
+              <a:t>‹nº›</a:t>
             </a:fld>
             <a:endParaRPr lang="en-GB"/>
           </a:p>
@@ -691,7 +1141,7 @@
           <a:p>
             <a:fld id="{92EA8367-D27A-4CE4-996D-A14CDCBADE41}" type="datetimeFigureOut">
               <a:rPr lang="en-GB" smtClean="0"/>
-              <a:t>07/05/2024</a:t>
+              <a:t>08/05/2024</a:t>
             </a:fld>
             <a:endParaRPr lang="en-GB"/>
           </a:p>
@@ -733,7 +1183,7 @@
           <a:p>
             <a:fld id="{1D3DC89F-3B98-42F4-932C-A4AFF1CD7782}" type="slidenum">
               <a:rPr lang="en-GB" smtClean="0"/>
-              <a:t>‹#›</a:t>
+              <a:t>‹nº›</a:t>
             </a:fld>
             <a:endParaRPr lang="en-GB"/>
           </a:p>
@@ -896,7 +1346,7 @@
           <a:p>
             <a:fld id="{92EA8367-D27A-4CE4-996D-A14CDCBADE41}" type="datetimeFigureOut">
               <a:rPr lang="en-GB" smtClean="0"/>
-              <a:t>07/05/2024</a:t>
+              <a:t>08/05/2024</a:t>
             </a:fld>
             <a:endParaRPr lang="en-GB"/>
           </a:p>
@@ -938,7 +1388,7 @@
           <a:p>
             <a:fld id="{1D3DC89F-3B98-42F4-932C-A4AFF1CD7782}" type="slidenum">
               <a:rPr lang="en-GB" smtClean="0"/>
-              <a:t>‹#›</a:t>
+              <a:t>‹nº›</a:t>
             </a:fld>
             <a:endParaRPr lang="en-GB"/>
           </a:p>
@@ -1191,7 +1641,7 @@
           <a:p>
             <a:fld id="{92EA8367-D27A-4CE4-996D-A14CDCBADE41}" type="datetimeFigureOut">
               <a:rPr lang="en-GB" smtClean="0"/>
-              <a:t>07/05/2024</a:t>
+              <a:t>08/05/2024</a:t>
             </a:fld>
             <a:endParaRPr lang="en-GB"/>
           </a:p>
@@ -1233,7 +1683,7 @@
           <a:p>
             <a:fld id="{1D3DC89F-3B98-42F4-932C-A4AFF1CD7782}" type="slidenum">
               <a:rPr lang="en-GB" smtClean="0"/>
-              <a:t>‹#›</a:t>
+              <a:t>‹nº›</a:t>
             </a:fld>
             <a:endParaRPr lang="en-GB"/>
           </a:p>
@@ -1463,7 +1913,7 @@
           <a:p>
             <a:fld id="{92EA8367-D27A-4CE4-996D-A14CDCBADE41}" type="datetimeFigureOut">
               <a:rPr lang="en-GB" smtClean="0"/>
-              <a:t>07/05/2024</a:t>
+              <a:t>08/05/2024</a:t>
             </a:fld>
             <a:endParaRPr lang="en-GB"/>
           </a:p>
@@ -1505,7 +1955,7 @@
           <a:p>
             <a:fld id="{1D3DC89F-3B98-42F4-932C-A4AFF1CD7782}" type="slidenum">
               <a:rPr lang="en-GB" smtClean="0"/>
-              <a:t>‹#›</a:t>
+              <a:t>‹nº›</a:t>
             </a:fld>
             <a:endParaRPr lang="en-GB"/>
           </a:p>
@@ -1870,7 +2320,7 @@
           <a:p>
             <a:fld id="{92EA8367-D27A-4CE4-996D-A14CDCBADE41}" type="datetimeFigureOut">
               <a:rPr lang="en-GB" smtClean="0"/>
-              <a:t>07/05/2024</a:t>
+              <a:t>08/05/2024</a:t>
             </a:fld>
             <a:endParaRPr lang="en-GB"/>
           </a:p>
@@ -1912,7 +2362,7 @@
           <a:p>
             <a:fld id="{1D3DC89F-3B98-42F4-932C-A4AFF1CD7782}" type="slidenum">
               <a:rPr lang="en-GB" smtClean="0"/>
-              <a:t>‹#›</a:t>
+              <a:t>‹nº›</a:t>
             </a:fld>
             <a:endParaRPr lang="en-GB"/>
           </a:p>
@@ -1988,7 +2438,7 @@
           <a:p>
             <a:fld id="{92EA8367-D27A-4CE4-996D-A14CDCBADE41}" type="datetimeFigureOut">
               <a:rPr lang="en-GB" smtClean="0"/>
-              <a:t>07/05/2024</a:t>
+              <a:t>08/05/2024</a:t>
             </a:fld>
             <a:endParaRPr lang="en-GB"/>
           </a:p>
@@ -2030,7 +2480,7 @@
           <a:p>
             <a:fld id="{1D3DC89F-3B98-42F4-932C-A4AFF1CD7782}" type="slidenum">
               <a:rPr lang="en-GB" smtClean="0"/>
-              <a:t>‹#›</a:t>
+              <a:t>‹nº›</a:t>
             </a:fld>
             <a:endParaRPr lang="en-GB"/>
           </a:p>
@@ -2083,7 +2533,7 @@
           <a:p>
             <a:fld id="{92EA8367-D27A-4CE4-996D-A14CDCBADE41}" type="datetimeFigureOut">
               <a:rPr lang="en-GB" smtClean="0"/>
-              <a:t>07/05/2024</a:t>
+              <a:t>08/05/2024</a:t>
             </a:fld>
             <a:endParaRPr lang="en-GB"/>
           </a:p>
@@ -2125,7 +2575,7 @@
           <a:p>
             <a:fld id="{1D3DC89F-3B98-42F4-932C-A4AFF1CD7782}" type="slidenum">
               <a:rPr lang="en-GB" smtClean="0"/>
-              <a:t>‹#›</a:t>
+              <a:t>‹nº›</a:t>
             </a:fld>
             <a:endParaRPr lang="en-GB"/>
           </a:p>
@@ -2373,7 +2823,7 @@
           <a:p>
             <a:fld id="{92EA8367-D27A-4CE4-996D-A14CDCBADE41}" type="datetimeFigureOut">
               <a:rPr lang="en-GB" smtClean="0"/>
-              <a:t>07/05/2024</a:t>
+              <a:t>08/05/2024</a:t>
             </a:fld>
             <a:endParaRPr lang="en-GB"/>
           </a:p>
@@ -2415,7 +2865,7 @@
           <a:p>
             <a:fld id="{1D3DC89F-3B98-42F4-932C-A4AFF1CD7782}" type="slidenum">
               <a:rPr lang="en-GB" smtClean="0"/>
-              <a:t>‹#›</a:t>
+              <a:t>‹nº›</a:t>
             </a:fld>
             <a:endParaRPr lang="en-GB"/>
           </a:p>
@@ -2653,7 +3103,7 @@
           <a:p>
             <a:fld id="{92EA8367-D27A-4CE4-996D-A14CDCBADE41}" type="datetimeFigureOut">
               <a:rPr lang="en-GB" smtClean="0"/>
-              <a:t>07/05/2024</a:t>
+              <a:t>08/05/2024</a:t>
             </a:fld>
             <a:endParaRPr lang="en-GB"/>
           </a:p>
@@ -2695,7 +3145,7 @@
           <a:p>
             <a:fld id="{1D3DC89F-3B98-42F4-932C-A4AFF1CD7782}" type="slidenum">
               <a:rPr lang="en-GB" smtClean="0"/>
-              <a:t>‹#›</a:t>
+              <a:t>‹nº›</a:t>
             </a:fld>
             <a:endParaRPr lang="en-GB"/>
           </a:p>
@@ -2903,7 +3353,7 @@
           <a:p>
             <a:fld id="{92EA8367-D27A-4CE4-996D-A14CDCBADE41}" type="datetimeFigureOut">
               <a:rPr lang="en-GB" smtClean="0"/>
-              <a:t>07/05/2024</a:t>
+              <a:t>08/05/2024</a:t>
             </a:fld>
             <a:endParaRPr lang="en-GB"/>
           </a:p>
@@ -2985,7 +3435,7 @@
           <a:p>
             <a:fld id="{1D3DC89F-3B98-42F4-932C-A4AFF1CD7782}" type="slidenum">
               <a:rPr lang="en-GB" smtClean="0"/>
-              <a:t>‹#›</a:t>
+              <a:t>‹nº›</a:t>
             </a:fld>
             <a:endParaRPr lang="en-GB"/>
           </a:p>
@@ -3578,10 +4028,32 @@
           <a:bodyPr/>
           <a:lstStyle/>
           <a:p>
-            <a:pPr marL="0" indent="0">
-              <a:buNone/>
-            </a:pPr>
-            <a:endParaRPr lang="en-GB" dirty="0"/>
+            <a:pPr lvl="1"/>
+            <a:r>
+              <a:rPr lang="en-GB" sz="2400" dirty="0"/>
+              <a:t>Effect of model choices</a:t>
+            </a:r>
+          </a:p>
+          <a:p>
+            <a:pPr lvl="1"/>
+            <a:r>
+              <a:rPr lang="en-GB" sz="2400" dirty="0"/>
+              <a:t>Effect of exponentially smoothing the error</a:t>
+            </a:r>
+          </a:p>
+          <a:p>
+            <a:pPr lvl="1"/>
+            <a:r>
+              <a:rPr lang="en-GB" sz="2400" dirty="0"/>
+              <a:t>Effect of a sliding window strategy to update the error</a:t>
+            </a:r>
+          </a:p>
+          <a:p>
+            <a:pPr lvl="1"/>
+            <a:r>
+              <a:rPr lang="en-GB" sz="2400" dirty="0"/>
+              <a:t>Detecting concept drift in hidden variables</a:t>
+            </a:r>
           </a:p>
         </p:txBody>
       </p:sp>
@@ -3589,6 +4061,1407 @@
     <p:extLst>
       <p:ext uri="{BB962C8B-B14F-4D97-AF65-F5344CB8AC3E}">
         <p14:creationId xmlns:p14="http://schemas.microsoft.com/office/powerpoint/2010/main" val="80261304"/>
+      </p:ext>
+    </p:extLst>
+  </p:cSld>
+  <p:clrMapOvr>
+    <a:masterClrMapping/>
+  </p:clrMapOvr>
+</p:sld>
+</file>
+
+<file path=ppt/slides/slide11.xml><?xml version="1.0" encoding="utf-8"?>
+<p:sld xmlns:a="http://schemas.openxmlformats.org/drawingml/2006/main" xmlns:r="http://schemas.openxmlformats.org/officeDocument/2006/relationships" xmlns:p="http://schemas.openxmlformats.org/presentationml/2006/main">
+  <p:cSld>
+    <p:spTree>
+      <p:nvGrpSpPr>
+        <p:cNvPr id="1" name=""/>
+        <p:cNvGrpSpPr/>
+        <p:nvPr/>
+      </p:nvGrpSpPr>
+      <p:grpSpPr>
+        <a:xfrm>
+          <a:off x="0" y="0"/>
+          <a:ext cx="0" cy="0"/>
+          <a:chOff x="0" y="0"/>
+          <a:chExt cx="0" cy="0"/>
+        </a:xfrm>
+      </p:grpSpPr>
+      <p:sp>
+        <p:nvSpPr>
+          <p:cNvPr id="2" name="Title 1">
+            <a:extLst>
+              <a:ext uri="{FF2B5EF4-FFF2-40B4-BE49-F238E27FC236}">
+                <a16:creationId xmlns:a16="http://schemas.microsoft.com/office/drawing/2014/main" id="{4E2E2A07-CFBD-0630-0902-583BA997C753}"/>
+              </a:ext>
+            </a:extLst>
+          </p:cNvPr>
+          <p:cNvSpPr>
+            <a:spLocks noGrp="1"/>
+          </p:cNvSpPr>
+          <p:nvPr>
+            <p:ph type="title"/>
+          </p:nvPr>
+        </p:nvSpPr>
+        <p:spPr/>
+        <p:txBody>
+          <a:bodyPr>
+            <a:normAutofit/>
+          </a:bodyPr>
+          <a:lstStyle/>
+          <a:p>
+            <a:r>
+              <a:rPr lang="en-GB" dirty="0"/>
+              <a:t>Effect of model choices - standardization</a:t>
+            </a:r>
+          </a:p>
+        </p:txBody>
+      </p:sp>
+      <p:sp>
+        <p:nvSpPr>
+          <p:cNvPr id="3" name="Content Placeholder 2">
+            <a:extLst>
+              <a:ext uri="{FF2B5EF4-FFF2-40B4-BE49-F238E27FC236}">
+                <a16:creationId xmlns:a16="http://schemas.microsoft.com/office/drawing/2014/main" id="{DC6D38DC-09D3-FA1A-AAA9-B8BF6422D17A}"/>
+              </a:ext>
+            </a:extLst>
+          </p:cNvPr>
+          <p:cNvSpPr>
+            <a:spLocks noGrp="1"/>
+          </p:cNvSpPr>
+          <p:nvPr>
+            <p:ph idx="1"/>
+          </p:nvPr>
+        </p:nvSpPr>
+        <p:spPr/>
+        <p:txBody>
+          <a:bodyPr/>
+          <a:lstStyle/>
+          <a:p>
+            <a:r>
+              <a:rPr lang="en-GB" dirty="0"/>
+              <a:t>Naïve Bayes with standardized data</a:t>
+            </a:r>
+          </a:p>
+          <a:p>
+            <a:r>
+              <a:rPr lang="en-GB" dirty="0"/>
+              <a:t>Effective drift detection</a:t>
+            </a:r>
+          </a:p>
+        </p:txBody>
+      </p:sp>
+      <p:pic>
+        <p:nvPicPr>
+          <p:cNvPr id="5" name="Imagem 4">
+            <a:extLst>
+              <a:ext uri="{FF2B5EF4-FFF2-40B4-BE49-F238E27FC236}">
+                <a16:creationId xmlns:a16="http://schemas.microsoft.com/office/drawing/2014/main" id="{E9E926EC-FF45-36FC-CBA1-1717E05323B4}"/>
+              </a:ext>
+            </a:extLst>
+          </p:cNvPr>
+          <p:cNvPicPr>
+            <a:picLocks noChangeAspect="1"/>
+          </p:cNvPicPr>
+          <p:nvPr/>
+        </p:nvPicPr>
+        <p:blipFill>
+          <a:blip r:embed="rId2"/>
+          <a:stretch>
+            <a:fillRect/>
+          </a:stretch>
+        </p:blipFill>
+        <p:spPr>
+          <a:xfrm>
+            <a:off x="0" y="3253210"/>
+            <a:ext cx="12192000" cy="3056150"/>
+          </a:xfrm>
+          <a:prstGeom prst="rect">
+            <a:avLst/>
+          </a:prstGeom>
+        </p:spPr>
+      </p:pic>
+    </p:spTree>
+    <p:extLst>
+      <p:ext uri="{BB962C8B-B14F-4D97-AF65-F5344CB8AC3E}">
+        <p14:creationId xmlns:p14="http://schemas.microsoft.com/office/powerpoint/2010/main" val="523274891"/>
+      </p:ext>
+    </p:extLst>
+  </p:cSld>
+  <p:clrMapOvr>
+    <a:masterClrMapping/>
+  </p:clrMapOvr>
+</p:sld>
+</file>
+
+<file path=ppt/slides/slide12.xml><?xml version="1.0" encoding="utf-8"?>
+<p:sld xmlns:a="http://schemas.openxmlformats.org/drawingml/2006/main" xmlns:r="http://schemas.openxmlformats.org/officeDocument/2006/relationships" xmlns:p="http://schemas.openxmlformats.org/presentationml/2006/main">
+  <p:cSld>
+    <p:spTree>
+      <p:nvGrpSpPr>
+        <p:cNvPr id="1" name=""/>
+        <p:cNvGrpSpPr/>
+        <p:nvPr/>
+      </p:nvGrpSpPr>
+      <p:grpSpPr>
+        <a:xfrm>
+          <a:off x="0" y="0"/>
+          <a:ext cx="0" cy="0"/>
+          <a:chOff x="0" y="0"/>
+          <a:chExt cx="0" cy="0"/>
+        </a:xfrm>
+      </p:grpSpPr>
+      <p:sp>
+        <p:nvSpPr>
+          <p:cNvPr id="3" name="Content Placeholder 2">
+            <a:extLst>
+              <a:ext uri="{FF2B5EF4-FFF2-40B4-BE49-F238E27FC236}">
+                <a16:creationId xmlns:a16="http://schemas.microsoft.com/office/drawing/2014/main" id="{DC6D38DC-09D3-FA1A-AAA9-B8BF6422D17A}"/>
+              </a:ext>
+            </a:extLst>
+          </p:cNvPr>
+          <p:cNvSpPr>
+            <a:spLocks noGrp="1"/>
+          </p:cNvSpPr>
+          <p:nvPr>
+            <p:ph idx="4294967295"/>
+          </p:nvPr>
+        </p:nvSpPr>
+        <p:spPr>
+          <a:xfrm>
+            <a:off x="1235868" y="685990"/>
+            <a:ext cx="9720263" cy="1023938"/>
+          </a:xfrm>
+        </p:spPr>
+        <p:txBody>
+          <a:bodyPr/>
+          <a:lstStyle/>
+          <a:p>
+            <a:r>
+              <a:rPr lang="en-GB" dirty="0"/>
+              <a:t>Fifth drift detected significantly later</a:t>
+            </a:r>
+          </a:p>
+          <a:p>
+            <a:r>
+              <a:rPr lang="en-GB" dirty="0"/>
+              <a:t>Standardization might minimize the effect of different concepts</a:t>
+            </a:r>
+          </a:p>
+        </p:txBody>
+      </p:sp>
+      <p:pic>
+        <p:nvPicPr>
+          <p:cNvPr id="14" name="Imagem 13">
+            <a:extLst>
+              <a:ext uri="{FF2B5EF4-FFF2-40B4-BE49-F238E27FC236}">
+                <a16:creationId xmlns:a16="http://schemas.microsoft.com/office/drawing/2014/main" id="{6F01F4C6-DB40-B6C8-B43E-001F2C570F0F}"/>
+              </a:ext>
+            </a:extLst>
+          </p:cNvPr>
+          <p:cNvPicPr>
+            <a:picLocks noChangeAspect="1"/>
+          </p:cNvPicPr>
+          <p:nvPr/>
+        </p:nvPicPr>
+        <p:blipFill>
+          <a:blip r:embed="rId2"/>
+          <a:stretch>
+            <a:fillRect/>
+          </a:stretch>
+        </p:blipFill>
+        <p:spPr>
+          <a:xfrm>
+            <a:off x="1124144" y="1682496"/>
+            <a:ext cx="9943710" cy="5112000"/>
+          </a:xfrm>
+          <a:prstGeom prst="rect">
+            <a:avLst/>
+          </a:prstGeom>
+        </p:spPr>
+      </p:pic>
+    </p:spTree>
+    <p:extLst>
+      <p:ext uri="{BB962C8B-B14F-4D97-AF65-F5344CB8AC3E}">
+        <p14:creationId xmlns:p14="http://schemas.microsoft.com/office/powerpoint/2010/main" val="3968721990"/>
+      </p:ext>
+    </p:extLst>
+  </p:cSld>
+  <p:clrMapOvr>
+    <a:masterClrMapping/>
+  </p:clrMapOvr>
+</p:sld>
+</file>
+
+<file path=ppt/slides/slide13.xml><?xml version="1.0" encoding="utf-8"?>
+<p:sld xmlns:a="http://schemas.openxmlformats.org/drawingml/2006/main" xmlns:r="http://schemas.openxmlformats.org/officeDocument/2006/relationships" xmlns:p="http://schemas.openxmlformats.org/presentationml/2006/main">
+  <p:cSld>
+    <p:spTree>
+      <p:nvGrpSpPr>
+        <p:cNvPr id="1" name=""/>
+        <p:cNvGrpSpPr/>
+        <p:nvPr/>
+      </p:nvGrpSpPr>
+      <p:grpSpPr>
+        <a:xfrm>
+          <a:off x="0" y="0"/>
+          <a:ext cx="0" cy="0"/>
+          <a:chOff x="0" y="0"/>
+          <a:chExt cx="0" cy="0"/>
+        </a:xfrm>
+      </p:grpSpPr>
+      <p:sp>
+        <p:nvSpPr>
+          <p:cNvPr id="2" name="Title 1">
+            <a:extLst>
+              <a:ext uri="{FF2B5EF4-FFF2-40B4-BE49-F238E27FC236}">
+                <a16:creationId xmlns:a16="http://schemas.microsoft.com/office/drawing/2014/main" id="{4E2E2A07-CFBD-0630-0902-583BA997C753}"/>
+              </a:ext>
+            </a:extLst>
+          </p:cNvPr>
+          <p:cNvSpPr>
+            <a:spLocks noGrp="1"/>
+          </p:cNvSpPr>
+          <p:nvPr>
+            <p:ph type="title"/>
+          </p:nvPr>
+        </p:nvSpPr>
+        <p:spPr/>
+        <p:txBody>
+          <a:bodyPr>
+            <a:normAutofit/>
+          </a:bodyPr>
+          <a:lstStyle/>
+          <a:p>
+            <a:r>
+              <a:rPr lang="en-GB" dirty="0"/>
+              <a:t>Effect of model choices – SGD Classifier</a:t>
+            </a:r>
+          </a:p>
+        </p:txBody>
+      </p:sp>
+      <p:sp>
+        <p:nvSpPr>
+          <p:cNvPr id="3" name="Content Placeholder 2">
+            <a:extLst>
+              <a:ext uri="{FF2B5EF4-FFF2-40B4-BE49-F238E27FC236}">
+                <a16:creationId xmlns:a16="http://schemas.microsoft.com/office/drawing/2014/main" id="{DC6D38DC-09D3-FA1A-AAA9-B8BF6422D17A}"/>
+              </a:ext>
+            </a:extLst>
+          </p:cNvPr>
+          <p:cNvSpPr>
+            <a:spLocks noGrp="1"/>
+          </p:cNvSpPr>
+          <p:nvPr>
+            <p:ph idx="1"/>
+          </p:nvPr>
+        </p:nvSpPr>
+        <p:spPr>
+          <a:xfrm>
+            <a:off x="1024128" y="2286000"/>
+            <a:ext cx="9720071" cy="1019886"/>
+          </a:xfrm>
+        </p:spPr>
+        <p:txBody>
+          <a:bodyPr/>
+          <a:lstStyle/>
+          <a:p>
+            <a:r>
+              <a:rPr lang="en-GB" dirty="0"/>
+              <a:t>Logistic Regression with SGD</a:t>
+            </a:r>
+          </a:p>
+          <a:p>
+            <a:r>
+              <a:rPr lang="en-GB" dirty="0"/>
+              <a:t>Effectively reduced the error</a:t>
+            </a:r>
+          </a:p>
+        </p:txBody>
+      </p:sp>
+      <p:pic>
+        <p:nvPicPr>
+          <p:cNvPr id="6" name="Imagem 5">
+            <a:extLst>
+              <a:ext uri="{FF2B5EF4-FFF2-40B4-BE49-F238E27FC236}">
+                <a16:creationId xmlns:a16="http://schemas.microsoft.com/office/drawing/2014/main" id="{DC6E68B9-8775-3EA6-6B29-FF35E6D1284B}"/>
+              </a:ext>
+            </a:extLst>
+          </p:cNvPr>
+          <p:cNvPicPr>
+            <a:picLocks noChangeAspect="1"/>
+          </p:cNvPicPr>
+          <p:nvPr/>
+        </p:nvPicPr>
+        <p:blipFill>
+          <a:blip r:embed="rId2"/>
+          <a:stretch>
+            <a:fillRect/>
+          </a:stretch>
+        </p:blipFill>
+        <p:spPr>
+          <a:xfrm>
+            <a:off x="87397" y="3507054"/>
+            <a:ext cx="12017206" cy="2916000"/>
+          </a:xfrm>
+          <a:prstGeom prst="rect">
+            <a:avLst/>
+          </a:prstGeom>
+        </p:spPr>
+      </p:pic>
+    </p:spTree>
+    <p:extLst>
+      <p:ext uri="{BB962C8B-B14F-4D97-AF65-F5344CB8AC3E}">
+        <p14:creationId xmlns:p14="http://schemas.microsoft.com/office/powerpoint/2010/main" val="3385092075"/>
+      </p:ext>
+    </p:extLst>
+  </p:cSld>
+  <p:clrMapOvr>
+    <a:masterClrMapping/>
+  </p:clrMapOvr>
+</p:sld>
+</file>
+
+<file path=ppt/slides/slide14.xml><?xml version="1.0" encoding="utf-8"?>
+<p:sld xmlns:a="http://schemas.openxmlformats.org/drawingml/2006/main" xmlns:r="http://schemas.openxmlformats.org/officeDocument/2006/relationships" xmlns:p="http://schemas.openxmlformats.org/presentationml/2006/main">
+  <p:cSld>
+    <p:spTree>
+      <p:nvGrpSpPr>
+        <p:cNvPr id="1" name=""/>
+        <p:cNvGrpSpPr/>
+        <p:nvPr/>
+      </p:nvGrpSpPr>
+      <p:grpSpPr>
+        <a:xfrm>
+          <a:off x="0" y="0"/>
+          <a:ext cx="0" cy="0"/>
+          <a:chOff x="0" y="0"/>
+          <a:chExt cx="0" cy="0"/>
+        </a:xfrm>
+      </p:grpSpPr>
+      <p:sp>
+        <p:nvSpPr>
+          <p:cNvPr id="3" name="Content Placeholder 2">
+            <a:extLst>
+              <a:ext uri="{FF2B5EF4-FFF2-40B4-BE49-F238E27FC236}">
+                <a16:creationId xmlns:a16="http://schemas.microsoft.com/office/drawing/2014/main" id="{DC6D38DC-09D3-FA1A-AAA9-B8BF6422D17A}"/>
+              </a:ext>
+            </a:extLst>
+          </p:cNvPr>
+          <p:cNvSpPr>
+            <a:spLocks noGrp="1"/>
+          </p:cNvSpPr>
+          <p:nvPr>
+            <p:ph idx="4294967295"/>
+          </p:nvPr>
+        </p:nvSpPr>
+        <p:spPr>
+          <a:xfrm>
+            <a:off x="1235868" y="755396"/>
+            <a:ext cx="9720263" cy="2449513"/>
+          </a:xfrm>
+        </p:spPr>
+        <p:txBody>
+          <a:bodyPr/>
+          <a:lstStyle/>
+          <a:p>
+            <a:r>
+              <a:rPr lang="en-GB" dirty="0"/>
+              <a:t>Slower error decrease</a:t>
+            </a:r>
+          </a:p>
+          <a:p>
+            <a:r>
+              <a:rPr lang="en-GB" dirty="0"/>
+              <a:t>False alarms increased</a:t>
+            </a:r>
+          </a:p>
+          <a:p>
+            <a:r>
+              <a:rPr lang="en-GB" dirty="0"/>
+              <a:t>Instability from 45000 to 62000 examples</a:t>
+            </a:r>
+          </a:p>
+          <a:p>
+            <a:r>
+              <a:rPr lang="en-GB" dirty="0"/>
+              <a:t>Balanced classes from 45000 to 60000 – challenging (</a:t>
+            </a:r>
+            <a:r>
+              <a:rPr lang="en-GB" dirty="0" err="1"/>
+              <a:t>confirmar</a:t>
+            </a:r>
+            <a:r>
+              <a:rPr lang="en-GB" dirty="0"/>
+              <a:t>)</a:t>
+            </a:r>
+          </a:p>
+        </p:txBody>
+      </p:sp>
+      <p:pic>
+        <p:nvPicPr>
+          <p:cNvPr id="8" name="Imagem 7">
+            <a:extLst>
+              <a:ext uri="{FF2B5EF4-FFF2-40B4-BE49-F238E27FC236}">
+                <a16:creationId xmlns:a16="http://schemas.microsoft.com/office/drawing/2014/main" id="{56F889D8-4A5D-6E1F-92E0-3403E0A157D7}"/>
+              </a:ext>
+            </a:extLst>
+          </p:cNvPr>
+          <p:cNvPicPr>
+            <a:picLocks noChangeAspect="1"/>
+          </p:cNvPicPr>
+          <p:nvPr/>
+        </p:nvPicPr>
+        <p:blipFill rotWithShape="1">
+          <a:blip r:embed="rId3"/>
+          <a:srcRect t="-1" b="1899"/>
+          <a:stretch/>
+        </p:blipFill>
+        <p:spPr>
+          <a:xfrm>
+            <a:off x="61038" y="3204909"/>
+            <a:ext cx="12069922" cy="2835203"/>
+          </a:xfrm>
+          <a:prstGeom prst="rect">
+            <a:avLst/>
+          </a:prstGeom>
+        </p:spPr>
+      </p:pic>
+    </p:spTree>
+    <p:extLst>
+      <p:ext uri="{BB962C8B-B14F-4D97-AF65-F5344CB8AC3E}">
+        <p14:creationId xmlns:p14="http://schemas.microsoft.com/office/powerpoint/2010/main" val="1963220305"/>
+      </p:ext>
+    </p:extLst>
+  </p:cSld>
+  <p:clrMapOvr>
+    <a:masterClrMapping/>
+  </p:clrMapOvr>
+</p:sld>
+</file>
+
+<file path=ppt/slides/slide15.xml><?xml version="1.0" encoding="utf-8"?>
+<p:sld xmlns:a="http://schemas.openxmlformats.org/drawingml/2006/main" xmlns:r="http://schemas.openxmlformats.org/officeDocument/2006/relationships" xmlns:p="http://schemas.openxmlformats.org/presentationml/2006/main">
+  <p:cSld>
+    <p:spTree>
+      <p:nvGrpSpPr>
+        <p:cNvPr id="1" name=""/>
+        <p:cNvGrpSpPr/>
+        <p:nvPr/>
+      </p:nvGrpSpPr>
+      <p:grpSpPr>
+        <a:xfrm>
+          <a:off x="0" y="0"/>
+          <a:ext cx="0" cy="0"/>
+          <a:chOff x="0" y="0"/>
+          <a:chExt cx="0" cy="0"/>
+        </a:xfrm>
+      </p:grpSpPr>
+      <p:sp>
+        <p:nvSpPr>
+          <p:cNvPr id="2" name="Título 1">
+            <a:extLst>
+              <a:ext uri="{FF2B5EF4-FFF2-40B4-BE49-F238E27FC236}">
+                <a16:creationId xmlns:a16="http://schemas.microsoft.com/office/drawing/2014/main" id="{051CFB47-B6CE-3152-97E4-B8EDEBC3CAA5}"/>
+              </a:ext>
+            </a:extLst>
+          </p:cNvPr>
+          <p:cNvSpPr>
+            <a:spLocks noGrp="1"/>
+          </p:cNvSpPr>
+          <p:nvPr>
+            <p:ph type="title"/>
+          </p:nvPr>
+        </p:nvSpPr>
+        <p:spPr>
+          <a:xfrm>
+            <a:off x="1085088" y="1069848"/>
+            <a:ext cx="10021824" cy="1014984"/>
+          </a:xfrm>
+        </p:spPr>
+        <p:txBody>
+          <a:bodyPr>
+            <a:normAutofit fontScale="90000"/>
+          </a:bodyPr>
+          <a:lstStyle/>
+          <a:p>
+            <a:r>
+              <a:rPr lang="en-GB" sz="5300" dirty="0"/>
+              <a:t>Effect of exponentially smoothing the error</a:t>
+            </a:r>
+            <a:br>
+              <a:rPr lang="en-GB" sz="5400" dirty="0"/>
+            </a:br>
+            <a:endParaRPr lang="en-GB" dirty="0"/>
+          </a:p>
+        </p:txBody>
+      </p:sp>
+      <mc:AlternateContent xmlns:mc="http://schemas.openxmlformats.org/markup-compatibility/2006">
+        <mc:Choice xmlns:a14="http://schemas.microsoft.com/office/drawing/2010/main" Requires="a14">
+          <p:sp>
+            <p:nvSpPr>
+              <p:cNvPr id="3" name="Marcador de Posição de Conteúdo 2">
+                <a:extLst>
+                  <a:ext uri="{FF2B5EF4-FFF2-40B4-BE49-F238E27FC236}">
+                    <a16:creationId xmlns:a16="http://schemas.microsoft.com/office/drawing/2014/main" id="{9B748F14-0856-24B8-0D43-939464970FA1}"/>
+                  </a:ext>
+                </a:extLst>
+              </p:cNvPr>
+              <p:cNvSpPr>
+                <a:spLocks noGrp="1"/>
+              </p:cNvSpPr>
+              <p:nvPr>
+                <p:ph idx="1"/>
+              </p:nvPr>
+            </p:nvSpPr>
+            <p:spPr>
+              <a:xfrm>
+                <a:off x="1235964" y="2084832"/>
+                <a:ext cx="9720071" cy="4023360"/>
+              </a:xfrm>
+            </p:spPr>
+            <p:txBody>
+              <a:bodyPr/>
+              <a:lstStyle/>
+              <a:p>
+                <a:r>
+                  <a:rPr lang="en-GB" u="sng" dirty="0"/>
+                  <a:t>Goal:</a:t>
+                </a:r>
+                <a:r>
+                  <a:rPr lang="en-GB" b="1" dirty="0"/>
+                  <a:t> </a:t>
+                </a:r>
+                <a:r>
+                  <a:rPr lang="en-GB" dirty="0"/>
+                  <a:t>reduce influence of past information</a:t>
+                </a:r>
+              </a:p>
+              <a:p>
+                <a:endParaRPr lang="en-GB" dirty="0"/>
+              </a:p>
+              <a:p>
+                <a:endParaRPr lang="en-GB" dirty="0"/>
+              </a:p>
+              <a:p>
+                <a:r>
+                  <a:rPr lang="en-GB" dirty="0"/>
+                  <a:t>Drift detection quality depends on parameter </a:t>
+                </a:r>
+                <a14:m>
+                  <m:oMath xmlns:m="http://schemas.openxmlformats.org/officeDocument/2006/math">
+                    <m:r>
+                      <a:rPr lang="pt-PT" b="0" i="1" smtClean="0">
+                        <a:latin typeface="Cambria Math" panose="02040503050406030204" pitchFamily="18" charset="0"/>
+                      </a:rPr>
+                      <m:t>𝛼</m:t>
+                    </m:r>
+                  </m:oMath>
+                </a14:m>
+                <a:endParaRPr lang="en-GB" dirty="0"/>
+              </a:p>
+              <a:p>
+                <a:r>
+                  <a:rPr lang="en-GB" dirty="0"/>
+                  <a:t>Decreasing </a:t>
+                </a:r>
+                <a14:m>
+                  <m:oMath xmlns:m="http://schemas.openxmlformats.org/officeDocument/2006/math">
+                    <m:r>
+                      <a:rPr lang="pt-PT" b="0" i="1" smtClean="0">
+                        <a:latin typeface="Cambria Math" panose="02040503050406030204" pitchFamily="18" charset="0"/>
+                      </a:rPr>
+                      <m:t>𝛼</m:t>
+                    </m:r>
+                  </m:oMath>
+                </a14:m>
+                <a:r>
+                  <a:rPr lang="en-GB" dirty="0"/>
+                  <a:t> increases the speed of fading past information</a:t>
+                </a:r>
+              </a:p>
+              <a:p>
+                <a:r>
+                  <a:rPr lang="en-GB" dirty="0"/>
+                  <a:t>Parameter must be chosen be care – small </a:t>
+                </a:r>
+                <a14:m>
+                  <m:oMath xmlns:m="http://schemas.openxmlformats.org/officeDocument/2006/math">
+                    <m:r>
+                      <a:rPr lang="pt-PT" b="0" i="1" smtClean="0">
+                        <a:latin typeface="Cambria Math" panose="02040503050406030204" pitchFamily="18" charset="0"/>
+                      </a:rPr>
+                      <m:t>𝛼</m:t>
+                    </m:r>
+                  </m:oMath>
+                </a14:m>
+                <a:r>
+                  <a:rPr lang="en-GB" dirty="0"/>
+                  <a:t> may exacerbate small increases of error (increasing false alarms).</a:t>
+                </a:r>
+              </a:p>
+            </p:txBody>
+          </p:sp>
+        </mc:Choice>
+        <mc:Fallback>
+          <p:sp>
+            <p:nvSpPr>
+              <p:cNvPr id="3" name="Marcador de Posição de Conteúdo 2">
+                <a:extLst>
+                  <a:ext uri="{FF2B5EF4-FFF2-40B4-BE49-F238E27FC236}">
+                    <a16:creationId xmlns:a16="http://schemas.microsoft.com/office/drawing/2014/main" id="{9B748F14-0856-24B8-0D43-939464970FA1}"/>
+                  </a:ext>
+                </a:extLst>
+              </p:cNvPr>
+              <p:cNvSpPr>
+                <a:spLocks noGrp="1" noRot="1" noChangeAspect="1" noMove="1" noResize="1" noEditPoints="1" noAdjustHandles="1" noChangeArrowheads="1" noChangeShapeType="1" noTextEdit="1"/>
+              </p:cNvSpPr>
+              <p:nvPr>
+                <p:ph idx="1"/>
+              </p:nvPr>
+            </p:nvSpPr>
+            <p:spPr>
+              <a:xfrm>
+                <a:off x="1235964" y="2084832"/>
+                <a:ext cx="9720071" cy="4023360"/>
+              </a:xfrm>
+              <a:blipFill>
+                <a:blip r:embed="rId2"/>
+                <a:stretch>
+                  <a:fillRect l="-376" t="-1818"/>
+                </a:stretch>
+              </a:blipFill>
+            </p:spPr>
+            <p:txBody>
+              <a:bodyPr/>
+              <a:lstStyle/>
+              <a:p>
+                <a:r>
+                  <a:rPr lang="en-GB">
+                    <a:noFill/>
+                  </a:rPr>
+                  <a:t> </a:t>
+                </a:r>
+              </a:p>
+            </p:txBody>
+          </p:sp>
+        </mc:Fallback>
+      </mc:AlternateContent>
+      <mc:AlternateContent xmlns:mc="http://schemas.openxmlformats.org/markup-compatibility/2006">
+        <mc:Choice xmlns:a14="http://schemas.microsoft.com/office/drawing/2010/main" Requires="a14">
+          <p:sp>
+            <p:nvSpPr>
+              <p:cNvPr id="8" name="CaixaDeTexto 7">
+                <a:extLst>
+                  <a:ext uri="{FF2B5EF4-FFF2-40B4-BE49-F238E27FC236}">
+                    <a16:creationId xmlns:a16="http://schemas.microsoft.com/office/drawing/2014/main" id="{E70D4ACC-5004-76C8-05F1-6A5585C1CFF7}"/>
+                  </a:ext>
+                </a:extLst>
+              </p:cNvPr>
+              <p:cNvSpPr txBox="1"/>
+              <p:nvPr/>
+            </p:nvSpPr>
+            <p:spPr>
+              <a:xfrm>
+                <a:off x="3840480" y="2788920"/>
+                <a:ext cx="4928616" cy="369332"/>
+              </a:xfrm>
+              <a:prstGeom prst="rect">
+                <a:avLst/>
+              </a:prstGeom>
+            </p:spPr>
+            <p:style>
+              <a:lnRef idx="2">
+                <a:schemeClr val="accent2"/>
+              </a:lnRef>
+              <a:fillRef idx="1">
+                <a:schemeClr val="lt1"/>
+              </a:fillRef>
+              <a:effectRef idx="0">
+                <a:schemeClr val="accent2"/>
+              </a:effectRef>
+              <a:fontRef idx="minor">
+                <a:schemeClr val="dk1"/>
+              </a:fontRef>
+            </p:style>
+            <p:txBody>
+              <a:bodyPr wrap="square" rtlCol="0">
+                <a:spAutoFit/>
+              </a:bodyPr>
+              <a:lstStyle/>
+              <a:p>
+                <a14:m>
+                  <m:oMathPara xmlns:m="http://schemas.openxmlformats.org/officeDocument/2006/math">
+                    <m:oMathParaPr>
+                      <m:jc m:val="centerGroup"/>
+                    </m:oMathParaPr>
+                    <m:oMath xmlns:m="http://schemas.openxmlformats.org/officeDocument/2006/math">
+                      <m:sSub>
+                        <m:sSubPr>
+                          <m:ctrlPr>
+                            <a:rPr lang="pt-PT" b="0" i="1" smtClean="0">
+                              <a:latin typeface="Cambria Math" panose="02040503050406030204" pitchFamily="18" charset="0"/>
+                            </a:rPr>
+                          </m:ctrlPr>
+                        </m:sSubPr>
+                        <m:e>
+                          <m:r>
+                            <a:rPr lang="pt-PT" b="0" i="1" smtClean="0">
+                              <a:latin typeface="Cambria Math" panose="02040503050406030204" pitchFamily="18" charset="0"/>
+                            </a:rPr>
+                            <m:t>𝑝</m:t>
+                          </m:r>
+                        </m:e>
+                        <m:sub>
+                          <m:r>
+                            <a:rPr lang="pt-PT" b="0" i="1" smtClean="0">
+                              <a:latin typeface="Cambria Math" panose="02040503050406030204" pitchFamily="18" charset="0"/>
+                            </a:rPr>
+                            <m:t>𝑖</m:t>
+                          </m:r>
+                        </m:sub>
+                      </m:sSub>
+                      <m:r>
+                        <a:rPr lang="pt-PT" b="0" i="1" smtClean="0">
+                          <a:latin typeface="Cambria Math" panose="02040503050406030204" pitchFamily="18" charset="0"/>
+                        </a:rPr>
+                        <m:t>=(#</m:t>
+                      </m:r>
+                      <m:sSub>
+                        <m:sSubPr>
+                          <m:ctrlPr>
+                            <a:rPr lang="pt-PT" b="0" i="1" smtClean="0">
+                              <a:latin typeface="Cambria Math" panose="02040503050406030204" pitchFamily="18" charset="0"/>
+                            </a:rPr>
+                          </m:ctrlPr>
+                        </m:sSubPr>
+                        <m:e>
+                          <m:r>
+                            <a:rPr lang="pt-PT" b="0" i="1" smtClean="0">
+                              <a:latin typeface="Cambria Math" panose="02040503050406030204" pitchFamily="18" charset="0"/>
+                            </a:rPr>
+                            <m:t>𝐹</m:t>
+                          </m:r>
+                        </m:e>
+                        <m:sub>
+                          <m:r>
+                            <a:rPr lang="pt-PT" b="0" i="1" smtClean="0">
+                              <a:latin typeface="Cambria Math" panose="02040503050406030204" pitchFamily="18" charset="0"/>
+                            </a:rPr>
+                            <m:t>𝑖</m:t>
+                          </m:r>
+                          <m:r>
+                            <a:rPr lang="pt-PT" b="0" i="1" smtClean="0">
+                              <a:latin typeface="Cambria Math" panose="02040503050406030204" pitchFamily="18" charset="0"/>
+                            </a:rPr>
+                            <m:t>−1</m:t>
+                          </m:r>
+                        </m:sub>
+                      </m:sSub>
+                      <m:r>
+                        <a:rPr lang="pt-PT" b="0" i="1" smtClean="0">
+                          <a:latin typeface="Cambria Math" panose="02040503050406030204" pitchFamily="18" charset="0"/>
+                        </a:rPr>
+                        <m:t>∗</m:t>
+                      </m:r>
+                      <m:r>
+                        <a:rPr lang="pt-PT" b="0" i="1" smtClean="0">
+                          <a:latin typeface="Cambria Math" panose="02040503050406030204" pitchFamily="18" charset="0"/>
+                        </a:rPr>
+                        <m:t>𝛼</m:t>
+                      </m:r>
+                      <m:r>
+                        <a:rPr lang="pt-PT" b="0" i="1" smtClean="0">
+                          <a:latin typeface="Cambria Math" panose="02040503050406030204" pitchFamily="18" charset="0"/>
+                        </a:rPr>
+                        <m:t>+#</m:t>
+                      </m:r>
+                      <m:sSub>
+                        <m:sSubPr>
+                          <m:ctrlPr>
+                            <a:rPr lang="pt-PT" b="0" i="1" smtClean="0">
+                              <a:latin typeface="Cambria Math" panose="02040503050406030204" pitchFamily="18" charset="0"/>
+                            </a:rPr>
+                          </m:ctrlPr>
+                        </m:sSubPr>
+                        <m:e>
+                          <m:r>
+                            <a:rPr lang="pt-PT" b="0" i="1" smtClean="0">
+                              <a:latin typeface="Cambria Math" panose="02040503050406030204" pitchFamily="18" charset="0"/>
+                            </a:rPr>
+                            <m:t>𝐹</m:t>
+                          </m:r>
+                        </m:e>
+                        <m:sub>
+                          <m:r>
+                            <a:rPr lang="pt-PT" b="0" i="1" smtClean="0">
+                              <a:latin typeface="Cambria Math" panose="02040503050406030204" pitchFamily="18" charset="0"/>
+                            </a:rPr>
+                            <m:t>𝑖</m:t>
+                          </m:r>
+                        </m:sub>
+                      </m:sSub>
+                      <m:r>
+                        <a:rPr lang="pt-PT" b="0" i="1" smtClean="0">
+                          <a:latin typeface="Cambria Math" panose="02040503050406030204" pitchFamily="18" charset="0"/>
+                        </a:rPr>
+                        <m:t>)/</m:t>
+                      </m:r>
+                      <m:r>
+                        <a:rPr lang="pt-PT" b="0" i="1" smtClean="0">
+                          <a:latin typeface="Cambria Math" panose="02040503050406030204" pitchFamily="18" charset="0"/>
+                        </a:rPr>
+                        <m:t>𝑖</m:t>
+                      </m:r>
+                    </m:oMath>
+                  </m:oMathPara>
+                </a14:m>
+                <a:endParaRPr lang="en-GB" dirty="0"/>
+              </a:p>
+            </p:txBody>
+          </p:sp>
+        </mc:Choice>
+        <mc:Fallback>
+          <p:sp>
+            <p:nvSpPr>
+              <p:cNvPr id="8" name="CaixaDeTexto 7">
+                <a:extLst>
+                  <a:ext uri="{FF2B5EF4-FFF2-40B4-BE49-F238E27FC236}">
+                    <a16:creationId xmlns:a16="http://schemas.microsoft.com/office/drawing/2014/main" id="{E70D4ACC-5004-76C8-05F1-6A5585C1CFF7}"/>
+                  </a:ext>
+                </a:extLst>
+              </p:cNvPr>
+              <p:cNvSpPr txBox="1">
+                <a:spLocks noRot="1" noChangeAspect="1" noMove="1" noResize="1" noEditPoints="1" noAdjustHandles="1" noChangeArrowheads="1" noChangeShapeType="1" noTextEdit="1"/>
+              </p:cNvSpPr>
+              <p:nvPr/>
+            </p:nvSpPr>
+            <p:spPr>
+              <a:xfrm>
+                <a:off x="3840480" y="2788920"/>
+                <a:ext cx="4928616" cy="369332"/>
+              </a:xfrm>
+              <a:prstGeom prst="rect">
+                <a:avLst/>
+              </a:prstGeom>
+              <a:blipFill>
+                <a:blip r:embed="rId3"/>
+                <a:stretch>
+                  <a:fillRect b="-9524"/>
+                </a:stretch>
+              </a:blipFill>
+            </p:spPr>
+            <p:txBody>
+              <a:bodyPr/>
+              <a:lstStyle/>
+              <a:p>
+                <a:r>
+                  <a:rPr lang="en-GB">
+                    <a:noFill/>
+                  </a:rPr>
+                  <a:t> </a:t>
+                </a:r>
+              </a:p>
+            </p:txBody>
+          </p:sp>
+        </mc:Fallback>
+      </mc:AlternateContent>
+    </p:spTree>
+    <p:extLst>
+      <p:ext uri="{BB962C8B-B14F-4D97-AF65-F5344CB8AC3E}">
+        <p14:creationId xmlns:p14="http://schemas.microsoft.com/office/powerpoint/2010/main" val="3057878028"/>
+      </p:ext>
+    </p:extLst>
+  </p:cSld>
+  <p:clrMapOvr>
+    <a:masterClrMapping/>
+  </p:clrMapOvr>
+</p:sld>
+</file>
+
+<file path=ppt/slides/slide16.xml><?xml version="1.0" encoding="utf-8"?>
+<p:sld xmlns:a="http://schemas.openxmlformats.org/drawingml/2006/main" xmlns:r="http://schemas.openxmlformats.org/officeDocument/2006/relationships" xmlns:p="http://schemas.openxmlformats.org/presentationml/2006/main">
+  <p:cSld>
+    <p:spTree>
+      <p:nvGrpSpPr>
+        <p:cNvPr id="1" name=""/>
+        <p:cNvGrpSpPr/>
+        <p:nvPr/>
+      </p:nvGrpSpPr>
+      <p:grpSpPr>
+        <a:xfrm>
+          <a:off x="0" y="0"/>
+          <a:ext cx="0" cy="0"/>
+          <a:chOff x="0" y="0"/>
+          <a:chExt cx="0" cy="0"/>
+        </a:xfrm>
+      </p:grpSpPr>
+      <p:pic>
+        <p:nvPicPr>
+          <p:cNvPr id="3" name="Imagem 2" descr="Uma imagem com texto, file, diagrama, Gráfico&#10;&#10;Descrição gerada automaticamente">
+            <a:extLst>
+              <a:ext uri="{FF2B5EF4-FFF2-40B4-BE49-F238E27FC236}">
+                <a16:creationId xmlns:a16="http://schemas.microsoft.com/office/drawing/2014/main" id="{8299F395-2571-D50C-03E2-3C2B84539482}"/>
+              </a:ext>
+            </a:extLst>
+          </p:cNvPr>
+          <p:cNvPicPr>
+            <a:picLocks noChangeAspect="1"/>
+          </p:cNvPicPr>
+          <p:nvPr/>
+        </p:nvPicPr>
+        <p:blipFill>
+          <a:blip r:embed="rId2">
+            <a:extLst>
+              <a:ext uri="{28A0092B-C50C-407E-A947-70E740481C1C}">
+                <a14:useLocalDpi xmlns:a14="http://schemas.microsoft.com/office/drawing/2010/main" val="0"/>
+              </a:ext>
+            </a:extLst>
+          </a:blip>
+          <a:stretch>
+            <a:fillRect/>
+          </a:stretch>
+        </p:blipFill>
+        <p:spPr>
+          <a:xfrm>
+            <a:off x="1352306" y="1507217"/>
+            <a:ext cx="9487388" cy="4807197"/>
+          </a:xfrm>
+          <a:prstGeom prst="rect">
+            <a:avLst/>
+          </a:prstGeom>
+        </p:spPr>
+      </p:pic>
+      <mc:AlternateContent xmlns:mc="http://schemas.openxmlformats.org/markup-compatibility/2006">
+        <mc:Choice xmlns:a14="http://schemas.microsoft.com/office/drawing/2010/main" Requires="a14">
+          <p:sp>
+            <p:nvSpPr>
+              <p:cNvPr id="5" name="Título 4">
+                <a:extLst>
+                  <a:ext uri="{FF2B5EF4-FFF2-40B4-BE49-F238E27FC236}">
+                    <a16:creationId xmlns:a16="http://schemas.microsoft.com/office/drawing/2014/main" id="{417CA82C-815E-9926-E03F-5A5BFAF0818E}"/>
+                  </a:ext>
+                </a:extLst>
+              </p:cNvPr>
+              <p:cNvSpPr txBox="1">
+                <a:spLocks/>
+              </p:cNvSpPr>
+              <p:nvPr/>
+            </p:nvSpPr>
+            <p:spPr>
+              <a:xfrm>
+                <a:off x="917448" y="543586"/>
+                <a:ext cx="10357104" cy="681710"/>
+              </a:xfrm>
+              <a:prstGeom prst="rect">
+                <a:avLst/>
+              </a:prstGeom>
+              <a:solidFill>
+                <a:schemeClr val="bg1"/>
+              </a:solidFill>
+            </p:spPr>
+            <p:txBody>
+              <a:bodyPr>
+                <a:noAutofit/>
+              </a:bodyPr>
+              <a:lstStyle>
+                <a:lvl1pPr algn="l" defTabSz="914400" rtl="0" eaLnBrk="1" latinLnBrk="0" hangingPunct="1">
+                  <a:lnSpc>
+                    <a:spcPct val="80000"/>
+                  </a:lnSpc>
+                  <a:spcBef>
+                    <a:spcPct val="0"/>
+                  </a:spcBef>
+                  <a:buNone/>
+                  <a:defRPr sz="5000" kern="1200" cap="all" spc="100" baseline="0">
+                    <a:solidFill>
+                      <a:schemeClr val="tx1">
+                        <a:lumMod val="90000"/>
+                        <a:lumOff val="10000"/>
+                      </a:schemeClr>
+                    </a:solidFill>
+                    <a:latin typeface="+mj-lt"/>
+                    <a:ea typeface="+mj-ea"/>
+                    <a:cs typeface="+mj-cs"/>
+                  </a:defRPr>
+                </a:lvl1pPr>
+              </a:lstStyle>
+              <a:p>
+                <a:r>
+                  <a:rPr lang="en-GB" sz="4000" dirty="0"/>
+                  <a:t>For </a:t>
+                </a:r>
+                <a14:m>
+                  <m:oMath xmlns:m="http://schemas.openxmlformats.org/officeDocument/2006/math">
+                    <m:r>
+                      <a:rPr lang="pt-PT" sz="4000" i="1" smtClean="0">
+                        <a:latin typeface="Cambria Math" panose="02040503050406030204" pitchFamily="18" charset="0"/>
+                      </a:rPr>
+                      <m:t>𝛼</m:t>
+                    </m:r>
+                    <m:r>
+                      <a:rPr lang="pt-PT" sz="4000" i="1" smtClean="0">
+                        <a:latin typeface="Cambria Math" panose="02040503050406030204" pitchFamily="18" charset="0"/>
+                      </a:rPr>
+                      <m:t>≥0.9</m:t>
+                    </m:r>
+                  </m:oMath>
+                </a14:m>
+                <a:r>
+                  <a:rPr lang="en-GB" sz="4000" dirty="0"/>
+                  <a:t>, SPC effectively detects all concept drifts</a:t>
+                </a:r>
+                <a:br>
+                  <a:rPr lang="en-GB" sz="4000" dirty="0"/>
+                </a:br>
+                <a:endParaRPr lang="en-GB" sz="4000" dirty="0"/>
+              </a:p>
+            </p:txBody>
+          </p:sp>
+        </mc:Choice>
+        <mc:Fallback>
+          <p:sp>
+            <p:nvSpPr>
+              <p:cNvPr id="5" name="Título 4">
+                <a:extLst>
+                  <a:ext uri="{FF2B5EF4-FFF2-40B4-BE49-F238E27FC236}">
+                    <a16:creationId xmlns:a16="http://schemas.microsoft.com/office/drawing/2014/main" id="{417CA82C-815E-9926-E03F-5A5BFAF0818E}"/>
+                  </a:ext>
+                </a:extLst>
+              </p:cNvPr>
+              <p:cNvSpPr txBox="1">
+                <a:spLocks noRot="1" noChangeAspect="1" noMove="1" noResize="1" noEditPoints="1" noAdjustHandles="1" noChangeArrowheads="1" noChangeShapeType="1" noTextEdit="1"/>
+              </p:cNvSpPr>
+              <p:nvPr/>
+            </p:nvSpPr>
+            <p:spPr>
+              <a:xfrm>
+                <a:off x="917448" y="543586"/>
+                <a:ext cx="10357104" cy="681710"/>
+              </a:xfrm>
+              <a:prstGeom prst="rect">
+                <a:avLst/>
+              </a:prstGeom>
+              <a:blipFill>
+                <a:blip r:embed="rId3"/>
+                <a:stretch>
+                  <a:fillRect l="-2119" t="-32143" r="-942" b="-25000"/>
+                </a:stretch>
+              </a:blipFill>
+            </p:spPr>
+            <p:txBody>
+              <a:bodyPr/>
+              <a:lstStyle/>
+              <a:p>
+                <a:r>
+                  <a:rPr lang="en-GB">
+                    <a:noFill/>
+                  </a:rPr>
+                  <a:t> </a:t>
+                </a:r>
+              </a:p>
+            </p:txBody>
+          </p:sp>
+        </mc:Fallback>
+      </mc:AlternateContent>
+    </p:spTree>
+    <p:extLst>
+      <p:ext uri="{BB962C8B-B14F-4D97-AF65-F5344CB8AC3E}">
+        <p14:creationId xmlns:p14="http://schemas.microsoft.com/office/powerpoint/2010/main" val="2490833990"/>
+      </p:ext>
+    </p:extLst>
+  </p:cSld>
+  <p:clrMapOvr>
+    <a:masterClrMapping/>
+  </p:clrMapOvr>
+</p:sld>
+</file>
+
+<file path=ppt/slides/slide17.xml><?xml version="1.0" encoding="utf-8"?>
+<p:sld xmlns:a="http://schemas.openxmlformats.org/drawingml/2006/main" xmlns:r="http://schemas.openxmlformats.org/officeDocument/2006/relationships" xmlns:p="http://schemas.openxmlformats.org/presentationml/2006/main">
+  <p:cSld>
+    <p:spTree>
+      <p:nvGrpSpPr>
+        <p:cNvPr id="1" name=""/>
+        <p:cNvGrpSpPr/>
+        <p:nvPr/>
+      </p:nvGrpSpPr>
+      <p:grpSpPr>
+        <a:xfrm>
+          <a:off x="0" y="0"/>
+          <a:ext cx="0" cy="0"/>
+          <a:chOff x="0" y="0"/>
+          <a:chExt cx="0" cy="0"/>
+        </a:xfrm>
+      </p:grpSpPr>
+      <mc:AlternateContent xmlns:mc="http://schemas.openxmlformats.org/markup-compatibility/2006">
+        <mc:Choice xmlns:a14="http://schemas.microsoft.com/office/drawing/2010/main" Requires="a14">
+          <p:sp>
+            <p:nvSpPr>
+              <p:cNvPr id="2" name="Título 1">
+                <a:extLst>
+                  <a:ext uri="{FF2B5EF4-FFF2-40B4-BE49-F238E27FC236}">
+                    <a16:creationId xmlns:a16="http://schemas.microsoft.com/office/drawing/2014/main" id="{9DB33A27-76A6-263C-3DC3-D2AB3B409E43}"/>
+                  </a:ext>
+                </a:extLst>
+              </p:cNvPr>
+              <p:cNvSpPr>
+                <a:spLocks noGrp="1"/>
+              </p:cNvSpPr>
+              <p:nvPr>
+                <p:ph type="title"/>
+              </p:nvPr>
+            </p:nvSpPr>
+            <p:spPr/>
+            <p:txBody>
+              <a:bodyPr/>
+              <a:lstStyle/>
+              <a:p>
+                <a:r>
+                  <a:rPr lang="en-GB" dirty="0"/>
+                  <a:t>Parameter </a:t>
+                </a:r>
+                <a14:m>
+                  <m:oMath xmlns:m="http://schemas.openxmlformats.org/officeDocument/2006/math">
+                    <m:r>
+                      <a:rPr lang="pt-PT" b="0" i="1" smtClean="0">
+                        <a:latin typeface="Cambria Math" panose="02040503050406030204" pitchFamily="18" charset="0"/>
+                      </a:rPr>
+                      <m:t>𝛼</m:t>
+                    </m:r>
+                    <m:r>
+                      <a:rPr lang="pt-PT" b="0" i="1" smtClean="0">
+                        <a:latin typeface="Cambria Math" panose="02040503050406030204" pitchFamily="18" charset="0"/>
+                      </a:rPr>
+                      <m:t>=0.99</m:t>
+                    </m:r>
+                  </m:oMath>
+                </a14:m>
+                <a:endParaRPr lang="en-GB" dirty="0"/>
+              </a:p>
+            </p:txBody>
+          </p:sp>
+        </mc:Choice>
+        <mc:Fallback>
+          <p:sp>
+            <p:nvSpPr>
+              <p:cNvPr id="2" name="Título 1">
+                <a:extLst>
+                  <a:ext uri="{FF2B5EF4-FFF2-40B4-BE49-F238E27FC236}">
+                    <a16:creationId xmlns:a16="http://schemas.microsoft.com/office/drawing/2014/main" id="{9DB33A27-76A6-263C-3DC3-D2AB3B409E43}"/>
+                  </a:ext>
+                </a:extLst>
+              </p:cNvPr>
+              <p:cNvSpPr>
+                <a:spLocks noGrp="1" noRot="1" noChangeAspect="1" noMove="1" noResize="1" noEditPoints="1" noAdjustHandles="1" noChangeArrowheads="1" noChangeShapeType="1" noTextEdit="1"/>
+              </p:cNvSpPr>
+              <p:nvPr>
+                <p:ph type="title"/>
+              </p:nvPr>
+            </p:nvSpPr>
+            <p:spPr>
+              <a:blipFill>
+                <a:blip r:embed="rId2"/>
+                <a:stretch>
+                  <a:fillRect l="-3009"/>
+                </a:stretch>
+              </a:blipFill>
+            </p:spPr>
+            <p:txBody>
+              <a:bodyPr/>
+              <a:lstStyle/>
+              <a:p>
+                <a:r>
+                  <a:rPr lang="en-GB">
+                    <a:noFill/>
+                  </a:rPr>
+                  <a:t> </a:t>
+                </a:r>
+              </a:p>
+            </p:txBody>
+          </p:sp>
+        </mc:Fallback>
+      </mc:AlternateContent>
+      <p:pic>
+        <p:nvPicPr>
+          <p:cNvPr id="5" name="Marcador de Posição de Conteúdo 4">
+            <a:extLst>
+              <a:ext uri="{FF2B5EF4-FFF2-40B4-BE49-F238E27FC236}">
+                <a16:creationId xmlns:a16="http://schemas.microsoft.com/office/drawing/2014/main" id="{AD34B488-A281-EAC3-D290-0024E408B176}"/>
+              </a:ext>
+            </a:extLst>
+          </p:cNvPr>
+          <p:cNvPicPr>
+            <a:picLocks noGrp="1" noChangeAspect="1"/>
+          </p:cNvPicPr>
+          <p:nvPr>
+            <p:ph idx="1"/>
+          </p:nvPr>
+        </p:nvPicPr>
+        <p:blipFill rotWithShape="1">
+          <a:blip r:embed="rId3"/>
+          <a:srcRect l="1494"/>
+          <a:stretch/>
+        </p:blipFill>
+        <p:spPr>
+          <a:xfrm>
+            <a:off x="1288800" y="1756282"/>
+            <a:ext cx="9326375" cy="4860000"/>
+          </a:xfrm>
+        </p:spPr>
+      </p:pic>
+    </p:spTree>
+    <p:extLst>
+      <p:ext uri="{BB962C8B-B14F-4D97-AF65-F5344CB8AC3E}">
+        <p14:creationId xmlns:p14="http://schemas.microsoft.com/office/powerpoint/2010/main" val="3980522415"/>
+      </p:ext>
+    </p:extLst>
+  </p:cSld>
+  <p:clrMapOvr>
+    <a:masterClrMapping/>
+  </p:clrMapOvr>
+</p:sld>
+</file>
+
+<file path=ppt/slides/slide18.xml><?xml version="1.0" encoding="utf-8"?>
+<p:sld xmlns:a="http://schemas.openxmlformats.org/drawingml/2006/main" xmlns:r="http://schemas.openxmlformats.org/officeDocument/2006/relationships" xmlns:p="http://schemas.openxmlformats.org/presentationml/2006/main">
+  <p:cSld>
+    <p:spTree>
+      <p:nvGrpSpPr>
+        <p:cNvPr id="1" name=""/>
+        <p:cNvGrpSpPr/>
+        <p:nvPr/>
+      </p:nvGrpSpPr>
+      <p:grpSpPr>
+        <a:xfrm>
+          <a:off x="0" y="0"/>
+          <a:ext cx="0" cy="0"/>
+          <a:chOff x="0" y="0"/>
+          <a:chExt cx="0" cy="0"/>
+        </a:xfrm>
+      </p:grpSpPr>
+      <mc:AlternateContent xmlns:mc="http://schemas.openxmlformats.org/markup-compatibility/2006">
+        <mc:Choice xmlns:a14="http://schemas.microsoft.com/office/drawing/2010/main" Requires="a14">
+          <p:sp>
+            <p:nvSpPr>
+              <p:cNvPr id="2" name="Título 1">
+                <a:extLst>
+                  <a:ext uri="{FF2B5EF4-FFF2-40B4-BE49-F238E27FC236}">
+                    <a16:creationId xmlns:a16="http://schemas.microsoft.com/office/drawing/2014/main" id="{2594C708-79F8-A060-CD7D-5821AC575717}"/>
+                  </a:ext>
+                </a:extLst>
+              </p:cNvPr>
+              <p:cNvSpPr>
+                <a:spLocks noGrp="1"/>
+              </p:cNvSpPr>
+              <p:nvPr>
+                <p:ph type="title"/>
+              </p:nvPr>
+            </p:nvSpPr>
+            <p:spPr/>
+            <p:txBody>
+              <a:bodyPr/>
+              <a:lstStyle/>
+              <a:p>
+                <a:r>
+                  <a:rPr lang="en-GB" dirty="0"/>
+                  <a:t>Parameter </a:t>
+                </a:r>
+                <a14:m>
+                  <m:oMath xmlns:m="http://schemas.openxmlformats.org/officeDocument/2006/math">
+                    <m:r>
+                      <a:rPr lang="pt-PT" b="0" i="1" smtClean="0">
+                        <a:latin typeface="Cambria Math" panose="02040503050406030204" pitchFamily="18" charset="0"/>
+                      </a:rPr>
+                      <m:t>𝛼</m:t>
+                    </m:r>
+                    <m:r>
+                      <a:rPr lang="pt-PT" b="0" i="0" smtClean="0">
+                        <a:latin typeface="Cambria Math" panose="02040503050406030204" pitchFamily="18" charset="0"/>
+                      </a:rPr>
+                      <m:t>=0.9</m:t>
+                    </m:r>
+                  </m:oMath>
+                </a14:m>
+                <a:endParaRPr lang="en-GB" dirty="0"/>
+              </a:p>
+            </p:txBody>
+          </p:sp>
+        </mc:Choice>
+        <mc:Fallback>
+          <p:sp>
+            <p:nvSpPr>
+              <p:cNvPr id="2" name="Título 1">
+                <a:extLst>
+                  <a:ext uri="{FF2B5EF4-FFF2-40B4-BE49-F238E27FC236}">
+                    <a16:creationId xmlns:a16="http://schemas.microsoft.com/office/drawing/2014/main" id="{2594C708-79F8-A060-CD7D-5821AC575717}"/>
+                  </a:ext>
+                </a:extLst>
+              </p:cNvPr>
+              <p:cNvSpPr>
+                <a:spLocks noGrp="1" noRot="1" noChangeAspect="1" noMove="1" noResize="1" noEditPoints="1" noAdjustHandles="1" noChangeArrowheads="1" noChangeShapeType="1" noTextEdit="1"/>
+              </p:cNvSpPr>
+              <p:nvPr>
+                <p:ph type="title"/>
+              </p:nvPr>
+            </p:nvSpPr>
+            <p:spPr>
+              <a:blipFill>
+                <a:blip r:embed="rId2"/>
+                <a:stretch>
+                  <a:fillRect l="-3009"/>
+                </a:stretch>
+              </a:blipFill>
+            </p:spPr>
+            <p:txBody>
+              <a:bodyPr/>
+              <a:lstStyle/>
+              <a:p>
+                <a:r>
+                  <a:rPr lang="en-GB">
+                    <a:noFill/>
+                  </a:rPr>
+                  <a:t> </a:t>
+                </a:r>
+              </a:p>
+            </p:txBody>
+          </p:sp>
+        </mc:Fallback>
+      </mc:AlternateContent>
+      <p:pic>
+        <p:nvPicPr>
+          <p:cNvPr id="5" name="Imagem 4">
+            <a:extLst>
+              <a:ext uri="{FF2B5EF4-FFF2-40B4-BE49-F238E27FC236}">
+                <a16:creationId xmlns:a16="http://schemas.microsoft.com/office/drawing/2014/main" id="{B9C08BB6-782D-7B09-8EE9-6732D3BF6139}"/>
+              </a:ext>
+            </a:extLst>
+          </p:cNvPr>
+          <p:cNvPicPr>
+            <a:picLocks noChangeAspect="1"/>
+          </p:cNvPicPr>
+          <p:nvPr/>
+        </p:nvPicPr>
+        <p:blipFill>
+          <a:blip r:embed="rId3"/>
+          <a:stretch>
+            <a:fillRect/>
+          </a:stretch>
+        </p:blipFill>
+        <p:spPr>
+          <a:xfrm>
+            <a:off x="1290360" y="1736413"/>
+            <a:ext cx="9611280" cy="4860000"/>
+          </a:xfrm>
+          <a:prstGeom prst="rect">
+            <a:avLst/>
+          </a:prstGeom>
+        </p:spPr>
+      </p:pic>
+    </p:spTree>
+    <p:extLst>
+      <p:ext uri="{BB962C8B-B14F-4D97-AF65-F5344CB8AC3E}">
+        <p14:creationId xmlns:p14="http://schemas.microsoft.com/office/powerpoint/2010/main" val="58450461"/>
       </p:ext>
     </p:extLst>
   </p:cSld>
@@ -3753,8 +5626,8 @@
           </a:p>
         </p:txBody>
       </p:sp>
-      <mc:AlternateContent xmlns:mc="http://schemas.openxmlformats.org/markup-compatibility/2006">
-        <mc:Choice xmlns:a14="http://schemas.microsoft.com/office/drawing/2010/main" Requires="a14">
+      <mc:AlternateContent xmlns:mc="http://schemas.openxmlformats.org/markup-compatibility/2006" xmlns:a14="http://schemas.microsoft.com/office/drawing/2010/main">
+        <mc:Choice Requires="a14">
           <p:sp>
             <p:nvSpPr>
               <p:cNvPr id="3" name="Content Placeholder 2">
@@ -4192,7 +6065,7 @@
             </p:txBody>
           </p:sp>
         </mc:Choice>
-        <mc:Fallback>
+        <mc:Fallback xmlns="">
           <p:sp>
             <p:nvSpPr>
               <p:cNvPr id="3" name="Content Placeholder 2">
@@ -4336,8 +6209,8 @@
           </a:p>
         </p:txBody>
       </p:sp>
-      <mc:AlternateContent xmlns:mc="http://schemas.openxmlformats.org/markup-compatibility/2006">
-        <mc:Choice xmlns:a14="http://schemas.microsoft.com/office/drawing/2010/main" Requires="a14">
+      <mc:AlternateContent xmlns:mc="http://schemas.openxmlformats.org/markup-compatibility/2006" xmlns:a14="http://schemas.microsoft.com/office/drawing/2010/main">
+        <mc:Choice Requires="a14">
           <p:sp>
             <p:nvSpPr>
               <p:cNvPr id="3" name="Content Placeholder 2">
@@ -4867,13 +6740,7 @@
                       <a:rPr lang="pt-PT" sz="1900" b="0" i="1" smtClean="0">
                         <a:latin typeface="Cambria Math" panose="02040503050406030204" pitchFamily="18" charset="0"/>
                       </a:rPr>
-                      <m:t>+</m:t>
-                    </m:r>
-                    <m:r>
-                      <a:rPr lang="pt-PT" sz="1900" b="0" i="1" smtClean="0">
-                        <a:latin typeface="Cambria Math" panose="02040503050406030204" pitchFamily="18" charset="0"/>
-                      </a:rPr>
-                      <m:t>3</m:t>
+                      <m:t>+3</m:t>
                     </m:r>
                     <m:sSub>
                       <m:sSubPr>
@@ -5113,7 +6980,7 @@
             </p:txBody>
           </p:sp>
         </mc:Choice>
-        <mc:Fallback>
+        <mc:Fallback xmlns="">
           <p:sp>
             <p:nvSpPr>
               <p:cNvPr id="3" name="Content Placeholder 2">
@@ -5391,8 +7258,8 @@
           </a:p>
         </p:txBody>
       </p:sp>
-      <mc:AlternateContent xmlns:mc="http://schemas.openxmlformats.org/markup-compatibility/2006">
-        <mc:Choice xmlns:a14="http://schemas.microsoft.com/office/drawing/2010/main" Requires="a14">
+      <mc:AlternateContent xmlns:mc="http://schemas.openxmlformats.org/markup-compatibility/2006" xmlns:a14="http://schemas.microsoft.com/office/drawing/2010/main">
+        <mc:Choice Requires="a14">
           <p:sp>
             <p:nvSpPr>
               <p:cNvPr id="3" name="Content Placeholder 2">
@@ -5657,7 +7524,7 @@
             </p:txBody>
           </p:sp>
         </mc:Choice>
-        <mc:Fallback>
+        <mc:Fallback xmlns="">
           <p:sp>
             <p:nvSpPr>
               <p:cNvPr id="3" name="Content Placeholder 2">
@@ -6213,6 +8080,36 @@
           <a:xfrm>
             <a:off x="1093068" y="1750141"/>
             <a:ext cx="9901086" cy="4950543"/>
+          </a:xfrm>
+          <a:prstGeom prst="rect">
+            <a:avLst/>
+          </a:prstGeom>
+        </p:spPr>
+      </p:pic>
+      <p:pic>
+        <p:nvPicPr>
+          <p:cNvPr id="4" name="Imagem 3">
+            <a:extLst>
+              <a:ext uri="{FF2B5EF4-FFF2-40B4-BE49-F238E27FC236}">
+                <a16:creationId xmlns:a16="http://schemas.microsoft.com/office/drawing/2014/main" id="{6B0DC8CB-E375-BF52-9359-49A23AE8BF5F}"/>
+              </a:ext>
+            </a:extLst>
+          </p:cNvPr>
+          <p:cNvPicPr>
+            <a:picLocks noChangeAspect="1"/>
+          </p:cNvPicPr>
+          <p:nvPr/>
+        </p:nvPicPr>
+        <p:blipFill>
+          <a:blip r:embed="rId3"/>
+          <a:stretch>
+            <a:fillRect/>
+          </a:stretch>
+        </p:blipFill>
+        <p:spPr>
+          <a:xfrm>
+            <a:off x="1297788" y="1750684"/>
+            <a:ext cx="9765306" cy="4950000"/>
           </a:xfrm>
           <a:prstGeom prst="rect">
             <a:avLst/>
@@ -6590,4 +8487,319 @@
     </a:ext>
   </a:extLst>
 </a:theme>
+</file>
+
+<file path=ppt/theme/theme2.xml><?xml version="1.0" encoding="utf-8"?>
+<a:theme xmlns:a="http://schemas.openxmlformats.org/drawingml/2006/main" name="Tema do Office">
+  <a:themeElements>
+    <a:clrScheme name="Office">
+      <a:dk1>
+        <a:sysClr val="windowText" lastClr="000000"/>
+      </a:dk1>
+      <a:lt1>
+        <a:sysClr val="window" lastClr="FFFFFF"/>
+      </a:lt1>
+      <a:dk2>
+        <a:srgbClr val="0E2841"/>
+      </a:dk2>
+      <a:lt2>
+        <a:srgbClr val="E8E8E8"/>
+      </a:lt2>
+      <a:accent1>
+        <a:srgbClr val="156082"/>
+      </a:accent1>
+      <a:accent2>
+        <a:srgbClr val="E97132"/>
+      </a:accent2>
+      <a:accent3>
+        <a:srgbClr val="196B24"/>
+      </a:accent3>
+      <a:accent4>
+        <a:srgbClr val="0F9ED5"/>
+      </a:accent4>
+      <a:accent5>
+        <a:srgbClr val="A02B93"/>
+      </a:accent5>
+      <a:accent6>
+        <a:srgbClr val="4EA72E"/>
+      </a:accent6>
+      <a:hlink>
+        <a:srgbClr val="467886"/>
+      </a:hlink>
+      <a:folHlink>
+        <a:srgbClr val="96607D"/>
+      </a:folHlink>
+    </a:clrScheme>
+    <a:fontScheme name="Office">
+      <a:majorFont>
+        <a:latin typeface="Aptos Display" panose="02110004020202020204"/>
+        <a:ea typeface=""/>
+        <a:cs typeface=""/>
+        <a:font script="Jpan" typeface="游ゴシック Light"/>
+        <a:font script="Hang" typeface="맑은 고딕"/>
+        <a:font script="Hans" typeface="等线 Light"/>
+        <a:font script="Hant" typeface="新細明體"/>
+        <a:font script="Arab" typeface="Times New Roman"/>
+        <a:font script="Hebr" typeface="Times New Roman"/>
+        <a:font script="Thai" typeface="Angsana New"/>
+        <a:font script="Ethi" typeface="Nyala"/>
+        <a:font script="Beng" typeface="Vrinda"/>
+        <a:font script="Gujr" typeface="Shruti"/>
+        <a:font script="Khmr" typeface="MoolBoran"/>
+        <a:font script="Knda" typeface="Tunga"/>
+        <a:font script="Guru" typeface="Raavi"/>
+        <a:font script="Cans" typeface="Euphemia"/>
+        <a:font script="Cher" typeface="Plantagenet Cherokee"/>
+        <a:font script="Yiii" typeface="Microsoft Yi Baiti"/>
+        <a:font script="Tibt" typeface="Microsoft Himalaya"/>
+        <a:font script="Thaa" typeface="MV Boli"/>
+        <a:font script="Deva" typeface="Mangal"/>
+        <a:font script="Telu" typeface="Gautami"/>
+        <a:font script="Taml" typeface="Latha"/>
+        <a:font script="Syrc" typeface="Estrangelo Edessa"/>
+        <a:font script="Orya" typeface="Kalinga"/>
+        <a:font script="Mlym" typeface="Kartika"/>
+        <a:font script="Laoo" typeface="DokChampa"/>
+        <a:font script="Sinh" typeface="Iskoola Pota"/>
+        <a:font script="Mong" typeface="Mongolian Baiti"/>
+        <a:font script="Viet" typeface="Times New Roman"/>
+        <a:font script="Uigh" typeface="Microsoft Uighur"/>
+        <a:font script="Geor" typeface="Sylfaen"/>
+        <a:font script="Armn" typeface="Arial"/>
+        <a:font script="Bugi" typeface="Leelawadee UI"/>
+        <a:font script="Bopo" typeface="Microsoft JhengHei"/>
+        <a:font script="Java" typeface="Javanese Text"/>
+        <a:font script="Lisu" typeface="Segoe UI"/>
+        <a:font script="Mymr" typeface="Myanmar Text"/>
+        <a:font script="Nkoo" typeface="Ebrima"/>
+        <a:font script="Olck" typeface="Nirmala UI"/>
+        <a:font script="Osma" typeface="Ebrima"/>
+        <a:font script="Phag" typeface="Phagspa"/>
+        <a:font script="Syrn" typeface="Estrangelo Edessa"/>
+        <a:font script="Syrj" typeface="Estrangelo Edessa"/>
+        <a:font script="Syre" typeface="Estrangelo Edessa"/>
+        <a:font script="Sora" typeface="Nirmala UI"/>
+        <a:font script="Tale" typeface="Microsoft Tai Le"/>
+        <a:font script="Talu" typeface="Microsoft New Tai Lue"/>
+        <a:font script="Tfng" typeface="Ebrima"/>
+      </a:majorFont>
+      <a:minorFont>
+        <a:latin typeface="Aptos" panose="02110004020202020204"/>
+        <a:ea typeface=""/>
+        <a:cs typeface=""/>
+        <a:font script="Jpan" typeface="游ゴシック"/>
+        <a:font script="Hang" typeface="맑은 고딕"/>
+        <a:font script="Hans" typeface="等线"/>
+        <a:font script="Hant" typeface="新細明體"/>
+        <a:font script="Arab" typeface="Arial"/>
+        <a:font script="Hebr" typeface="Arial"/>
+        <a:font script="Thai" typeface="Cordia New"/>
+        <a:font script="Ethi" typeface="Nyala"/>
+        <a:font script="Beng" typeface="Vrinda"/>
+        <a:font script="Gujr" typeface="Shruti"/>
+        <a:font script="Khmr" typeface="DaunPenh"/>
+        <a:font script="Knda" typeface="Tunga"/>
+        <a:font script="Guru" typeface="Raavi"/>
+        <a:font script="Cans" typeface="Euphemia"/>
+        <a:font script="Cher" typeface="Plantagenet Cherokee"/>
+        <a:font script="Yiii" typeface="Microsoft Yi Baiti"/>
+        <a:font script="Tibt" typeface="Microsoft Himalaya"/>
+        <a:font script="Thaa" typeface="MV Boli"/>
+        <a:font script="Deva" typeface="Mangal"/>
+        <a:font script="Telu" typeface="Gautami"/>
+        <a:font script="Taml" typeface="Latha"/>
+        <a:font script="Syrc" typeface="Estrangelo Edessa"/>
+        <a:font script="Orya" typeface="Kalinga"/>
+        <a:font script="Mlym" typeface="Kartika"/>
+        <a:font script="Laoo" typeface="DokChampa"/>
+        <a:font script="Sinh" typeface="Iskoola Pota"/>
+        <a:font script="Mong" typeface="Mongolian Baiti"/>
+        <a:font script="Viet" typeface="Arial"/>
+        <a:font script="Uigh" typeface="Microsoft Uighur"/>
+        <a:font script="Geor" typeface="Sylfaen"/>
+        <a:font script="Armn" typeface="Arial"/>
+        <a:font script="Bugi" typeface="Leelawadee UI"/>
+        <a:font script="Bopo" typeface="Microsoft JhengHei"/>
+        <a:font script="Java" typeface="Javanese Text"/>
+        <a:font script="Lisu" typeface="Segoe UI"/>
+        <a:font script="Mymr" typeface="Myanmar Text"/>
+        <a:font script="Nkoo" typeface="Ebrima"/>
+        <a:font script="Olck" typeface="Nirmala UI"/>
+        <a:font script="Osma" typeface="Ebrima"/>
+        <a:font script="Phag" typeface="Phagspa"/>
+        <a:font script="Syrn" typeface="Estrangelo Edessa"/>
+        <a:font script="Syrj" typeface="Estrangelo Edessa"/>
+        <a:font script="Syre" typeface="Estrangelo Edessa"/>
+        <a:font script="Sora" typeface="Nirmala UI"/>
+        <a:font script="Tale" typeface="Microsoft Tai Le"/>
+        <a:font script="Talu" typeface="Microsoft New Tai Lue"/>
+        <a:font script="Tfng" typeface="Ebrima"/>
+      </a:minorFont>
+    </a:fontScheme>
+    <a:fmtScheme name="Office">
+      <a:fillStyleLst>
+        <a:solidFill>
+          <a:schemeClr val="phClr"/>
+        </a:solidFill>
+        <a:gradFill rotWithShape="1">
+          <a:gsLst>
+            <a:gs pos="0">
+              <a:schemeClr val="phClr">
+                <a:lumMod val="110000"/>
+                <a:satMod val="105000"/>
+                <a:tint val="67000"/>
+              </a:schemeClr>
+            </a:gs>
+            <a:gs pos="50000">
+              <a:schemeClr val="phClr">
+                <a:lumMod val="105000"/>
+                <a:satMod val="103000"/>
+                <a:tint val="73000"/>
+              </a:schemeClr>
+            </a:gs>
+            <a:gs pos="100000">
+              <a:schemeClr val="phClr">
+                <a:lumMod val="105000"/>
+                <a:satMod val="109000"/>
+                <a:tint val="81000"/>
+              </a:schemeClr>
+            </a:gs>
+          </a:gsLst>
+          <a:lin ang="5400000" scaled="0"/>
+        </a:gradFill>
+        <a:gradFill rotWithShape="1">
+          <a:gsLst>
+            <a:gs pos="0">
+              <a:schemeClr val="phClr">
+                <a:satMod val="103000"/>
+                <a:lumMod val="102000"/>
+                <a:tint val="94000"/>
+              </a:schemeClr>
+            </a:gs>
+            <a:gs pos="50000">
+              <a:schemeClr val="phClr">
+                <a:satMod val="110000"/>
+                <a:lumMod val="100000"/>
+                <a:shade val="100000"/>
+              </a:schemeClr>
+            </a:gs>
+            <a:gs pos="100000">
+              <a:schemeClr val="phClr">
+                <a:lumMod val="99000"/>
+                <a:satMod val="120000"/>
+                <a:shade val="78000"/>
+              </a:schemeClr>
+            </a:gs>
+          </a:gsLst>
+          <a:lin ang="5400000" scaled="0"/>
+        </a:gradFill>
+      </a:fillStyleLst>
+      <a:lnStyleLst>
+        <a:ln w="12700" cap="flat" cmpd="sng" algn="ctr">
+          <a:solidFill>
+            <a:schemeClr val="phClr"/>
+          </a:solidFill>
+          <a:prstDash val="solid"/>
+          <a:miter lim="800000"/>
+        </a:ln>
+        <a:ln w="19050" cap="flat" cmpd="sng" algn="ctr">
+          <a:solidFill>
+            <a:schemeClr val="phClr"/>
+          </a:solidFill>
+          <a:prstDash val="solid"/>
+          <a:miter lim="800000"/>
+        </a:ln>
+        <a:ln w="25400" cap="flat" cmpd="sng" algn="ctr">
+          <a:solidFill>
+            <a:schemeClr val="phClr"/>
+          </a:solidFill>
+          <a:prstDash val="solid"/>
+          <a:miter lim="800000"/>
+        </a:ln>
+      </a:lnStyleLst>
+      <a:effectStyleLst>
+        <a:effectStyle>
+          <a:effectLst/>
+        </a:effectStyle>
+        <a:effectStyle>
+          <a:effectLst/>
+        </a:effectStyle>
+        <a:effectStyle>
+          <a:effectLst>
+            <a:outerShdw blurRad="57150" dist="19050" dir="5400000" algn="ctr" rotWithShape="0">
+              <a:srgbClr val="000000">
+                <a:alpha val="63000"/>
+              </a:srgbClr>
+            </a:outerShdw>
+          </a:effectLst>
+        </a:effectStyle>
+      </a:effectStyleLst>
+      <a:bgFillStyleLst>
+        <a:solidFill>
+          <a:schemeClr val="phClr"/>
+        </a:solidFill>
+        <a:solidFill>
+          <a:schemeClr val="phClr">
+            <a:tint val="95000"/>
+            <a:satMod val="170000"/>
+          </a:schemeClr>
+        </a:solidFill>
+        <a:gradFill rotWithShape="1">
+          <a:gsLst>
+            <a:gs pos="0">
+              <a:schemeClr val="phClr">
+                <a:tint val="93000"/>
+                <a:satMod val="150000"/>
+                <a:shade val="98000"/>
+                <a:lumMod val="102000"/>
+              </a:schemeClr>
+            </a:gs>
+            <a:gs pos="50000">
+              <a:schemeClr val="phClr">
+                <a:tint val="98000"/>
+                <a:satMod val="130000"/>
+                <a:shade val="90000"/>
+                <a:lumMod val="103000"/>
+              </a:schemeClr>
+            </a:gs>
+            <a:gs pos="100000">
+              <a:schemeClr val="phClr">
+                <a:shade val="63000"/>
+                <a:satMod val="120000"/>
+              </a:schemeClr>
+            </a:gs>
+          </a:gsLst>
+          <a:lin ang="5400000" scaled="0"/>
+        </a:gradFill>
+      </a:bgFillStyleLst>
+    </a:fmtScheme>
+  </a:themeElements>
+  <a:objectDefaults>
+    <a:lnDef>
+      <a:spPr/>
+      <a:bodyPr/>
+      <a:lstStyle/>
+      <a:style>
+        <a:lnRef idx="2">
+          <a:schemeClr val="accent1"/>
+        </a:lnRef>
+        <a:fillRef idx="0">
+          <a:schemeClr val="accent1"/>
+        </a:fillRef>
+        <a:effectRef idx="1">
+          <a:schemeClr val="accent1"/>
+        </a:effectRef>
+        <a:fontRef idx="minor">
+          <a:schemeClr val="tx1"/>
+        </a:fontRef>
+      </a:style>
+    </a:lnDef>
+  </a:objectDefaults>
+  <a:extraClrSchemeLst/>
+  <a:extLst>
+    <a:ext uri="{05A4C25C-085E-4340-85A3-A5531E510DB2}">
+      <thm15:themeFamily xmlns:thm15="http://schemas.microsoft.com/office/thememl/2012/main" name="Office Theme" id="{2E142A2C-CD16-42D6-873A-C26D2A0506FA}" vid="{1BDDFF52-6CD6-40A5-AB3C-68EB2F1E4D0A}"/>
+    </a:ext>
+  </a:extLst>
+</a:theme>
 </file>
--- a/presentation.pptx
+++ b/presentation.pptx
@@ -5,7 +5,7 @@
     <p:sldMasterId id="2147483708" r:id="rId1"/>
   </p:sldMasterIdLst>
   <p:notesMasterIdLst>
-    <p:notesMasterId r:id="rId20"/>
+    <p:notesMasterId r:id="rId22"/>
   </p:notesMasterIdLst>
   <p:sldIdLst>
     <p:sldId id="256" r:id="rId2"/>
@@ -26,6 +26,8 @@
     <p:sldId id="275" r:id="rId17"/>
     <p:sldId id="272" r:id="rId18"/>
     <p:sldId id="273" r:id="rId19"/>
+    <p:sldId id="276" r:id="rId20"/>
+    <p:sldId id="277" r:id="rId21"/>
   </p:sldIdLst>
   <p:sldSz cx="12192000" cy="6858000"/>
   <p:notesSz cx="6858000" cy="9144000"/>
@@ -214,7 +216,7 @@
           <a:p>
             <a:fld id="{BF01B894-BA05-4132-B1ED-0A4641E46206}" type="datetimeFigureOut">
               <a:rPr lang="en-GB" smtClean="0"/>
-              <a:t>08/05/2024</a:t>
+              <a:t>11/05/2024</a:t>
             </a:fld>
             <a:endParaRPr lang="en-GB"/>
           </a:p>
@@ -373,7 +375,7 @@
           <a:p>
             <a:fld id="{3CE2BF42-F545-42C2-BD34-B46E2D4E8FA5}" type="slidenum">
               <a:rPr lang="en-GB" smtClean="0"/>
-              <a:t>‹nº›</a:t>
+              <a:t>‹#›</a:t>
             </a:fld>
             <a:endParaRPr lang="en-GB"/>
           </a:p>
@@ -756,7 +758,7 @@
           <a:p>
             <a:fld id="{92EA8367-D27A-4CE4-996D-A14CDCBADE41}" type="datetimeFigureOut">
               <a:rPr lang="en-GB" smtClean="0"/>
-              <a:t>08/05/2024</a:t>
+              <a:t>11/05/2024</a:t>
             </a:fld>
             <a:endParaRPr lang="en-GB"/>
           </a:p>
@@ -798,7 +800,7 @@
           <a:p>
             <a:fld id="{1D3DC89F-3B98-42F4-932C-A4AFF1CD7782}" type="slidenum">
               <a:rPr lang="en-GB" smtClean="0"/>
-              <a:t>‹nº›</a:t>
+              <a:t>‹#›</a:t>
             </a:fld>
             <a:endParaRPr lang="en-GB"/>
           </a:p>
@@ -961,7 +963,7 @@
           <a:p>
             <a:fld id="{92EA8367-D27A-4CE4-996D-A14CDCBADE41}" type="datetimeFigureOut">
               <a:rPr lang="en-GB" smtClean="0"/>
-              <a:t>08/05/2024</a:t>
+              <a:t>11/05/2024</a:t>
             </a:fld>
             <a:endParaRPr lang="en-GB"/>
           </a:p>
@@ -1003,7 +1005,7 @@
           <a:p>
             <a:fld id="{1D3DC89F-3B98-42F4-932C-A4AFF1CD7782}" type="slidenum">
               <a:rPr lang="en-GB" smtClean="0"/>
-              <a:t>‹nº›</a:t>
+              <a:t>‹#›</a:t>
             </a:fld>
             <a:endParaRPr lang="en-GB"/>
           </a:p>
@@ -1141,7 +1143,7 @@
           <a:p>
             <a:fld id="{92EA8367-D27A-4CE4-996D-A14CDCBADE41}" type="datetimeFigureOut">
               <a:rPr lang="en-GB" smtClean="0"/>
-              <a:t>08/05/2024</a:t>
+              <a:t>11/05/2024</a:t>
             </a:fld>
             <a:endParaRPr lang="en-GB"/>
           </a:p>
@@ -1183,7 +1185,7 @@
           <a:p>
             <a:fld id="{1D3DC89F-3B98-42F4-932C-A4AFF1CD7782}" type="slidenum">
               <a:rPr lang="en-GB" smtClean="0"/>
-              <a:t>‹nº›</a:t>
+              <a:t>‹#›</a:t>
             </a:fld>
             <a:endParaRPr lang="en-GB"/>
           </a:p>
@@ -1346,7 +1348,7 @@
           <a:p>
             <a:fld id="{92EA8367-D27A-4CE4-996D-A14CDCBADE41}" type="datetimeFigureOut">
               <a:rPr lang="en-GB" smtClean="0"/>
-              <a:t>08/05/2024</a:t>
+              <a:t>11/05/2024</a:t>
             </a:fld>
             <a:endParaRPr lang="en-GB"/>
           </a:p>
@@ -1388,7 +1390,7 @@
           <a:p>
             <a:fld id="{1D3DC89F-3B98-42F4-932C-A4AFF1CD7782}" type="slidenum">
               <a:rPr lang="en-GB" smtClean="0"/>
-              <a:t>‹nº›</a:t>
+              <a:t>‹#›</a:t>
             </a:fld>
             <a:endParaRPr lang="en-GB"/>
           </a:p>
@@ -1641,7 +1643,7 @@
           <a:p>
             <a:fld id="{92EA8367-D27A-4CE4-996D-A14CDCBADE41}" type="datetimeFigureOut">
               <a:rPr lang="en-GB" smtClean="0"/>
-              <a:t>08/05/2024</a:t>
+              <a:t>11/05/2024</a:t>
             </a:fld>
             <a:endParaRPr lang="en-GB"/>
           </a:p>
@@ -1683,7 +1685,7 @@
           <a:p>
             <a:fld id="{1D3DC89F-3B98-42F4-932C-A4AFF1CD7782}" type="slidenum">
               <a:rPr lang="en-GB" smtClean="0"/>
-              <a:t>‹nº›</a:t>
+              <a:t>‹#›</a:t>
             </a:fld>
             <a:endParaRPr lang="en-GB"/>
           </a:p>
@@ -1913,7 +1915,7 @@
           <a:p>
             <a:fld id="{92EA8367-D27A-4CE4-996D-A14CDCBADE41}" type="datetimeFigureOut">
               <a:rPr lang="en-GB" smtClean="0"/>
-              <a:t>08/05/2024</a:t>
+              <a:t>11/05/2024</a:t>
             </a:fld>
             <a:endParaRPr lang="en-GB"/>
           </a:p>
@@ -1955,7 +1957,7 @@
           <a:p>
             <a:fld id="{1D3DC89F-3B98-42F4-932C-A4AFF1CD7782}" type="slidenum">
               <a:rPr lang="en-GB" smtClean="0"/>
-              <a:t>‹nº›</a:t>
+              <a:t>‹#›</a:t>
             </a:fld>
             <a:endParaRPr lang="en-GB"/>
           </a:p>
@@ -2320,7 +2322,7 @@
           <a:p>
             <a:fld id="{92EA8367-D27A-4CE4-996D-A14CDCBADE41}" type="datetimeFigureOut">
               <a:rPr lang="en-GB" smtClean="0"/>
-              <a:t>08/05/2024</a:t>
+              <a:t>11/05/2024</a:t>
             </a:fld>
             <a:endParaRPr lang="en-GB"/>
           </a:p>
@@ -2362,7 +2364,7 @@
           <a:p>
             <a:fld id="{1D3DC89F-3B98-42F4-932C-A4AFF1CD7782}" type="slidenum">
               <a:rPr lang="en-GB" smtClean="0"/>
-              <a:t>‹nº›</a:t>
+              <a:t>‹#›</a:t>
             </a:fld>
             <a:endParaRPr lang="en-GB"/>
           </a:p>
@@ -2438,7 +2440,7 @@
           <a:p>
             <a:fld id="{92EA8367-D27A-4CE4-996D-A14CDCBADE41}" type="datetimeFigureOut">
               <a:rPr lang="en-GB" smtClean="0"/>
-              <a:t>08/05/2024</a:t>
+              <a:t>11/05/2024</a:t>
             </a:fld>
             <a:endParaRPr lang="en-GB"/>
           </a:p>
@@ -2480,7 +2482,7 @@
           <a:p>
             <a:fld id="{1D3DC89F-3B98-42F4-932C-A4AFF1CD7782}" type="slidenum">
               <a:rPr lang="en-GB" smtClean="0"/>
-              <a:t>‹nº›</a:t>
+              <a:t>‹#›</a:t>
             </a:fld>
             <a:endParaRPr lang="en-GB"/>
           </a:p>
@@ -2533,7 +2535,7 @@
           <a:p>
             <a:fld id="{92EA8367-D27A-4CE4-996D-A14CDCBADE41}" type="datetimeFigureOut">
               <a:rPr lang="en-GB" smtClean="0"/>
-              <a:t>08/05/2024</a:t>
+              <a:t>11/05/2024</a:t>
             </a:fld>
             <a:endParaRPr lang="en-GB"/>
           </a:p>
@@ -2575,7 +2577,7 @@
           <a:p>
             <a:fld id="{1D3DC89F-3B98-42F4-932C-A4AFF1CD7782}" type="slidenum">
               <a:rPr lang="en-GB" smtClean="0"/>
-              <a:t>‹nº›</a:t>
+              <a:t>‹#›</a:t>
             </a:fld>
             <a:endParaRPr lang="en-GB"/>
           </a:p>
@@ -2823,7 +2825,7 @@
           <a:p>
             <a:fld id="{92EA8367-D27A-4CE4-996D-A14CDCBADE41}" type="datetimeFigureOut">
               <a:rPr lang="en-GB" smtClean="0"/>
-              <a:t>08/05/2024</a:t>
+              <a:t>11/05/2024</a:t>
             </a:fld>
             <a:endParaRPr lang="en-GB"/>
           </a:p>
@@ -2865,7 +2867,7 @@
           <a:p>
             <a:fld id="{1D3DC89F-3B98-42F4-932C-A4AFF1CD7782}" type="slidenum">
               <a:rPr lang="en-GB" smtClean="0"/>
-              <a:t>‹nº›</a:t>
+              <a:t>‹#›</a:t>
             </a:fld>
             <a:endParaRPr lang="en-GB"/>
           </a:p>
@@ -3103,7 +3105,7 @@
           <a:p>
             <a:fld id="{92EA8367-D27A-4CE4-996D-A14CDCBADE41}" type="datetimeFigureOut">
               <a:rPr lang="en-GB" smtClean="0"/>
-              <a:t>08/05/2024</a:t>
+              <a:t>11/05/2024</a:t>
             </a:fld>
             <a:endParaRPr lang="en-GB"/>
           </a:p>
@@ -3145,7 +3147,7 @@
           <a:p>
             <a:fld id="{1D3DC89F-3B98-42F4-932C-A4AFF1CD7782}" type="slidenum">
               <a:rPr lang="en-GB" smtClean="0"/>
-              <a:t>‹nº›</a:t>
+              <a:t>‹#›</a:t>
             </a:fld>
             <a:endParaRPr lang="en-GB"/>
           </a:p>
@@ -3353,7 +3355,7 @@
           <a:p>
             <a:fld id="{92EA8367-D27A-4CE4-996D-A14CDCBADE41}" type="datetimeFigureOut">
               <a:rPr lang="en-GB" smtClean="0"/>
-              <a:t>08/05/2024</a:t>
+              <a:t>11/05/2024</a:t>
             </a:fld>
             <a:endParaRPr lang="en-GB"/>
           </a:p>
@@ -3435,7 +3437,7 @@
           <a:p>
             <a:fld id="{1D3DC89F-3B98-42F4-932C-A4AFF1CD7782}" type="slidenum">
               <a:rPr lang="en-GB" smtClean="0"/>
-              <a:t>‹nº›</a:t>
+              <a:t>‹#›</a:t>
             </a:fld>
             <a:endParaRPr lang="en-GB"/>
           </a:p>
@@ -4596,8 +4598,8 @@
           </a:p>
         </p:txBody>
       </p:sp>
-      <mc:AlternateContent xmlns:mc="http://schemas.openxmlformats.org/markup-compatibility/2006">
-        <mc:Choice xmlns:a14="http://schemas.microsoft.com/office/drawing/2010/main" Requires="a14">
+      <mc:AlternateContent xmlns:mc="http://schemas.openxmlformats.org/markup-compatibility/2006" xmlns:a14="http://schemas.microsoft.com/office/drawing/2010/main">
+        <mc:Choice Requires="a14">
           <p:sp>
             <p:nvSpPr>
               <p:cNvPr id="3" name="Marcador de Posição de Conteúdo 2">
@@ -4703,7 +4705,7 @@
             </p:txBody>
           </p:sp>
         </mc:Choice>
-        <mc:Fallback>
+        <mc:Fallback xmlns="">
           <p:sp>
             <p:nvSpPr>
               <p:cNvPr id="3" name="Marcador de Posição de Conteúdo 2">
@@ -4747,8 +4749,8 @@
           </p:sp>
         </mc:Fallback>
       </mc:AlternateContent>
-      <mc:AlternateContent xmlns:mc="http://schemas.openxmlformats.org/markup-compatibility/2006">
-        <mc:Choice xmlns:a14="http://schemas.microsoft.com/office/drawing/2010/main" Requires="a14">
+      <mc:AlternateContent xmlns:mc="http://schemas.openxmlformats.org/markup-compatibility/2006" xmlns:a14="http://schemas.microsoft.com/office/drawing/2010/main">
+        <mc:Choice Requires="a14">
           <p:sp>
             <p:nvSpPr>
               <p:cNvPr id="8" name="CaixaDeTexto 7">
@@ -4790,6 +4792,7 @@
               </a:bodyPr>
               <a:lstStyle/>
               <a:p>
+                <a:pPr/>
                 <a14:m>
                   <m:oMathPara xmlns:m="http://schemas.openxmlformats.org/officeDocument/2006/math">
                     <m:oMathParaPr>
@@ -4921,7 +4924,7 @@
             </p:txBody>
           </p:sp>
         </mc:Choice>
-        <mc:Fallback>
+        <mc:Fallback xmlns="">
           <p:sp>
             <p:nvSpPr>
               <p:cNvPr id="8" name="CaixaDeTexto 7">
@@ -5032,8 +5035,8 @@
           </a:prstGeom>
         </p:spPr>
       </p:pic>
-      <mc:AlternateContent xmlns:mc="http://schemas.openxmlformats.org/markup-compatibility/2006">
-        <mc:Choice xmlns:a14="http://schemas.microsoft.com/office/drawing/2010/main" Requires="a14">
+      <mc:AlternateContent xmlns:mc="http://schemas.openxmlformats.org/markup-compatibility/2006" xmlns:a14="http://schemas.microsoft.com/office/drawing/2010/main">
+        <mc:Choice Requires="a14">
           <p:sp>
             <p:nvSpPr>
               <p:cNvPr id="5" name="Título 4">
@@ -5119,7 +5122,7 @@
             </p:txBody>
           </p:sp>
         </mc:Choice>
-        <mc:Fallback>
+        <mc:Fallback xmlns="">
           <p:sp>
             <p:nvSpPr>
               <p:cNvPr id="5" name="Título 4">
@@ -5194,8 +5197,8 @@
           <a:chExt cx="0" cy="0"/>
         </a:xfrm>
       </p:grpSpPr>
-      <mc:AlternateContent xmlns:mc="http://schemas.openxmlformats.org/markup-compatibility/2006">
-        <mc:Choice xmlns:a14="http://schemas.microsoft.com/office/drawing/2010/main" Requires="a14">
+      <mc:AlternateContent xmlns:mc="http://schemas.openxmlformats.org/markup-compatibility/2006" xmlns:a14="http://schemas.microsoft.com/office/drawing/2010/main">
+        <mc:Choice Requires="a14">
           <p:sp>
             <p:nvSpPr>
               <p:cNvPr id="2" name="Título 1">
@@ -5242,7 +5245,7 @@
             </p:txBody>
           </p:sp>
         </mc:Choice>
-        <mc:Fallback>
+        <mc:Fallback xmlns="">
           <p:sp>
             <p:nvSpPr>
               <p:cNvPr id="2" name="Título 1">
@@ -5340,8 +5343,8 @@
           <a:chExt cx="0" cy="0"/>
         </a:xfrm>
       </p:grpSpPr>
-      <mc:AlternateContent xmlns:mc="http://schemas.openxmlformats.org/markup-compatibility/2006">
-        <mc:Choice xmlns:a14="http://schemas.microsoft.com/office/drawing/2010/main" Requires="a14">
+      <mc:AlternateContent xmlns:mc="http://schemas.openxmlformats.org/markup-compatibility/2006" xmlns:a14="http://schemas.microsoft.com/office/drawing/2010/main">
+        <mc:Choice Requires="a14">
           <p:sp>
             <p:nvSpPr>
               <p:cNvPr id="2" name="Título 1">
@@ -5388,7 +5391,7 @@
             </p:txBody>
           </p:sp>
         </mc:Choice>
-        <mc:Fallback>
+        <mc:Fallback xmlns="">
           <p:sp>
             <p:nvSpPr>
               <p:cNvPr id="2" name="Título 1">
@@ -5471,6 +5474,146 @@
 </p:sld>
 </file>
 
+<file path=ppt/slides/slide19.xml><?xml version="1.0" encoding="utf-8"?>
+<p:sld xmlns:a="http://schemas.openxmlformats.org/drawingml/2006/main" xmlns:r="http://schemas.openxmlformats.org/officeDocument/2006/relationships" xmlns:p="http://schemas.openxmlformats.org/presentationml/2006/main">
+  <p:cSld>
+    <p:spTree>
+      <p:nvGrpSpPr>
+        <p:cNvPr id="1" name=""/>
+        <p:cNvGrpSpPr/>
+        <p:nvPr/>
+      </p:nvGrpSpPr>
+      <p:grpSpPr>
+        <a:xfrm>
+          <a:off x="0" y="0"/>
+          <a:ext cx="0" cy="0"/>
+          <a:chOff x="0" y="0"/>
+          <a:chExt cx="0" cy="0"/>
+        </a:xfrm>
+      </p:grpSpPr>
+      <p:sp>
+        <p:nvSpPr>
+          <p:cNvPr id="2" name="Título 1">
+            <a:extLst>
+              <a:ext uri="{FF2B5EF4-FFF2-40B4-BE49-F238E27FC236}">
+                <a16:creationId xmlns:a16="http://schemas.microsoft.com/office/drawing/2014/main" id="{051CFB47-B6CE-3152-97E4-B8EDEBC3CAA5}"/>
+              </a:ext>
+            </a:extLst>
+          </p:cNvPr>
+          <p:cNvSpPr>
+            <a:spLocks noGrp="1"/>
+          </p:cNvSpPr>
+          <p:nvPr>
+            <p:ph type="title"/>
+          </p:nvPr>
+        </p:nvSpPr>
+        <p:spPr>
+          <a:xfrm>
+            <a:off x="1085088" y="1069848"/>
+            <a:ext cx="10021824" cy="1014984"/>
+          </a:xfrm>
+        </p:spPr>
+        <p:txBody>
+          <a:bodyPr>
+            <a:normAutofit fontScale="90000"/>
+          </a:bodyPr>
+          <a:lstStyle/>
+          <a:p>
+            <a:r>
+              <a:rPr lang="en-GB" sz="5300" dirty="0"/>
+              <a:t>Effect of USING A SLIDING WINDOW</a:t>
+            </a:r>
+            <a:br>
+              <a:rPr lang="en-GB" sz="5400" dirty="0"/>
+            </a:br>
+            <a:endParaRPr lang="en-GB" dirty="0"/>
+          </a:p>
+        </p:txBody>
+      </p:sp>
+      <p:sp>
+        <p:nvSpPr>
+          <p:cNvPr id="3" name="Marcador de Posição de Conteúdo 2">
+            <a:extLst>
+              <a:ext uri="{FF2B5EF4-FFF2-40B4-BE49-F238E27FC236}">
+                <a16:creationId xmlns:a16="http://schemas.microsoft.com/office/drawing/2014/main" id="{9B748F14-0856-24B8-0D43-939464970FA1}"/>
+              </a:ext>
+            </a:extLst>
+          </p:cNvPr>
+          <p:cNvSpPr>
+            <a:spLocks noGrp="1"/>
+          </p:cNvSpPr>
+          <p:nvPr>
+            <p:ph idx="1"/>
+          </p:nvPr>
+        </p:nvSpPr>
+        <p:spPr>
+          <a:xfrm>
+            <a:off x="1235964" y="2084832"/>
+            <a:ext cx="9720071" cy="4023360"/>
+          </a:xfrm>
+        </p:spPr>
+        <p:txBody>
+          <a:bodyPr/>
+          <a:lstStyle/>
+          <a:p>
+            <a:r>
+              <a:rPr lang="en-GB" u="sng" dirty="0"/>
+              <a:t>Goal:</a:t>
+            </a:r>
+            <a:r>
+              <a:rPr lang="en-GB" b="1" dirty="0"/>
+              <a:t> </a:t>
+            </a:r>
+            <a:r>
+              <a:rPr lang="en-GB" dirty="0"/>
+              <a:t>eliminate past information from the process</a:t>
+            </a:r>
+          </a:p>
+          <a:p>
+            <a:endParaRPr lang="en-GB" dirty="0"/>
+          </a:p>
+          <a:p>
+            <a:endParaRPr lang="en-GB" dirty="0"/>
+          </a:p>
+          <a:p>
+            <a:r>
+              <a:rPr lang="en-GB" dirty="0"/>
+              <a:t>Drift detection quality depends on the window size parameter</a:t>
+            </a:r>
+          </a:p>
+          <a:p>
+            <a:r>
+              <a:rPr lang="en-GB" dirty="0"/>
+              <a:t>Decreasing the window size increases the amount of eliminated information</a:t>
+            </a:r>
+          </a:p>
+          <a:p>
+            <a:r>
+              <a:rPr lang="en-GB" dirty="0"/>
+              <a:t>Parameter must be chosen be care – small window size may exacerbate small increases of error (increasing false alarms).</a:t>
+            </a:r>
+          </a:p>
+          <a:p>
+            <a:r>
+              <a:rPr lang="en-GB" dirty="0"/>
+              <a:t>Processing speed: window management may introduce computational overhead</a:t>
+            </a:r>
+          </a:p>
+        </p:txBody>
+      </p:sp>
+    </p:spTree>
+    <p:extLst>
+      <p:ext uri="{BB962C8B-B14F-4D97-AF65-F5344CB8AC3E}">
+        <p14:creationId xmlns:p14="http://schemas.microsoft.com/office/powerpoint/2010/main" val="1135755904"/>
+      </p:ext>
+    </p:extLst>
+  </p:cSld>
+  <p:clrMapOvr>
+    <a:masterClrMapping/>
+  </p:clrMapOvr>
+</p:sld>
+</file>
+
 <file path=ppt/slides/slide2.xml><?xml version="1.0" encoding="utf-8"?>
 <p:sld xmlns:a="http://schemas.openxmlformats.org/drawingml/2006/main" xmlns:r="http://schemas.openxmlformats.org/officeDocument/2006/relationships" xmlns:p="http://schemas.openxmlformats.org/presentationml/2006/main">
   <p:cSld>
@@ -5572,6 +5715,94 @@
     <p:extLst>
       <p:ext uri="{BB962C8B-B14F-4D97-AF65-F5344CB8AC3E}">
         <p14:creationId xmlns:p14="http://schemas.microsoft.com/office/powerpoint/2010/main" val="1205123647"/>
+      </p:ext>
+    </p:extLst>
+  </p:cSld>
+  <p:clrMapOvr>
+    <a:masterClrMapping/>
+  </p:clrMapOvr>
+</p:sld>
+</file>
+
+<file path=ppt/slides/slide20.xml><?xml version="1.0" encoding="utf-8"?>
+<p:sld xmlns:a="http://schemas.openxmlformats.org/drawingml/2006/main" xmlns:r="http://schemas.openxmlformats.org/officeDocument/2006/relationships" xmlns:p="http://schemas.openxmlformats.org/presentationml/2006/main">
+  <p:cSld>
+    <p:spTree>
+      <p:nvGrpSpPr>
+        <p:cNvPr id="1" name=""/>
+        <p:cNvGrpSpPr/>
+        <p:nvPr/>
+      </p:nvGrpSpPr>
+      <p:grpSpPr>
+        <a:xfrm>
+          <a:off x="0" y="0"/>
+          <a:ext cx="0" cy="0"/>
+          <a:chOff x="0" y="0"/>
+          <a:chExt cx="0" cy="0"/>
+        </a:xfrm>
+      </p:grpSpPr>
+      <p:sp>
+        <p:nvSpPr>
+          <p:cNvPr id="2" name="Título 1">
+            <a:extLst>
+              <a:ext uri="{FF2B5EF4-FFF2-40B4-BE49-F238E27FC236}">
+                <a16:creationId xmlns:a16="http://schemas.microsoft.com/office/drawing/2014/main" id="{2594C708-79F8-A060-CD7D-5821AC575717}"/>
+              </a:ext>
+            </a:extLst>
+          </p:cNvPr>
+          <p:cNvSpPr>
+            <a:spLocks noGrp="1"/>
+          </p:cNvSpPr>
+          <p:nvPr>
+            <p:ph type="title"/>
+          </p:nvPr>
+        </p:nvSpPr>
+        <p:spPr/>
+        <p:txBody>
+          <a:bodyPr/>
+          <a:lstStyle/>
+          <a:p>
+            <a:r>
+              <a:rPr lang="en-GB" dirty="0"/>
+              <a:t>Window Size = 10.000 </a:t>
+            </a:r>
+          </a:p>
+        </p:txBody>
+      </p:sp>
+      <p:pic>
+        <p:nvPicPr>
+          <p:cNvPr id="9" name="Picture 8">
+            <a:extLst>
+              <a:ext uri="{FF2B5EF4-FFF2-40B4-BE49-F238E27FC236}">
+                <a16:creationId xmlns:a16="http://schemas.microsoft.com/office/drawing/2014/main" id="{A0BF4AA0-EAD9-C44F-938C-FA17714090E4}"/>
+              </a:ext>
+            </a:extLst>
+          </p:cNvPr>
+          <p:cNvPicPr>
+            <a:picLocks noChangeAspect="1"/>
+          </p:cNvPicPr>
+          <p:nvPr/>
+        </p:nvPicPr>
+        <p:blipFill>
+          <a:blip r:embed="rId2"/>
+          <a:stretch>
+            <a:fillRect/>
+          </a:stretch>
+        </p:blipFill>
+        <p:spPr>
+          <a:xfrm>
+            <a:off x="1349938" y="1906321"/>
+            <a:ext cx="9492123" cy="4706179"/>
+          </a:xfrm>
+          <a:prstGeom prst="rect">
+            <a:avLst/>
+          </a:prstGeom>
+        </p:spPr>
+      </p:pic>
+    </p:spTree>
+    <p:extLst>
+      <p:ext uri="{BB962C8B-B14F-4D97-AF65-F5344CB8AC3E}">
+        <p14:creationId xmlns:p14="http://schemas.microsoft.com/office/powerpoint/2010/main" val="4209274134"/>
       </p:ext>
     </p:extLst>
   </p:cSld>

--- a/presentation.pptx
+++ b/presentation.pptx
@@ -3781,7 +3781,7 @@
           <a:p>
             <a:fld id="{BF01B894-BA05-4132-B1ED-0A4641E46206}" type="datetimeFigureOut">
               <a:rPr lang="en-GB" smtClean="0"/>
-              <a:t>12/05/2024</a:t>
+              <a:t>13/05/2024</a:t>
             </a:fld>
             <a:endParaRPr lang="en-GB"/>
           </a:p>
@@ -4323,7 +4323,7 @@
           <a:p>
             <a:fld id="{92EA8367-D27A-4CE4-996D-A14CDCBADE41}" type="datetimeFigureOut">
               <a:rPr lang="en-GB" smtClean="0"/>
-              <a:t>12/05/2024</a:t>
+              <a:t>13/05/2024</a:t>
             </a:fld>
             <a:endParaRPr lang="en-GB"/>
           </a:p>
@@ -4528,7 +4528,7 @@
           <a:p>
             <a:fld id="{92EA8367-D27A-4CE4-996D-A14CDCBADE41}" type="datetimeFigureOut">
               <a:rPr lang="en-GB" smtClean="0"/>
-              <a:t>12/05/2024</a:t>
+              <a:t>13/05/2024</a:t>
             </a:fld>
             <a:endParaRPr lang="en-GB"/>
           </a:p>
@@ -4708,7 +4708,7 @@
           <a:p>
             <a:fld id="{92EA8367-D27A-4CE4-996D-A14CDCBADE41}" type="datetimeFigureOut">
               <a:rPr lang="en-GB" smtClean="0"/>
-              <a:t>12/05/2024</a:t>
+              <a:t>13/05/2024</a:t>
             </a:fld>
             <a:endParaRPr lang="en-GB"/>
           </a:p>
@@ -4913,7 +4913,7 @@
           <a:p>
             <a:fld id="{92EA8367-D27A-4CE4-996D-A14CDCBADE41}" type="datetimeFigureOut">
               <a:rPr lang="en-GB" smtClean="0"/>
-              <a:t>12/05/2024</a:t>
+              <a:t>13/05/2024</a:t>
             </a:fld>
             <a:endParaRPr lang="en-GB"/>
           </a:p>
@@ -5208,7 +5208,7 @@
           <a:p>
             <a:fld id="{92EA8367-D27A-4CE4-996D-A14CDCBADE41}" type="datetimeFigureOut">
               <a:rPr lang="en-GB" smtClean="0"/>
-              <a:t>12/05/2024</a:t>
+              <a:t>13/05/2024</a:t>
             </a:fld>
             <a:endParaRPr lang="en-GB"/>
           </a:p>
@@ -5480,7 +5480,7 @@
           <a:p>
             <a:fld id="{92EA8367-D27A-4CE4-996D-A14CDCBADE41}" type="datetimeFigureOut">
               <a:rPr lang="en-GB" smtClean="0"/>
-              <a:t>12/05/2024</a:t>
+              <a:t>13/05/2024</a:t>
             </a:fld>
             <a:endParaRPr lang="en-GB"/>
           </a:p>
@@ -5887,7 +5887,7 @@
           <a:p>
             <a:fld id="{92EA8367-D27A-4CE4-996D-A14CDCBADE41}" type="datetimeFigureOut">
               <a:rPr lang="en-GB" smtClean="0"/>
-              <a:t>12/05/2024</a:t>
+              <a:t>13/05/2024</a:t>
             </a:fld>
             <a:endParaRPr lang="en-GB"/>
           </a:p>
@@ -6005,7 +6005,7 @@
           <a:p>
             <a:fld id="{92EA8367-D27A-4CE4-996D-A14CDCBADE41}" type="datetimeFigureOut">
               <a:rPr lang="en-GB" smtClean="0"/>
-              <a:t>12/05/2024</a:t>
+              <a:t>13/05/2024</a:t>
             </a:fld>
             <a:endParaRPr lang="en-GB"/>
           </a:p>
@@ -6100,7 +6100,7 @@
           <a:p>
             <a:fld id="{92EA8367-D27A-4CE4-996D-A14CDCBADE41}" type="datetimeFigureOut">
               <a:rPr lang="en-GB" smtClean="0"/>
-              <a:t>12/05/2024</a:t>
+              <a:t>13/05/2024</a:t>
             </a:fld>
             <a:endParaRPr lang="en-GB"/>
           </a:p>
@@ -6390,7 +6390,7 @@
           <a:p>
             <a:fld id="{92EA8367-D27A-4CE4-996D-A14CDCBADE41}" type="datetimeFigureOut">
               <a:rPr lang="en-GB" smtClean="0"/>
-              <a:t>12/05/2024</a:t>
+              <a:t>13/05/2024</a:t>
             </a:fld>
             <a:endParaRPr lang="en-GB"/>
           </a:p>
@@ -6670,7 +6670,7 @@
           <a:p>
             <a:fld id="{92EA8367-D27A-4CE4-996D-A14CDCBADE41}" type="datetimeFigureOut">
               <a:rPr lang="en-GB" smtClean="0"/>
-              <a:t>12/05/2024</a:t>
+              <a:t>13/05/2024</a:t>
             </a:fld>
             <a:endParaRPr lang="en-GB"/>
           </a:p>
@@ -6920,7 +6920,7 @@
           <a:p>
             <a:fld id="{92EA8367-D27A-4CE4-996D-A14CDCBADE41}" type="datetimeFigureOut">
               <a:rPr lang="en-GB" smtClean="0"/>
-              <a:t>12/05/2024</a:t>
+              <a:t>13/05/2024</a:t>
             </a:fld>
             <a:endParaRPr lang="en-GB"/>
           </a:p>
@@ -11111,7 +11111,7 @@
           <a:p>
             <a:fld id="{8F4CBC58-BB8C-4170-8CCF-9B5238C6B95B}" type="datetime1">
               <a:rPr lang="en-GB" smtClean="0"/>
-              <a:t>12/05/2024</a:t>
+              <a:t>13/05/2024</a:t>
             </a:fld>
             <a:endParaRPr lang="en-GB"/>
           </a:p>
@@ -12046,7 +12046,7 @@
           <a:p>
             <a:fld id="{2A453A30-6496-49B5-AD89-B924D74DD7EF}" type="datetime1">
               <a:rPr lang="en-GB" smtClean="0"/>
-              <a:t>12/05/2024</a:t>
+              <a:t>13/05/2024</a:t>
             </a:fld>
             <a:endParaRPr lang="en-GB"/>
           </a:p>
@@ -12441,7 +12441,7 @@
           <a:p>
             <a:fld id="{BED63001-51D4-426E-9FF9-924C0F966BFB}" type="datetime1">
               <a:rPr lang="en-GB" smtClean="0"/>
-              <a:t>12/05/2024</a:t>
+              <a:t>13/05/2024</a:t>
             </a:fld>
             <a:endParaRPr lang="en-GB"/>
           </a:p>
@@ -12982,7 +12982,7 @@
           <a:p>
             <a:fld id="{1169DF35-D925-4941-84AA-3EF91B687865}" type="datetime1">
               <a:rPr lang="en-GB" smtClean="0"/>
-              <a:t>12/05/2024</a:t>
+              <a:t>13/05/2024</a:t>
             </a:fld>
             <a:endParaRPr lang="en-GB"/>
           </a:p>
@@ -13138,16 +13138,10 @@
           <a:p>
             <a:pPr lvl="1"/>
             <a:r>
-              <a:rPr lang="en-GB" sz="2400" dirty="0"/>
+              <a:rPr lang="en-GB" sz="2400"/>
               <a:t>Module Implementation</a:t>
             </a:r>
-          </a:p>
-          <a:p>
-            <a:pPr lvl="1"/>
-            <a:r>
-              <a:rPr lang="en-GB" sz="2400" dirty="0"/>
-              <a:t>How to Use</a:t>
-            </a:r>
+            <a:endParaRPr lang="en-GB" sz="2400" dirty="0"/>
           </a:p>
           <a:p>
             <a:pPr lvl="1"/>
@@ -13185,7 +13179,7 @@
           <a:p>
             <a:fld id="{41F17A57-633F-40EB-9A71-C836B388990D}" type="datetime1">
               <a:rPr lang="en-GB" smtClean="0"/>
-              <a:t>12/05/2024</a:t>
+              <a:t>13/05/2024</a:t>
             </a:fld>
             <a:endParaRPr lang="en-GB"/>
           </a:p>

--- a/presentation.pptx
+++ b/presentation.pptx
@@ -5,7 +5,7 @@
     <p:sldMasterId id="2147483708" r:id="rId1"/>
   </p:sldMasterIdLst>
   <p:notesMasterIdLst>
-    <p:notesMasterId r:id="rId25"/>
+    <p:notesMasterId r:id="rId24"/>
   </p:notesMasterIdLst>
   <p:sldIdLst>
     <p:sldId id="256" r:id="rId2"/>
@@ -19,18 +19,17 @@
     <p:sldId id="267" r:id="rId10"/>
     <p:sldId id="268" r:id="rId11"/>
     <p:sldId id="269" r:id="rId12"/>
-    <p:sldId id="270" r:id="rId13"/>
-    <p:sldId id="286" r:id="rId14"/>
-    <p:sldId id="271" r:id="rId15"/>
-    <p:sldId id="278" r:id="rId16"/>
-    <p:sldId id="280" r:id="rId17"/>
-    <p:sldId id="276" r:id="rId18"/>
-    <p:sldId id="277" r:id="rId19"/>
-    <p:sldId id="281" r:id="rId20"/>
-    <p:sldId id="282" r:id="rId21"/>
-    <p:sldId id="283" r:id="rId22"/>
-    <p:sldId id="284" r:id="rId23"/>
-    <p:sldId id="285" r:id="rId24"/>
+    <p:sldId id="286" r:id="rId13"/>
+    <p:sldId id="271" r:id="rId14"/>
+    <p:sldId id="278" r:id="rId15"/>
+    <p:sldId id="280" r:id="rId16"/>
+    <p:sldId id="276" r:id="rId17"/>
+    <p:sldId id="287" r:id="rId18"/>
+    <p:sldId id="281" r:id="rId19"/>
+    <p:sldId id="282" r:id="rId20"/>
+    <p:sldId id="283" r:id="rId21"/>
+    <p:sldId id="284" r:id="rId22"/>
+    <p:sldId id="285" r:id="rId23"/>
   </p:sldIdLst>
   <p:sldSz cx="12192000" cy="6858000"/>
   <p:notesSz cx="6858000" cy="9144000"/>
@@ -1798,7 +1797,7 @@
 <dgm:dataModel xmlns:dgm="http://schemas.openxmlformats.org/drawingml/2006/diagram" xmlns:a="http://schemas.openxmlformats.org/drawingml/2006/main">
   <dgm:ptLst>
     <dgm:pt modelId="{5F3770C5-7929-47EE-BF6F-547AD9C01699}" type="doc">
-      <dgm:prSet loTypeId="urn:microsoft.com/office/officeart/2005/8/layout/vList2" loCatId="list" qsTypeId="urn:microsoft.com/office/officeart/2005/8/quickstyle/simple1" qsCatId="simple" csTypeId="urn:microsoft.com/office/officeart/2005/8/colors/accent1_2" csCatId="accent1"/>
+      <dgm:prSet loTypeId="urn:microsoft.com/office/officeart/2005/8/layout/vList2" loCatId="list" qsTypeId="urn:microsoft.com/office/officeart/2005/8/quickstyle/simple1" qsCatId="simple" csTypeId="urn:microsoft.com/office/officeart/2005/8/colors/accent1_2" csCatId="accent1" phldr="1"/>
       <dgm:spPr/>
       <dgm:t>
         <a:bodyPr/>
@@ -1927,10 +1926,10 @@
         <a:lstStyle/>
         <a:p>
           <a:r>
-            <a:rPr lang="en-GB"/>
+            <a:rPr lang="en-GB" dirty="0"/>
             <a:t>Works best with well-generalized models.</a:t>
           </a:r>
-          <a:endParaRPr lang="en-US"/>
+          <a:endParaRPr lang="en-US" dirty="0"/>
         </a:p>
       </dgm:t>
     </dgm:pt>
@@ -1964,10 +1963,9 @@
         <a:lstStyle/>
         <a:p>
           <a:r>
-            <a:rPr lang="en-GB"/>
-            <a:t>Gradually or abruptly forgetting past information may improve drift detection at a cost of increasing false alarms.</a:t>
+            <a:rPr lang="en-US" dirty="0"/>
+            <a:t>Exponential smoothing update is more efficient than sliding window update and yields fewer false alarms.</a:t>
           </a:r>
-          <a:endParaRPr lang="en-US"/>
         </a:p>
       </dgm:t>
     </dgm:pt>
@@ -1993,6 +1991,43 @@
         </a:p>
       </dgm:t>
     </dgm:pt>
+    <dgm:pt modelId="{E89854DA-B523-4B71-B410-64298C4A0B95}">
+      <dgm:prSet/>
+      <dgm:spPr/>
+      <dgm:t>
+        <a:bodyPr/>
+        <a:lstStyle/>
+        <a:p>
+          <a:r>
+            <a:rPr lang="en-GB" dirty="0"/>
+            <a:t>Gradually or abruptly forgetting past information may improve drift detection at a cost of increasing false alarms.</a:t>
+          </a:r>
+          <a:endParaRPr lang="en-US" dirty="0"/>
+        </a:p>
+      </dgm:t>
+    </dgm:pt>
+    <dgm:pt modelId="{CD3F1711-E3E3-43CA-A4F5-970D0880E570}" type="parTrans" cxnId="{6F090653-2395-43E3-8B9A-FD0A27E3ECA1}">
+      <dgm:prSet/>
+      <dgm:spPr/>
+      <dgm:t>
+        <a:bodyPr/>
+        <a:lstStyle/>
+        <a:p>
+          <a:endParaRPr lang="en-GB"/>
+        </a:p>
+      </dgm:t>
+    </dgm:pt>
+    <dgm:pt modelId="{09CF4A75-6F58-4925-9191-B8A684F4ECF1}" type="sibTrans" cxnId="{6F090653-2395-43E3-8B9A-FD0A27E3ECA1}">
+      <dgm:prSet/>
+      <dgm:spPr/>
+      <dgm:t>
+        <a:bodyPr/>
+        <a:lstStyle/>
+        <a:p>
+          <a:endParaRPr lang="en-GB"/>
+        </a:p>
+      </dgm:t>
+    </dgm:pt>
     <dgm:pt modelId="{C6C8C449-34FE-47A1-9A73-5A8A0BF0E1CA}" type="pres">
       <dgm:prSet presAssocID="{5F3770C5-7929-47EE-BF6F-547AD9C01699}" presName="linear" presStyleCnt="0">
         <dgm:presLayoutVars>
@@ -2003,7 +2038,7 @@
       <dgm:spPr/>
     </dgm:pt>
     <dgm:pt modelId="{929C277E-0A2A-4657-86C2-1D53E2CA1B68}" type="pres">
-      <dgm:prSet presAssocID="{73C2D8A3-A910-4A27-89D0-BD3073A31420}" presName="parentText" presStyleLbl="node1" presStyleIdx="0" presStyleCnt="5">
+      <dgm:prSet presAssocID="{73C2D8A3-A910-4A27-89D0-BD3073A31420}" presName="parentText" presStyleLbl="node1" presStyleIdx="0" presStyleCnt="6">
         <dgm:presLayoutVars>
           <dgm:chMax val="0"/>
           <dgm:bulletEnabled val="1"/>
@@ -2016,7 +2051,7 @@
       <dgm:spPr/>
     </dgm:pt>
     <dgm:pt modelId="{7C78C91B-CC8F-4684-8C12-5505642DC08A}" type="pres">
-      <dgm:prSet presAssocID="{16461085-F8AA-4B5F-9736-74D914AC43AD}" presName="parentText" presStyleLbl="node1" presStyleIdx="1" presStyleCnt="5">
+      <dgm:prSet presAssocID="{16461085-F8AA-4B5F-9736-74D914AC43AD}" presName="parentText" presStyleLbl="node1" presStyleIdx="1" presStyleCnt="6">
         <dgm:presLayoutVars>
           <dgm:chMax val="0"/>
           <dgm:bulletEnabled val="1"/>
@@ -2029,7 +2064,7 @@
       <dgm:spPr/>
     </dgm:pt>
     <dgm:pt modelId="{FE689E18-0A87-41D9-A352-86604CFB9074}" type="pres">
-      <dgm:prSet presAssocID="{CC34CB5C-1195-44DD-B858-E9E5A5146FA8}" presName="parentText" presStyleLbl="node1" presStyleIdx="2" presStyleCnt="5">
+      <dgm:prSet presAssocID="{CC34CB5C-1195-44DD-B858-E9E5A5146FA8}" presName="parentText" presStyleLbl="node1" presStyleIdx="2" presStyleCnt="6">
         <dgm:presLayoutVars>
           <dgm:chMax val="0"/>
           <dgm:bulletEnabled val="1"/>
@@ -2042,7 +2077,7 @@
       <dgm:spPr/>
     </dgm:pt>
     <dgm:pt modelId="{2F740C15-F6D3-49C8-9F0A-1EE397B4AE2D}" type="pres">
-      <dgm:prSet presAssocID="{E88A782E-FC89-4320-96AF-AA764FC29712}" presName="parentText" presStyleLbl="node1" presStyleIdx="3" presStyleCnt="5">
+      <dgm:prSet presAssocID="{E88A782E-FC89-4320-96AF-AA764FC29712}" presName="parentText" presStyleLbl="node1" presStyleIdx="3" presStyleCnt="6">
         <dgm:presLayoutVars>
           <dgm:chMax val="0"/>
           <dgm:bulletEnabled val="1"/>
@@ -2055,7 +2090,20 @@
       <dgm:spPr/>
     </dgm:pt>
     <dgm:pt modelId="{B82B38F2-19E2-40BB-8E4D-758173642E5C}" type="pres">
-      <dgm:prSet presAssocID="{8A5590FB-A2F5-42C8-94C3-A643D70EE128}" presName="parentText" presStyleLbl="node1" presStyleIdx="4" presStyleCnt="5">
+      <dgm:prSet presAssocID="{8A5590FB-A2F5-42C8-94C3-A643D70EE128}" presName="parentText" presStyleLbl="node1" presStyleIdx="4" presStyleCnt="6">
+        <dgm:presLayoutVars>
+          <dgm:chMax val="0"/>
+          <dgm:bulletEnabled val="1"/>
+        </dgm:presLayoutVars>
+      </dgm:prSet>
+      <dgm:spPr/>
+    </dgm:pt>
+    <dgm:pt modelId="{776C60FD-7B9E-4712-B271-74161676F0CF}" type="pres">
+      <dgm:prSet presAssocID="{F0568818-ECEE-46B7-966C-C0C16DFA124C}" presName="spacer" presStyleCnt="0"/>
+      <dgm:spPr/>
+    </dgm:pt>
+    <dgm:pt modelId="{D2C5B64D-C6D7-4C50-BA72-EA0440B9DD3F}" type="pres">
+      <dgm:prSet presAssocID="{E89854DA-B523-4B71-B410-64298C4A0B95}" presName="parentText" presStyleLbl="node1" presStyleIdx="5" presStyleCnt="6" custLinFactNeighborX="-28598" custLinFactNeighborY="-3525">
         <dgm:presLayoutVars>
           <dgm:chMax val="0"/>
           <dgm:bulletEnabled val="1"/>
@@ -2071,10 +2119,12 @@
     <dgm:cxn modelId="{FC23DE28-5BB0-4168-80D7-0E01DC6D900B}" type="presOf" srcId="{16461085-F8AA-4B5F-9736-74D914AC43AD}" destId="{7C78C91B-CC8F-4684-8C12-5505642DC08A}" srcOrd="0" destOrd="0" presId="urn:microsoft.com/office/officeart/2005/8/layout/vList2"/>
     <dgm:cxn modelId="{7F6F7A38-9C25-4027-AE6F-A021BC440F9B}" srcId="{5F3770C5-7929-47EE-BF6F-547AD9C01699}" destId="{73C2D8A3-A910-4A27-89D0-BD3073A31420}" srcOrd="0" destOrd="0" parTransId="{DEFA9FAB-FA37-450E-A019-8D2D8C12B6E1}" sibTransId="{4AF928A5-B175-4333-9CA1-006D97911997}"/>
     <dgm:cxn modelId="{FC0F5C43-AD9D-4DF2-B8A2-25B18507E0A3}" srcId="{5F3770C5-7929-47EE-BF6F-547AD9C01699}" destId="{E88A782E-FC89-4320-96AF-AA764FC29712}" srcOrd="3" destOrd="0" parTransId="{CDC3C0B9-69FB-4700-BF0F-45CFF6CDAD89}" sibTransId="{22F7B6F9-7734-4367-A8CC-E115B981CF54}"/>
+    <dgm:cxn modelId="{6F090653-2395-43E3-8B9A-FD0A27E3ECA1}" srcId="{5F3770C5-7929-47EE-BF6F-547AD9C01699}" destId="{E89854DA-B523-4B71-B410-64298C4A0B95}" srcOrd="5" destOrd="0" parTransId="{CD3F1711-E3E3-43CA-A4F5-970D0880E570}" sibTransId="{09CF4A75-6F58-4925-9191-B8A684F4ECF1}"/>
     <dgm:cxn modelId="{5E6C777B-3EDB-4D4C-AD6F-4CC2CAA80C7D}" srcId="{5F3770C5-7929-47EE-BF6F-547AD9C01699}" destId="{CC34CB5C-1195-44DD-B858-E9E5A5146FA8}" srcOrd="2" destOrd="0" parTransId="{D002A251-4168-403C-B8B0-92F3CD2752CD}" sibTransId="{D03E3661-70A7-42C9-8DDB-7F19BD539A8F}"/>
     <dgm:cxn modelId="{FA617A91-FBB1-4750-BD5C-FCB11E22F763}" type="presOf" srcId="{5F3770C5-7929-47EE-BF6F-547AD9C01699}" destId="{C6C8C449-34FE-47A1-9A73-5A8A0BF0E1CA}" srcOrd="0" destOrd="0" presId="urn:microsoft.com/office/officeart/2005/8/layout/vList2"/>
     <dgm:cxn modelId="{59ECA6B5-421B-46B3-AD8D-FBA66C19BF55}" type="presOf" srcId="{CC34CB5C-1195-44DD-B858-E9E5A5146FA8}" destId="{FE689E18-0A87-41D9-A352-86604CFB9074}" srcOrd="0" destOrd="0" presId="urn:microsoft.com/office/officeart/2005/8/layout/vList2"/>
     <dgm:cxn modelId="{35E0ABD0-29E3-4C35-9E16-3940C9EB4DE5}" type="presOf" srcId="{73C2D8A3-A910-4A27-89D0-BD3073A31420}" destId="{929C277E-0A2A-4657-86C2-1D53E2CA1B68}" srcOrd="0" destOrd="0" presId="urn:microsoft.com/office/officeart/2005/8/layout/vList2"/>
+    <dgm:cxn modelId="{4B4900F6-B3E8-4C16-9E2C-183315CE4A64}" type="presOf" srcId="{E89854DA-B523-4B71-B410-64298C4A0B95}" destId="{D2C5B64D-C6D7-4C50-BA72-EA0440B9DD3F}" srcOrd="0" destOrd="0" presId="urn:microsoft.com/office/officeart/2005/8/layout/vList2"/>
     <dgm:cxn modelId="{EBAFA6FD-B673-4C5B-8955-0AB6B42DC1B9}" type="presOf" srcId="{8A5590FB-A2F5-42C8-94C3-A643D70EE128}" destId="{B82B38F2-19E2-40BB-8E4D-758173642E5C}" srcOrd="0" destOrd="0" presId="urn:microsoft.com/office/officeart/2005/8/layout/vList2"/>
     <dgm:cxn modelId="{BA761017-429A-4A1F-9877-289C42B52C42}" type="presParOf" srcId="{C6C8C449-34FE-47A1-9A73-5A8A0BF0E1CA}" destId="{929C277E-0A2A-4657-86C2-1D53E2CA1B68}" srcOrd="0" destOrd="0" presId="urn:microsoft.com/office/officeart/2005/8/layout/vList2"/>
     <dgm:cxn modelId="{9812CF55-7820-43E8-ABF0-87DA4D9F5541}" type="presParOf" srcId="{C6C8C449-34FE-47A1-9A73-5A8A0BF0E1CA}" destId="{CECCD054-A177-469A-9EDD-1BC9D498CD18}" srcOrd="1" destOrd="0" presId="urn:microsoft.com/office/officeart/2005/8/layout/vList2"/>
@@ -2085,6 +2135,8 @@
     <dgm:cxn modelId="{541B9ECD-4EE7-41C6-9B34-6F8CB7E941F6}" type="presParOf" srcId="{C6C8C449-34FE-47A1-9A73-5A8A0BF0E1CA}" destId="{2F740C15-F6D3-49C8-9F0A-1EE397B4AE2D}" srcOrd="6" destOrd="0" presId="urn:microsoft.com/office/officeart/2005/8/layout/vList2"/>
     <dgm:cxn modelId="{A06C5E8F-F63A-4A2F-AD40-6B85171BE4CA}" type="presParOf" srcId="{C6C8C449-34FE-47A1-9A73-5A8A0BF0E1CA}" destId="{7262D83F-87D3-4451-A7C8-ACBCAF17323D}" srcOrd="7" destOrd="0" presId="urn:microsoft.com/office/officeart/2005/8/layout/vList2"/>
     <dgm:cxn modelId="{02DCA60A-9900-425A-987A-22342B22338B}" type="presParOf" srcId="{C6C8C449-34FE-47A1-9A73-5A8A0BF0E1CA}" destId="{B82B38F2-19E2-40BB-8E4D-758173642E5C}" srcOrd="8" destOrd="0" presId="urn:microsoft.com/office/officeart/2005/8/layout/vList2"/>
+    <dgm:cxn modelId="{8B48042A-48CE-4BD5-8393-E978CBF4B873}" type="presParOf" srcId="{C6C8C449-34FE-47A1-9A73-5A8A0BF0E1CA}" destId="{776C60FD-7B9E-4712-B271-74161676F0CF}" srcOrd="9" destOrd="0" presId="urn:microsoft.com/office/officeart/2005/8/layout/vList2"/>
+    <dgm:cxn modelId="{DA827A20-2324-4714-9BBA-6CCC8B7B5A2E}" type="presParOf" srcId="{C6C8C449-34FE-47A1-9A73-5A8A0BF0E1CA}" destId="{D2C5B64D-C6D7-4C50-BA72-EA0440B9DD3F}" srcOrd="10" destOrd="0" presId="urn:microsoft.com/office/officeart/2005/8/layout/vList2"/>
   </dgm:cxnLst>
   <dgm:bg/>
   <dgm:whole/>
@@ -2111,8 +2163,8 @@
       </dsp:nvSpPr>
       <dsp:spPr>
         <a:xfrm>
-          <a:off x="0" y="78409"/>
-          <a:ext cx="9720071" cy="727228"/>
+          <a:off x="0" y="34848"/>
+          <a:ext cx="9720071" cy="618143"/>
         </a:xfrm>
         <a:prstGeom prst="roundRect">
           <a:avLst/>
@@ -2153,12 +2205,12 @@
         </a:fontRef>
       </dsp:style>
       <dsp:txBody>
-        <a:bodyPr spcFirstLastPara="0" vert="horz" wrap="square" lIns="76200" tIns="76200" rIns="76200" bIns="76200" numCol="1" spcCol="1270" anchor="ctr" anchorCtr="0">
+        <a:bodyPr spcFirstLastPara="0" vert="horz" wrap="square" lIns="64770" tIns="64770" rIns="64770" bIns="64770" numCol="1" spcCol="1270" anchor="ctr" anchorCtr="0">
           <a:noAutofit/>
         </a:bodyPr>
         <a:lstStyle/>
         <a:p>
-          <a:pPr marL="0" lvl="0" indent="0" algn="l" defTabSz="889000">
+          <a:pPr marL="0" lvl="0" indent="0" algn="l" defTabSz="755650">
             <a:lnSpc>
               <a:spcPct val="90000"/>
             </a:lnSpc>
@@ -2171,15 +2223,15 @@
             <a:buNone/>
           </a:pPr>
           <a:r>
-            <a:rPr lang="en-GB" sz="2000" kern="1200"/>
+            <a:rPr lang="en-GB" sz="1700" kern="1200"/>
             <a:t>Effectively detects concept drifts with statistical properties.</a:t>
           </a:r>
-          <a:endParaRPr lang="en-US" sz="2000" kern="1200"/>
+          <a:endParaRPr lang="en-US" sz="1700" kern="1200"/>
         </a:p>
       </dsp:txBody>
       <dsp:txXfrm>
-        <a:off x="35500" y="113909"/>
-        <a:ext cx="9649071" cy="656228"/>
+        <a:off x="30175" y="65023"/>
+        <a:ext cx="9659721" cy="557793"/>
       </dsp:txXfrm>
     </dsp:sp>
     <dsp:sp modelId="{7C78C91B-CC8F-4684-8C12-5505642DC08A}">
@@ -2189,8 +2241,8 @@
       </dsp:nvSpPr>
       <dsp:spPr>
         <a:xfrm>
-          <a:off x="0" y="863237"/>
-          <a:ext cx="9720071" cy="727228"/>
+          <a:off x="0" y="701952"/>
+          <a:ext cx="9720071" cy="618143"/>
         </a:xfrm>
         <a:prstGeom prst="roundRect">
           <a:avLst/>
@@ -2231,12 +2283,12 @@
         </a:fontRef>
       </dsp:style>
       <dsp:txBody>
-        <a:bodyPr spcFirstLastPara="0" vert="horz" wrap="square" lIns="76200" tIns="76200" rIns="76200" bIns="76200" numCol="1" spcCol="1270" anchor="ctr" anchorCtr="0">
+        <a:bodyPr spcFirstLastPara="0" vert="horz" wrap="square" lIns="64770" tIns="64770" rIns="64770" bIns="64770" numCol="1" spcCol="1270" anchor="ctr" anchorCtr="0">
           <a:noAutofit/>
         </a:bodyPr>
         <a:lstStyle/>
         <a:p>
-          <a:pPr marL="0" lvl="0" indent="0" algn="l" defTabSz="889000">
+          <a:pPr marL="0" lvl="0" indent="0" algn="l" defTabSz="755650">
             <a:lnSpc>
               <a:spcPct val="90000"/>
             </a:lnSpc>
@@ -2249,15 +2301,15 @@
             <a:buNone/>
           </a:pPr>
           <a:r>
-            <a:rPr lang="en-GB" sz="2000" kern="1200"/>
+            <a:rPr lang="en-GB" sz="1700" kern="1200"/>
             <a:t>Suitable for online learning.</a:t>
           </a:r>
-          <a:endParaRPr lang="en-US" sz="2000" kern="1200"/>
+          <a:endParaRPr lang="en-US" sz="1700" kern="1200"/>
         </a:p>
       </dsp:txBody>
       <dsp:txXfrm>
-        <a:off x="35500" y="898737"/>
-        <a:ext cx="9649071" cy="656228"/>
+        <a:off x="30175" y="732127"/>
+        <a:ext cx="9659721" cy="557793"/>
       </dsp:txXfrm>
     </dsp:sp>
     <dsp:sp modelId="{FE689E18-0A87-41D9-A352-86604CFB9074}">
@@ -2267,8 +2319,8 @@
       </dsp:nvSpPr>
       <dsp:spPr>
         <a:xfrm>
-          <a:off x="0" y="1648065"/>
-          <a:ext cx="9720071" cy="727228"/>
+          <a:off x="0" y="1369056"/>
+          <a:ext cx="9720071" cy="618143"/>
         </a:xfrm>
         <a:prstGeom prst="roundRect">
           <a:avLst/>
@@ -2309,12 +2361,12 @@
         </a:fontRef>
       </dsp:style>
       <dsp:txBody>
-        <a:bodyPr spcFirstLastPara="0" vert="horz" wrap="square" lIns="76200" tIns="76200" rIns="76200" bIns="76200" numCol="1" spcCol="1270" anchor="ctr" anchorCtr="0">
+        <a:bodyPr spcFirstLastPara="0" vert="horz" wrap="square" lIns="64770" tIns="64770" rIns="64770" bIns="64770" numCol="1" spcCol="1270" anchor="ctr" anchorCtr="0">
           <a:noAutofit/>
         </a:bodyPr>
         <a:lstStyle/>
         <a:p>
-          <a:pPr marL="0" lvl="0" indent="0" algn="l" defTabSz="889000">
+          <a:pPr marL="0" lvl="0" indent="0" algn="l" defTabSz="755650">
             <a:lnSpc>
               <a:spcPct val="90000"/>
             </a:lnSpc>
@@ -2327,15 +2379,15 @@
             <a:buNone/>
           </a:pPr>
           <a:r>
-            <a:rPr lang="en-GB" sz="2000" kern="1200"/>
+            <a:rPr lang="en-GB" sz="1700" kern="1200"/>
             <a:t>Effectively reduces the error.</a:t>
           </a:r>
-          <a:endParaRPr lang="en-US" sz="2000" kern="1200"/>
+          <a:endParaRPr lang="en-US" sz="1700" kern="1200"/>
         </a:p>
       </dsp:txBody>
       <dsp:txXfrm>
-        <a:off x="35500" y="1683565"/>
-        <a:ext cx="9649071" cy="656228"/>
+        <a:off x="30175" y="1399231"/>
+        <a:ext cx="9659721" cy="557793"/>
       </dsp:txXfrm>
     </dsp:sp>
     <dsp:sp modelId="{2F740C15-F6D3-49C8-9F0A-1EE397B4AE2D}">
@@ -2345,8 +2397,8 @@
       </dsp:nvSpPr>
       <dsp:spPr>
         <a:xfrm>
-          <a:off x="0" y="2432894"/>
-          <a:ext cx="9720071" cy="727228"/>
+          <a:off x="0" y="2036160"/>
+          <a:ext cx="9720071" cy="618143"/>
         </a:xfrm>
         <a:prstGeom prst="roundRect">
           <a:avLst/>
@@ -2387,12 +2439,12 @@
         </a:fontRef>
       </dsp:style>
       <dsp:txBody>
-        <a:bodyPr spcFirstLastPara="0" vert="horz" wrap="square" lIns="76200" tIns="76200" rIns="76200" bIns="76200" numCol="1" spcCol="1270" anchor="ctr" anchorCtr="0">
+        <a:bodyPr spcFirstLastPara="0" vert="horz" wrap="square" lIns="64770" tIns="64770" rIns="64770" bIns="64770" numCol="1" spcCol="1270" anchor="ctr" anchorCtr="0">
           <a:noAutofit/>
         </a:bodyPr>
         <a:lstStyle/>
         <a:p>
-          <a:pPr marL="0" lvl="0" indent="0" algn="l" defTabSz="889000">
+          <a:pPr marL="0" lvl="0" indent="0" algn="l" defTabSz="755650">
             <a:lnSpc>
               <a:spcPct val="90000"/>
             </a:lnSpc>
@@ -2405,15 +2457,15 @@
             <a:buNone/>
           </a:pPr>
           <a:r>
-            <a:rPr lang="en-GB" sz="2000" kern="1200"/>
+            <a:rPr lang="en-GB" sz="1700" kern="1200" dirty="0"/>
             <a:t>Works best with well-generalized models.</a:t>
           </a:r>
-          <a:endParaRPr lang="en-US" sz="2000" kern="1200"/>
+          <a:endParaRPr lang="en-US" sz="1700" kern="1200" dirty="0"/>
         </a:p>
       </dsp:txBody>
       <dsp:txXfrm>
-        <a:off x="35500" y="2468394"/>
-        <a:ext cx="9649071" cy="656228"/>
+        <a:off x="30175" y="2066335"/>
+        <a:ext cx="9659721" cy="557793"/>
       </dsp:txXfrm>
     </dsp:sp>
     <dsp:sp modelId="{B82B38F2-19E2-40BB-8E4D-758173642E5C}">
@@ -2423,8 +2475,8 @@
       </dsp:nvSpPr>
       <dsp:spPr>
         <a:xfrm>
-          <a:off x="0" y="3217722"/>
-          <a:ext cx="9720071" cy="727228"/>
+          <a:off x="0" y="2703263"/>
+          <a:ext cx="9720071" cy="618143"/>
         </a:xfrm>
         <a:prstGeom prst="roundRect">
           <a:avLst/>
@@ -2465,12 +2517,12 @@
         </a:fontRef>
       </dsp:style>
       <dsp:txBody>
-        <a:bodyPr spcFirstLastPara="0" vert="horz" wrap="square" lIns="76200" tIns="76200" rIns="76200" bIns="76200" numCol="1" spcCol="1270" anchor="ctr" anchorCtr="0">
+        <a:bodyPr spcFirstLastPara="0" vert="horz" wrap="square" lIns="64770" tIns="64770" rIns="64770" bIns="64770" numCol="1" spcCol="1270" anchor="ctr" anchorCtr="0">
           <a:noAutofit/>
         </a:bodyPr>
         <a:lstStyle/>
         <a:p>
-          <a:pPr marL="0" lvl="0" indent="0" algn="l" defTabSz="889000">
+          <a:pPr marL="0" lvl="0" indent="0" algn="l" defTabSz="755650">
             <a:lnSpc>
               <a:spcPct val="90000"/>
             </a:lnSpc>
@@ -2483,15 +2535,92 @@
             <a:buNone/>
           </a:pPr>
           <a:r>
-            <a:rPr lang="en-GB" sz="2000" kern="1200"/>
-            <a:t>Gradually or abruptly forgetting past information may improve drift detection at a cost of increasing false alarms.</a:t>
+            <a:rPr lang="en-US" sz="1700" kern="1200" dirty="0"/>
+            <a:t>Exponential smoothing update is more efficient than sliding window update and yields fewer false alarms.</a:t>
           </a:r>
-          <a:endParaRPr lang="en-US" sz="2000" kern="1200"/>
         </a:p>
       </dsp:txBody>
       <dsp:txXfrm>
-        <a:off x="35500" y="3253222"/>
-        <a:ext cx="9649071" cy="656228"/>
+        <a:off x="30175" y="2733438"/>
+        <a:ext cx="9659721" cy="557793"/>
+      </dsp:txXfrm>
+    </dsp:sp>
+    <dsp:sp modelId="{D2C5B64D-C6D7-4C50-BA72-EA0440B9DD3F}">
+      <dsp:nvSpPr>
+        <dsp:cNvPr id="0" name=""/>
+        <dsp:cNvSpPr/>
+      </dsp:nvSpPr>
+      <dsp:spPr>
+        <a:xfrm>
+          <a:off x="0" y="3368641"/>
+          <a:ext cx="9720071" cy="618143"/>
+        </a:xfrm>
+        <a:prstGeom prst="roundRect">
+          <a:avLst/>
+        </a:prstGeom>
+        <a:solidFill>
+          <a:schemeClr val="accent1">
+            <a:hueOff val="0"/>
+            <a:satOff val="0"/>
+            <a:lumOff val="0"/>
+            <a:alphaOff val="0"/>
+          </a:schemeClr>
+        </a:solidFill>
+        <a:ln w="15875" cap="flat" cmpd="sng" algn="ctr">
+          <a:solidFill>
+            <a:schemeClr val="lt1">
+              <a:hueOff val="0"/>
+              <a:satOff val="0"/>
+              <a:lumOff val="0"/>
+              <a:alphaOff val="0"/>
+            </a:schemeClr>
+          </a:solidFill>
+          <a:prstDash val="solid"/>
+        </a:ln>
+        <a:effectLst/>
+      </dsp:spPr>
+      <dsp:style>
+        <a:lnRef idx="2">
+          <a:scrgbClr r="0" g="0" b="0"/>
+        </a:lnRef>
+        <a:fillRef idx="1">
+          <a:scrgbClr r="0" g="0" b="0"/>
+        </a:fillRef>
+        <a:effectRef idx="0">
+          <a:scrgbClr r="0" g="0" b="0"/>
+        </a:effectRef>
+        <a:fontRef idx="minor">
+          <a:schemeClr val="lt1"/>
+        </a:fontRef>
+      </dsp:style>
+      <dsp:txBody>
+        <a:bodyPr spcFirstLastPara="0" vert="horz" wrap="square" lIns="64770" tIns="64770" rIns="64770" bIns="64770" numCol="1" spcCol="1270" anchor="ctr" anchorCtr="0">
+          <a:noAutofit/>
+        </a:bodyPr>
+        <a:lstStyle/>
+        <a:p>
+          <a:pPr marL="0" lvl="0" indent="0" algn="l" defTabSz="755650">
+            <a:lnSpc>
+              <a:spcPct val="90000"/>
+            </a:lnSpc>
+            <a:spcBef>
+              <a:spcPct val="0"/>
+            </a:spcBef>
+            <a:spcAft>
+              <a:spcPct val="35000"/>
+            </a:spcAft>
+            <a:buNone/>
+          </a:pPr>
+          <a:r>
+            <a:rPr lang="en-GB" sz="1700" kern="1200" dirty="0"/>
+            <a:t>Gradually or abruptly forgetting past information may improve drift detection at a cost of increasing false alarms.</a:t>
+          </a:r>
+          <a:endParaRPr lang="en-US" sz="1700" kern="1200" dirty="0"/>
+        </a:p>
+      </dsp:txBody>
+      <dsp:txXfrm>
+        <a:off x="30175" y="3398816"/>
+        <a:ext cx="9659721" cy="557793"/>
       </dsp:txXfrm>
     </dsp:sp>
   </dsp:spTree>
@@ -3781,7 +3910,7 @@
           <a:p>
             <a:fld id="{BF01B894-BA05-4132-B1ED-0A4641E46206}" type="datetimeFigureOut">
               <a:rPr lang="en-GB" smtClean="0"/>
-              <a:t>13/05/2024</a:t>
+              <a:t>14/05/2024</a:t>
             </a:fld>
             <a:endParaRPr lang="en-GB"/>
           </a:p>
@@ -4049,90 +4178,6 @@
 </p:notesMaster>
 </file>
 
-<file path=ppt/notesSlides/notesSlide1.xml><?xml version="1.0" encoding="utf-8"?>
-<p:notes xmlns:a="http://schemas.openxmlformats.org/drawingml/2006/main" xmlns:r="http://schemas.openxmlformats.org/officeDocument/2006/relationships" xmlns:p="http://schemas.openxmlformats.org/presentationml/2006/main">
-  <p:cSld>
-    <p:spTree>
-      <p:nvGrpSpPr>
-        <p:cNvPr id="1" name=""/>
-        <p:cNvGrpSpPr/>
-        <p:nvPr/>
-      </p:nvGrpSpPr>
-      <p:grpSpPr>
-        <a:xfrm>
-          <a:off x="0" y="0"/>
-          <a:ext cx="0" cy="0"/>
-          <a:chOff x="0" y="0"/>
-          <a:chExt cx="0" cy="0"/>
-        </a:xfrm>
-      </p:grpSpPr>
-      <p:sp>
-        <p:nvSpPr>
-          <p:cNvPr id="2" name="Marcador de Posição da Imagem do Diapositivo 1"/>
-          <p:cNvSpPr>
-            <a:spLocks noGrp="1" noRot="1" noChangeAspect="1"/>
-          </p:cNvSpPr>
-          <p:nvPr>
-            <p:ph type="sldImg"/>
-          </p:nvPr>
-        </p:nvSpPr>
-        <p:spPr/>
-      </p:sp>
-      <p:sp>
-        <p:nvSpPr>
-          <p:cNvPr id="3" name="Marcador de Posição de Notas 2"/>
-          <p:cNvSpPr>
-            <a:spLocks noGrp="1"/>
-          </p:cNvSpPr>
-          <p:nvPr>
-            <p:ph type="body" idx="1"/>
-          </p:nvPr>
-        </p:nvSpPr>
-        <p:spPr/>
-        <p:txBody>
-          <a:bodyPr/>
-          <a:lstStyle/>
-          <a:p>
-            <a:endParaRPr lang="en-GB" dirty="0"/>
-          </a:p>
-        </p:txBody>
-      </p:sp>
-      <p:sp>
-        <p:nvSpPr>
-          <p:cNvPr id="4" name="Marcador de Posição do Número do Diapositivo 3"/>
-          <p:cNvSpPr>
-            <a:spLocks noGrp="1"/>
-          </p:cNvSpPr>
-          <p:nvPr>
-            <p:ph type="sldNum" sz="quarter" idx="5"/>
-          </p:nvPr>
-        </p:nvSpPr>
-        <p:spPr/>
-        <p:txBody>
-          <a:bodyPr/>
-          <a:lstStyle/>
-          <a:p>
-            <a:fld id="{3CE2BF42-F545-42C2-BD34-B46E2D4E8FA5}" type="slidenum">
-              <a:rPr lang="en-GB" smtClean="0"/>
-              <a:t>12</a:t>
-            </a:fld>
-            <a:endParaRPr lang="en-GB"/>
-          </a:p>
-        </p:txBody>
-      </p:sp>
-    </p:spTree>
-    <p:extLst>
-      <p:ext uri="{BB962C8B-B14F-4D97-AF65-F5344CB8AC3E}">
-        <p14:creationId xmlns:p14="http://schemas.microsoft.com/office/powerpoint/2010/main" val="3068079964"/>
-      </p:ext>
-    </p:extLst>
-  </p:cSld>
-  <p:clrMapOvr>
-    <a:masterClrMapping/>
-  </p:clrMapOvr>
-</p:notes>
-</file>
-
 <file path=ppt/slideLayouts/slideLayout1.xml><?xml version="1.0" encoding="utf-8"?>
 <p:sldLayout xmlns:a="http://schemas.openxmlformats.org/drawingml/2006/main" xmlns:r="http://schemas.openxmlformats.org/officeDocument/2006/relationships" xmlns:p="http://schemas.openxmlformats.org/presentationml/2006/main" showMasterSp="0" type="title" preserve="1">
   <p:cSld name="Title Slide">
@@ -4323,7 +4368,7 @@
           <a:p>
             <a:fld id="{92EA8367-D27A-4CE4-996D-A14CDCBADE41}" type="datetimeFigureOut">
               <a:rPr lang="en-GB" smtClean="0"/>
-              <a:t>13/05/2024</a:t>
+              <a:t>14/05/2024</a:t>
             </a:fld>
             <a:endParaRPr lang="en-GB"/>
           </a:p>
@@ -4528,7 +4573,7 @@
           <a:p>
             <a:fld id="{92EA8367-D27A-4CE4-996D-A14CDCBADE41}" type="datetimeFigureOut">
               <a:rPr lang="en-GB" smtClean="0"/>
-              <a:t>13/05/2024</a:t>
+              <a:t>14/05/2024</a:t>
             </a:fld>
             <a:endParaRPr lang="en-GB"/>
           </a:p>
@@ -4708,7 +4753,7 @@
           <a:p>
             <a:fld id="{92EA8367-D27A-4CE4-996D-A14CDCBADE41}" type="datetimeFigureOut">
               <a:rPr lang="en-GB" smtClean="0"/>
-              <a:t>13/05/2024</a:t>
+              <a:t>14/05/2024</a:t>
             </a:fld>
             <a:endParaRPr lang="en-GB"/>
           </a:p>
@@ -4913,7 +4958,7 @@
           <a:p>
             <a:fld id="{92EA8367-D27A-4CE4-996D-A14CDCBADE41}" type="datetimeFigureOut">
               <a:rPr lang="en-GB" smtClean="0"/>
-              <a:t>13/05/2024</a:t>
+              <a:t>14/05/2024</a:t>
             </a:fld>
             <a:endParaRPr lang="en-GB"/>
           </a:p>
@@ -5208,7 +5253,7 @@
           <a:p>
             <a:fld id="{92EA8367-D27A-4CE4-996D-A14CDCBADE41}" type="datetimeFigureOut">
               <a:rPr lang="en-GB" smtClean="0"/>
-              <a:t>13/05/2024</a:t>
+              <a:t>14/05/2024</a:t>
             </a:fld>
             <a:endParaRPr lang="en-GB"/>
           </a:p>
@@ -5480,7 +5525,7 @@
           <a:p>
             <a:fld id="{92EA8367-D27A-4CE4-996D-A14CDCBADE41}" type="datetimeFigureOut">
               <a:rPr lang="en-GB" smtClean="0"/>
-              <a:t>13/05/2024</a:t>
+              <a:t>14/05/2024</a:t>
             </a:fld>
             <a:endParaRPr lang="en-GB"/>
           </a:p>
@@ -5887,7 +5932,7 @@
           <a:p>
             <a:fld id="{92EA8367-D27A-4CE4-996D-A14CDCBADE41}" type="datetimeFigureOut">
               <a:rPr lang="en-GB" smtClean="0"/>
-              <a:t>13/05/2024</a:t>
+              <a:t>14/05/2024</a:t>
             </a:fld>
             <a:endParaRPr lang="en-GB"/>
           </a:p>
@@ -6005,7 +6050,7 @@
           <a:p>
             <a:fld id="{92EA8367-D27A-4CE4-996D-A14CDCBADE41}" type="datetimeFigureOut">
               <a:rPr lang="en-GB" smtClean="0"/>
-              <a:t>13/05/2024</a:t>
+              <a:t>14/05/2024</a:t>
             </a:fld>
             <a:endParaRPr lang="en-GB"/>
           </a:p>
@@ -6100,7 +6145,7 @@
           <a:p>
             <a:fld id="{92EA8367-D27A-4CE4-996D-A14CDCBADE41}" type="datetimeFigureOut">
               <a:rPr lang="en-GB" smtClean="0"/>
-              <a:t>13/05/2024</a:t>
+              <a:t>14/05/2024</a:t>
             </a:fld>
             <a:endParaRPr lang="en-GB"/>
           </a:p>
@@ -6390,7 +6435,7 @@
           <a:p>
             <a:fld id="{92EA8367-D27A-4CE4-996D-A14CDCBADE41}" type="datetimeFigureOut">
               <a:rPr lang="en-GB" smtClean="0"/>
-              <a:t>13/05/2024</a:t>
+              <a:t>14/05/2024</a:t>
             </a:fld>
             <a:endParaRPr lang="en-GB"/>
           </a:p>
@@ -6670,7 +6715,7 @@
           <a:p>
             <a:fld id="{92EA8367-D27A-4CE4-996D-A14CDCBADE41}" type="datetimeFigureOut">
               <a:rPr lang="en-GB" smtClean="0"/>
-              <a:t>13/05/2024</a:t>
+              <a:t>14/05/2024</a:t>
             </a:fld>
             <a:endParaRPr lang="en-GB"/>
           </a:p>
@@ -6920,7 +6965,7 @@
           <a:p>
             <a:fld id="{92EA8367-D27A-4CE4-996D-A14CDCBADE41}" type="datetimeFigureOut">
               <a:rPr lang="en-GB" smtClean="0"/>
-              <a:t>13/05/2024</a:t>
+              <a:t>14/05/2024</a:t>
             </a:fld>
             <a:endParaRPr lang="en-GB"/>
           </a:p>
@@ -7670,46 +7715,7 @@
           <a:p>
             <a:r>
               <a:rPr lang="en-GB" dirty="0"/>
-              <a:t>Effect of model choices – SGD Classifier</a:t>
-            </a:r>
-          </a:p>
-        </p:txBody>
-      </p:sp>
-      <p:sp>
-        <p:nvSpPr>
-          <p:cNvPr id="3" name="Content Placeholder 2">
-            <a:extLst>
-              <a:ext uri="{FF2B5EF4-FFF2-40B4-BE49-F238E27FC236}">
-                <a16:creationId xmlns:a16="http://schemas.microsoft.com/office/drawing/2014/main" id="{DC6D38DC-09D3-FA1A-AAA9-B8BF6422D17A}"/>
-              </a:ext>
-            </a:extLst>
-          </p:cNvPr>
-          <p:cNvSpPr>
-            <a:spLocks noGrp="1"/>
-          </p:cNvSpPr>
-          <p:nvPr>
-            <p:ph idx="1"/>
-          </p:nvPr>
-        </p:nvSpPr>
-        <p:spPr>
-          <a:xfrm>
-            <a:off x="1024128" y="2286000"/>
-            <a:ext cx="9720071" cy="1019886"/>
-          </a:xfrm>
-        </p:spPr>
-        <p:txBody>
-          <a:bodyPr/>
-          <a:lstStyle/>
-          <a:p>
-            <a:r>
-              <a:rPr lang="en-GB" dirty="0"/>
-              <a:t>Logistic Regression with SGD</a:t>
-            </a:r>
-          </a:p>
-          <a:p>
-            <a:r>
-              <a:rPr lang="en-GB" dirty="0"/>
-              <a:t>Effective error reduction</a:t>
+              <a:t>Effect of model choices – Logistic regression (SGD Classifier)</a:t>
             </a:r>
           </a:p>
         </p:txBody>
@@ -7736,101 +7742,20 @@
         </p:blipFill>
         <p:spPr>
           <a:xfrm>
-            <a:off x="87397" y="3507054"/>
-            <a:ext cx="12017206" cy="2916000"/>
+            <a:off x="416581" y="1964205"/>
+            <a:ext cx="9000000" cy="2183868"/>
           </a:xfrm>
           <a:prstGeom prst="rect">
             <a:avLst/>
           </a:prstGeom>
         </p:spPr>
       </p:pic>
-    </p:spTree>
-    <p:extLst>
-      <p:ext uri="{BB962C8B-B14F-4D97-AF65-F5344CB8AC3E}">
-        <p14:creationId xmlns:p14="http://schemas.microsoft.com/office/powerpoint/2010/main" val="3385092075"/>
-      </p:ext>
-    </p:extLst>
-  </p:cSld>
-  <p:clrMapOvr>
-    <a:masterClrMapping/>
-  </p:clrMapOvr>
-</p:sld>
-</file>
-
-<file path=ppt/slides/slide12.xml><?xml version="1.0" encoding="utf-8"?>
-<p:sld xmlns:a="http://schemas.openxmlformats.org/drawingml/2006/main" xmlns:r="http://schemas.openxmlformats.org/officeDocument/2006/relationships" xmlns:p="http://schemas.openxmlformats.org/presentationml/2006/main">
-  <p:cSld>
-    <p:spTree>
-      <p:nvGrpSpPr>
-        <p:cNvPr id="1" name=""/>
-        <p:cNvGrpSpPr/>
-        <p:nvPr/>
-      </p:nvGrpSpPr>
-      <p:grpSpPr>
-        <a:xfrm>
-          <a:off x="0" y="0"/>
-          <a:ext cx="0" cy="0"/>
-          <a:chOff x="0" y="0"/>
-          <a:chExt cx="0" cy="0"/>
-        </a:xfrm>
-      </p:grpSpPr>
-      <p:sp>
-        <p:nvSpPr>
-          <p:cNvPr id="3" name="Content Placeholder 2">
+      <p:pic>
+        <p:nvPicPr>
+          <p:cNvPr id="4" name="Imagem 3">
             <a:extLst>
               <a:ext uri="{FF2B5EF4-FFF2-40B4-BE49-F238E27FC236}">
-                <a16:creationId xmlns:a16="http://schemas.microsoft.com/office/drawing/2014/main" id="{DC6D38DC-09D3-FA1A-AAA9-B8BF6422D17A}"/>
-              </a:ext>
-            </a:extLst>
-          </p:cNvPr>
-          <p:cNvSpPr>
-            <a:spLocks noGrp="1"/>
-          </p:cNvSpPr>
-          <p:nvPr>
-            <p:ph idx="4294967295"/>
-          </p:nvPr>
-        </p:nvSpPr>
-        <p:spPr>
-          <a:xfrm>
-            <a:off x="1235868" y="755396"/>
-            <a:ext cx="9720263" cy="2449513"/>
-          </a:xfrm>
-        </p:spPr>
-        <p:txBody>
-          <a:bodyPr/>
-          <a:lstStyle/>
-          <a:p>
-            <a:r>
-              <a:rPr lang="en-GB" dirty="0"/>
-              <a:t>Slower error decrease</a:t>
-            </a:r>
-          </a:p>
-          <a:p>
-            <a:r>
-              <a:rPr lang="en-GB" dirty="0"/>
-              <a:t>False alarms increased</a:t>
-            </a:r>
-          </a:p>
-          <a:p>
-            <a:r>
-              <a:rPr lang="en-GB" dirty="0"/>
-              <a:t>Instability from 45000 to 62000 examples</a:t>
-            </a:r>
-          </a:p>
-          <a:p>
-            <a:r>
-              <a:rPr lang="en-GB" dirty="0"/>
-              <a:t>Balanced classes from 45000 to 60000 – challenging</a:t>
-            </a:r>
-          </a:p>
-        </p:txBody>
-      </p:sp>
-      <p:pic>
-        <p:nvPicPr>
-          <p:cNvPr id="8" name="Imagem 7">
-            <a:extLst>
-              <a:ext uri="{FF2B5EF4-FFF2-40B4-BE49-F238E27FC236}">
-                <a16:creationId xmlns:a16="http://schemas.microsoft.com/office/drawing/2014/main" id="{56F889D8-4A5D-6E1F-92E0-3403E0A157D7}"/>
+                <a16:creationId xmlns:a16="http://schemas.microsoft.com/office/drawing/2014/main" id="{DD2D1DF8-BD14-6A93-F606-D7A31139B644}"/>
               </a:ext>
             </a:extLst>
           </p:cNvPr>
@@ -7846,18 +7771,82 @@
         </p:blipFill>
         <p:spPr>
           <a:xfrm>
-            <a:off x="61038" y="3204909"/>
-            <a:ext cx="12069922" cy="2835203"/>
+            <a:off x="443484" y="4540481"/>
+            <a:ext cx="9000000" cy="2114084"/>
           </a:xfrm>
           <a:prstGeom prst="rect">
             <a:avLst/>
           </a:prstGeom>
         </p:spPr>
       </p:pic>
+      <p:sp>
+        <p:nvSpPr>
+          <p:cNvPr id="3" name="Content Placeholder 2">
+            <a:extLst>
+              <a:ext uri="{FF2B5EF4-FFF2-40B4-BE49-F238E27FC236}">
+                <a16:creationId xmlns:a16="http://schemas.microsoft.com/office/drawing/2014/main" id="{DC6D38DC-09D3-FA1A-AAA9-B8BF6422D17A}"/>
+              </a:ext>
+            </a:extLst>
+          </p:cNvPr>
+          <p:cNvSpPr>
+            <a:spLocks noGrp="1"/>
+          </p:cNvSpPr>
+          <p:nvPr>
+            <p:ph idx="1"/>
+          </p:nvPr>
+        </p:nvSpPr>
+        <p:spPr>
+          <a:xfrm>
+            <a:off x="8897112" y="2926080"/>
+            <a:ext cx="3185160" cy="1810513"/>
+          </a:xfrm>
+        </p:spPr>
+        <p:style>
+          <a:lnRef idx="2">
+            <a:schemeClr val="accent2"/>
+          </a:lnRef>
+          <a:fillRef idx="1">
+            <a:schemeClr val="lt1"/>
+          </a:fillRef>
+          <a:effectRef idx="0">
+            <a:schemeClr val="accent2"/>
+          </a:effectRef>
+          <a:fontRef idx="minor">
+            <a:schemeClr val="dk1"/>
+          </a:fontRef>
+        </p:style>
+        <p:txBody>
+          <a:bodyPr>
+            <a:normAutofit fontScale="92500" lnSpcReduction="10000"/>
+          </a:bodyPr>
+          <a:lstStyle/>
+          <a:p>
+            <a:r>
+              <a:rPr lang="en-GB" dirty="0"/>
+              <a:t>Effective error reduction</a:t>
+            </a:r>
+          </a:p>
+          <a:p>
+            <a:r>
+              <a:rPr lang="en-GB" dirty="0"/>
+              <a:t>False alarms increased</a:t>
+            </a:r>
+          </a:p>
+          <a:p>
+            <a:r>
+              <a:rPr lang="en-GB" dirty="0"/>
+              <a:t>Instability from 45000 to 62000 examples – balanced classification problem</a:t>
+            </a:r>
+          </a:p>
+          <a:p>
+            <a:endParaRPr lang="en-GB" dirty="0"/>
+          </a:p>
+        </p:txBody>
+      </p:sp>
     </p:spTree>
     <p:extLst>
       <p:ext uri="{BB962C8B-B14F-4D97-AF65-F5344CB8AC3E}">
-        <p14:creationId xmlns:p14="http://schemas.microsoft.com/office/powerpoint/2010/main" val="1963220305"/>
+        <p14:creationId xmlns:p14="http://schemas.microsoft.com/office/powerpoint/2010/main" val="3385092075"/>
       </p:ext>
     </p:extLst>
   </p:cSld>
@@ -7867,7 +7856,7 @@
 </p:sld>
 </file>
 
-<file path=ppt/slides/slide13.xml><?xml version="1.0" encoding="utf-8"?>
+<file path=ppt/slides/slide12.xml><?xml version="1.0" encoding="utf-8"?>
 <p:sld xmlns:a="http://schemas.openxmlformats.org/drawingml/2006/main" xmlns:r="http://schemas.openxmlformats.org/officeDocument/2006/relationships" xmlns:p="http://schemas.openxmlformats.org/presentationml/2006/main">
   <p:cSld>
     <p:spTree>
@@ -7940,12 +7929,14 @@
         </p:nvSpPr>
         <p:spPr>
           <a:xfrm>
-            <a:off x="1024128" y="2286000"/>
-            <a:ext cx="9720071" cy="1019886"/>
+            <a:off x="1024128" y="2276855"/>
+            <a:ext cx="9720071" cy="1252729"/>
           </a:xfrm>
         </p:spPr>
         <p:txBody>
-          <a:bodyPr/>
+          <a:bodyPr>
+            <a:normAutofit fontScale="92500" lnSpcReduction="10000"/>
+          </a:bodyPr>
           <a:lstStyle/>
           <a:p>
             <a:r>
@@ -7956,17 +7947,23 @@
           <a:p>
             <a:r>
               <a:rPr lang="en-GB" dirty="0"/>
-              <a:t>Non effective error reduction</a:t>
+              <a:t>Non effective error reduction nor drift detection</a:t>
+            </a:r>
+          </a:p>
+          <a:p>
+            <a:r>
+              <a:rPr lang="en-GB" dirty="0"/>
+              <a:t>Flexible model adapts itself to training data faster</a:t>
             </a:r>
           </a:p>
         </p:txBody>
       </p:sp>
       <p:pic>
         <p:nvPicPr>
-          <p:cNvPr id="8" name="Imagem 7">
+          <p:cNvPr id="5" name="Imagem 4">
             <a:extLst>
               <a:ext uri="{FF2B5EF4-FFF2-40B4-BE49-F238E27FC236}">
-                <a16:creationId xmlns:a16="http://schemas.microsoft.com/office/drawing/2014/main" id="{C2E22DE6-8CFD-697A-7265-A5D73EB7D948}"/>
+                <a16:creationId xmlns:a16="http://schemas.microsoft.com/office/drawing/2014/main" id="{4ED6D4FA-674C-FDA8-81B7-9F78EDF6A838}"/>
               </a:ext>
             </a:extLst>
           </p:cNvPr>
@@ -7975,15 +7972,16 @@
           </p:cNvPicPr>
           <p:nvPr/>
         </p:nvPicPr>
-        <p:blipFill rotWithShape="1">
+        <p:blipFill>
           <a:blip r:embed="rId2"/>
-          <a:srcRect b="50481"/>
-          <a:stretch/>
+          <a:stretch>
+            <a:fillRect/>
+          </a:stretch>
         </p:blipFill>
         <p:spPr>
           <a:xfrm>
-            <a:off x="156000" y="3177874"/>
-            <a:ext cx="11880000" cy="2895750"/>
+            <a:off x="1384163" y="3584449"/>
+            <a:ext cx="9000000" cy="2216689"/>
           </a:xfrm>
           <a:prstGeom prst="rect">
             <a:avLst/>
@@ -8003,7 +8001,7 @@
 </p:sld>
 </file>
 
-<file path=ppt/slides/slide14.xml><?xml version="1.0" encoding="utf-8"?>
+<file path=ppt/slides/slide13.xml><?xml version="1.0" encoding="utf-8"?>
 <p:sld xmlns:a="http://schemas.openxmlformats.org/drawingml/2006/main" xmlns:r="http://schemas.openxmlformats.org/officeDocument/2006/relationships" xmlns:p="http://schemas.openxmlformats.org/presentationml/2006/main">
   <p:cSld>
     <p:spTree>
@@ -8097,7 +8095,7 @@
                 </a:r>
                 <a:r>
                   <a:rPr lang="en-GB" dirty="0"/>
-                  <a:t>reduce influence of past information</a:t>
+                  <a:t>reduce influence of past information to estimate current error</a:t>
                 </a:r>
               </a:p>
               <a:p>
@@ -8572,7 +8570,7 @@
 </p:sld>
 </file>
 
-<file path=ppt/slides/slide15.xml><?xml version="1.0" encoding="utf-8"?>
+<file path=ppt/slides/slide14.xml><?xml version="1.0" encoding="utf-8"?>
 <p:sld xmlns:a="http://schemas.openxmlformats.org/drawingml/2006/main" xmlns:r="http://schemas.openxmlformats.org/officeDocument/2006/relationships" xmlns:p="http://schemas.openxmlformats.org/presentationml/2006/main">
   <p:cSld>
     <p:spTree>
@@ -8611,8 +8609,8 @@
         </p:blipFill>
         <p:spPr>
           <a:xfrm>
-            <a:off x="302211" y="2569464"/>
-            <a:ext cx="11587576" cy="2891034"/>
+            <a:off x="1595999" y="2807209"/>
+            <a:ext cx="9000000" cy="2245449"/>
           </a:xfrm>
           <a:prstGeom prst="rect">
             <a:avLst/>
@@ -8982,7 +8980,7 @@
 </p:sld>
 </file>
 
-<file path=ppt/slides/slide16.xml><?xml version="1.0" encoding="utf-8"?>
+<file path=ppt/slides/slide15.xml><?xml version="1.0" encoding="utf-8"?>
 <p:sld xmlns:a="http://schemas.openxmlformats.org/drawingml/2006/main" xmlns:r="http://schemas.openxmlformats.org/officeDocument/2006/relationships" xmlns:p="http://schemas.openxmlformats.org/presentationml/2006/main">
   <p:cSld>
     <p:spTree>
@@ -9458,7 +9456,7 @@
 </p:sld>
 </file>
 
-<file path=ppt/slides/slide17.xml><?xml version="1.0" encoding="utf-8"?>
+<file path=ppt/slides/slide16.xml><?xml version="1.0" encoding="utf-8"?>
 <p:sld xmlns:a="http://schemas.openxmlformats.org/drawingml/2006/main" xmlns:r="http://schemas.openxmlformats.org/officeDocument/2006/relationships" xmlns:p="http://schemas.openxmlformats.org/presentationml/2006/main">
   <p:cSld>
     <p:spTree>
@@ -9532,12 +9530,14 @@
         </p:nvSpPr>
         <p:spPr>
           <a:xfrm>
-            <a:off x="1235964" y="2084832"/>
-            <a:ext cx="9720071" cy="4023360"/>
+            <a:off x="1235964" y="1929384"/>
+            <a:ext cx="9720071" cy="4773168"/>
           </a:xfrm>
         </p:spPr>
         <p:txBody>
-          <a:bodyPr/>
+          <a:bodyPr>
+            <a:normAutofit lnSpcReduction="10000"/>
+          </a:bodyPr>
           <a:lstStyle/>
           <a:p>
             <a:r>
@@ -9550,8 +9550,17 @@
             </a:r>
             <a:r>
               <a:rPr lang="en-GB" dirty="0"/>
-              <a:t>eliminate past information from the process</a:t>
-            </a:r>
+              <a:t>eliminate past information from the process to estimate current error</a:t>
+            </a:r>
+          </a:p>
+          <a:p>
+            <a:endParaRPr lang="en-GB" dirty="0"/>
+          </a:p>
+          <a:p>
+            <a:endParaRPr lang="en-GB" dirty="0"/>
+          </a:p>
+          <a:p>
+            <a:endParaRPr lang="en-GB" dirty="0"/>
           </a:p>
           <a:p>
             <a:endParaRPr lang="en-GB" dirty="0"/>
@@ -9574,7 +9583,7 @@
           <a:p>
             <a:r>
               <a:rPr lang="en-GB" dirty="0"/>
-              <a:t>Parameter must be chosen be care – small window size may exacerbate small increases of error (increasing false alarms).</a:t>
+              <a:t>Parameter must be chosen with care – small window size may exacerbate small increases of error (increasing false alarms).</a:t>
             </a:r>
           </a:p>
           <a:p>
@@ -9585,6 +9594,51 @@
           </a:p>
         </p:txBody>
       </p:sp>
+      <p:pic>
+        <p:nvPicPr>
+          <p:cNvPr id="1026" name="Picture 2" descr="Sliding window learning approach. | Download Scientific Diagram">
+            <a:extLst>
+              <a:ext uri="{FF2B5EF4-FFF2-40B4-BE49-F238E27FC236}">
+                <a16:creationId xmlns:a16="http://schemas.microsoft.com/office/drawing/2014/main" id="{B7CE35D7-8F5E-F768-0341-05C6A1415A61}"/>
+              </a:ext>
+            </a:extLst>
+          </p:cNvPr>
+          <p:cNvPicPr>
+            <a:picLocks noChangeAspect="1" noChangeArrowheads="1"/>
+          </p:cNvPicPr>
+          <p:nvPr/>
+        </p:nvPicPr>
+        <p:blipFill rotWithShape="1">
+          <a:blip r:embed="rId2">
+            <a:extLst>
+              <a:ext uri="{28A0092B-C50C-407E-A947-70E740481C1C}">
+                <a14:useLocalDpi xmlns:a14="http://schemas.microsoft.com/office/drawing/2010/main" val="0"/>
+              </a:ext>
+            </a:extLst>
+          </a:blip>
+          <a:srcRect t="3990" r="13072" b="3177"/>
+          <a:stretch/>
+        </p:blipFill>
+        <p:spPr bwMode="auto">
+          <a:xfrm>
+            <a:off x="5070188" y="2496312"/>
+            <a:ext cx="1815244" cy="1938528"/>
+          </a:xfrm>
+          <a:prstGeom prst="rect">
+            <a:avLst/>
+          </a:prstGeom>
+          <a:noFill/>
+          <a:extLst>
+            <a:ext uri="{909E8E84-426E-40DD-AFC4-6F175D3DCCD1}">
+              <a14:hiddenFill xmlns:a14="http://schemas.microsoft.com/office/drawing/2010/main">
+                <a:solidFill>
+                  <a:srgbClr val="FFFFFF"/>
+                </a:solidFill>
+              </a14:hiddenFill>
+            </a:ext>
+          </a:extLst>
+        </p:spPr>
+      </p:pic>
     </p:spTree>
     <p:extLst>
       <p:ext uri="{BB962C8B-B14F-4D97-AF65-F5344CB8AC3E}">
@@ -9598,7 +9652,7 @@
 </p:sld>
 </file>
 
-<file path=ppt/slides/slide18.xml><?xml version="1.0" encoding="utf-8"?>
+<file path=ppt/slides/slide17.xml><?xml version="1.0" encoding="utf-8"?>
 <p:sld xmlns:a="http://schemas.openxmlformats.org/drawingml/2006/main" xmlns:r="http://schemas.openxmlformats.org/officeDocument/2006/relationships" xmlns:p="http://schemas.openxmlformats.org/presentationml/2006/main">
   <p:cSld>
     <p:spTree>
@@ -9638,17 +9692,17 @@
           <a:p>
             <a:r>
               <a:rPr lang="en-GB" dirty="0"/>
-              <a:t>Window Size = 10.000 </a:t>
+              <a:t>Window Size = 7500 </a:t>
             </a:r>
           </a:p>
         </p:txBody>
       </p:sp>
       <p:pic>
         <p:nvPicPr>
-          <p:cNvPr id="9" name="Picture 8">
+          <p:cNvPr id="5" name="Imagem 4">
             <a:extLst>
               <a:ext uri="{FF2B5EF4-FFF2-40B4-BE49-F238E27FC236}">
-                <a16:creationId xmlns:a16="http://schemas.microsoft.com/office/drawing/2014/main" id="{A0BF4AA0-EAD9-C44F-938C-FA17714090E4}"/>
+                <a16:creationId xmlns:a16="http://schemas.microsoft.com/office/drawing/2014/main" id="{FB87AD36-4C51-FA4D-876D-CAF42F908FDB}"/>
               </a:ext>
             </a:extLst>
           </p:cNvPr>
@@ -9665,18 +9719,72 @@
         </p:blipFill>
         <p:spPr>
           <a:xfrm>
-            <a:off x="1349938" y="1906321"/>
-            <a:ext cx="9492123" cy="4706179"/>
+            <a:off x="612648" y="1952067"/>
+            <a:ext cx="9000000" cy="4320717"/>
           </a:xfrm>
           <a:prstGeom prst="rect">
             <a:avLst/>
           </a:prstGeom>
         </p:spPr>
       </p:pic>
+      <p:sp>
+        <p:nvSpPr>
+          <p:cNvPr id="3" name="CaixaDeTexto 2">
+            <a:extLst>
+              <a:ext uri="{FF2B5EF4-FFF2-40B4-BE49-F238E27FC236}">
+                <a16:creationId xmlns:a16="http://schemas.microsoft.com/office/drawing/2014/main" id="{EACF6D33-FEDF-1A31-7BA4-ADBE5302AD00}"/>
+              </a:ext>
+            </a:extLst>
+          </p:cNvPr>
+          <p:cNvSpPr txBox="1"/>
+          <p:nvPr/>
+        </p:nvSpPr>
+        <p:spPr>
+          <a:xfrm>
+            <a:off x="9414492" y="2928009"/>
+            <a:ext cx="2463564" cy="1200329"/>
+          </a:xfrm>
+          <a:prstGeom prst="rect">
+            <a:avLst/>
+          </a:prstGeom>
+        </p:spPr>
+        <p:style>
+          <a:lnRef idx="2">
+            <a:schemeClr val="accent2"/>
+          </a:lnRef>
+          <a:fillRef idx="1">
+            <a:schemeClr val="lt1"/>
+          </a:fillRef>
+          <a:effectRef idx="0">
+            <a:schemeClr val="accent2"/>
+          </a:effectRef>
+          <a:fontRef idx="minor">
+            <a:schemeClr val="dk1"/>
+          </a:fontRef>
+        </p:style>
+        <p:txBody>
+          <a:bodyPr wrap="square" rtlCol="0">
+            <a:spAutoFit/>
+          </a:bodyPr>
+          <a:lstStyle/>
+          <a:p>
+            <a:r>
+              <a:rPr lang="en-GB" dirty="0"/>
+              <a:t>Effective error reduction</a:t>
+            </a:r>
+          </a:p>
+          <a:p>
+            <a:r>
+              <a:rPr lang="en-GB" dirty="0"/>
+              <a:t>False alarms increased Lower time between real and detected drifts</a:t>
+            </a:r>
+          </a:p>
+        </p:txBody>
+      </p:sp>
     </p:spTree>
     <p:extLst>
       <p:ext uri="{BB962C8B-B14F-4D97-AF65-F5344CB8AC3E}">
-        <p14:creationId xmlns:p14="http://schemas.microsoft.com/office/powerpoint/2010/main" val="4209274134"/>
+        <p14:creationId xmlns:p14="http://schemas.microsoft.com/office/powerpoint/2010/main" val="906836446"/>
       </p:ext>
     </p:extLst>
   </p:cSld>
@@ -9686,7 +9794,7 @@
 </p:sld>
 </file>
 
-<file path=ppt/slides/slide19.xml><?xml version="1.0" encoding="utf-8"?>
+<file path=ppt/slides/slide18.xml><?xml version="1.0" encoding="utf-8"?>
 <p:sld xmlns:a="http://schemas.openxmlformats.org/drawingml/2006/main" xmlns:r="http://schemas.openxmlformats.org/officeDocument/2006/relationships" xmlns:p="http://schemas.openxmlformats.org/presentationml/2006/main">
   <p:cSld>
     <p:spTree>
@@ -9973,117 +10081,7 @@
 </p:sld>
 </file>
 
-<file path=ppt/slides/slide2.xml><?xml version="1.0" encoding="utf-8"?>
-<p:sld xmlns:a="http://schemas.openxmlformats.org/drawingml/2006/main" xmlns:r="http://schemas.openxmlformats.org/officeDocument/2006/relationships" xmlns:p="http://schemas.openxmlformats.org/presentationml/2006/main">
-  <p:cSld>
-    <p:spTree>
-      <p:nvGrpSpPr>
-        <p:cNvPr id="1" name=""/>
-        <p:cNvGrpSpPr/>
-        <p:nvPr/>
-      </p:nvGrpSpPr>
-      <p:grpSpPr>
-        <a:xfrm>
-          <a:off x="0" y="0"/>
-          <a:ext cx="0" cy="0"/>
-          <a:chOff x="0" y="0"/>
-          <a:chExt cx="0" cy="0"/>
-        </a:xfrm>
-      </p:grpSpPr>
-      <p:sp>
-        <p:nvSpPr>
-          <p:cNvPr id="2" name="Title 1">
-            <a:extLst>
-              <a:ext uri="{FF2B5EF4-FFF2-40B4-BE49-F238E27FC236}">
-                <a16:creationId xmlns:a16="http://schemas.microsoft.com/office/drawing/2014/main" id="{A3FCB78E-0480-0C04-77F7-2A33D98FB6A5}"/>
-              </a:ext>
-            </a:extLst>
-          </p:cNvPr>
-          <p:cNvSpPr>
-            <a:spLocks noGrp="1"/>
-          </p:cNvSpPr>
-          <p:nvPr>
-            <p:ph type="title"/>
-          </p:nvPr>
-        </p:nvSpPr>
-        <p:spPr/>
-        <p:txBody>
-          <a:bodyPr/>
-          <a:lstStyle/>
-          <a:p>
-            <a:r>
-              <a:rPr lang="en-GB" dirty="0"/>
-              <a:t>Contents</a:t>
-            </a:r>
-          </a:p>
-        </p:txBody>
-      </p:sp>
-      <p:sp>
-        <p:nvSpPr>
-          <p:cNvPr id="3" name="Content Placeholder 2">
-            <a:extLst>
-              <a:ext uri="{FF2B5EF4-FFF2-40B4-BE49-F238E27FC236}">
-                <a16:creationId xmlns:a16="http://schemas.microsoft.com/office/drawing/2014/main" id="{3BDEACDD-6FE9-CA0B-5B74-21A2634E570E}"/>
-              </a:ext>
-            </a:extLst>
-          </p:cNvPr>
-          <p:cNvSpPr>
-            <a:spLocks noGrp="1"/>
-          </p:cNvSpPr>
-          <p:nvPr>
-            <p:ph idx="1"/>
-          </p:nvPr>
-        </p:nvSpPr>
-        <p:spPr/>
-        <p:txBody>
-          <a:bodyPr>
-            <a:normAutofit/>
-          </a:bodyPr>
-          <a:lstStyle/>
-          <a:p>
-            <a:pPr lvl="1"/>
-            <a:r>
-              <a:rPr lang="en-GB" sz="2400" dirty="0"/>
-              <a:t>SPC Overview</a:t>
-            </a:r>
-          </a:p>
-          <a:p>
-            <a:pPr lvl="1"/>
-            <a:r>
-              <a:rPr lang="en-GB" sz="2400" dirty="0"/>
-              <a:t>Data</a:t>
-            </a:r>
-          </a:p>
-          <a:p>
-            <a:pPr lvl="1"/>
-            <a:r>
-              <a:rPr lang="en-GB" sz="2400" dirty="0"/>
-              <a:t>Implementation and Demo</a:t>
-            </a:r>
-          </a:p>
-          <a:p>
-            <a:pPr lvl="1"/>
-            <a:r>
-              <a:rPr lang="en-GB" sz="2400" dirty="0"/>
-              <a:t>Findings and Conclusions</a:t>
-            </a:r>
-          </a:p>
-        </p:txBody>
-      </p:sp>
-    </p:spTree>
-    <p:extLst>
-      <p:ext uri="{BB962C8B-B14F-4D97-AF65-F5344CB8AC3E}">
-        <p14:creationId xmlns:p14="http://schemas.microsoft.com/office/powerpoint/2010/main" val="1205123647"/>
-      </p:ext>
-    </p:extLst>
-  </p:cSld>
-  <p:clrMapOvr>
-    <a:masterClrMapping/>
-  </p:clrMapOvr>
-</p:sld>
-</file>
-
-<file path=ppt/slides/slide20.xml><?xml version="1.0" encoding="utf-8"?>
+<file path=ppt/slides/slide19.xml><?xml version="1.0" encoding="utf-8"?>
 <p:sld xmlns:a="http://schemas.openxmlformats.org/drawingml/2006/main" xmlns:r="http://schemas.openxmlformats.org/officeDocument/2006/relationships" xmlns:p="http://schemas.openxmlformats.org/presentationml/2006/main">
   <p:cSld>
     <p:spTree>
@@ -10230,7 +10228,117 @@
 </p:sld>
 </file>
 
-<file path=ppt/slides/slide21.xml><?xml version="1.0" encoding="utf-8"?>
+<file path=ppt/slides/slide2.xml><?xml version="1.0" encoding="utf-8"?>
+<p:sld xmlns:a="http://schemas.openxmlformats.org/drawingml/2006/main" xmlns:r="http://schemas.openxmlformats.org/officeDocument/2006/relationships" xmlns:p="http://schemas.openxmlformats.org/presentationml/2006/main">
+  <p:cSld>
+    <p:spTree>
+      <p:nvGrpSpPr>
+        <p:cNvPr id="1" name=""/>
+        <p:cNvGrpSpPr/>
+        <p:nvPr/>
+      </p:nvGrpSpPr>
+      <p:grpSpPr>
+        <a:xfrm>
+          <a:off x="0" y="0"/>
+          <a:ext cx="0" cy="0"/>
+          <a:chOff x="0" y="0"/>
+          <a:chExt cx="0" cy="0"/>
+        </a:xfrm>
+      </p:grpSpPr>
+      <p:sp>
+        <p:nvSpPr>
+          <p:cNvPr id="2" name="Title 1">
+            <a:extLst>
+              <a:ext uri="{FF2B5EF4-FFF2-40B4-BE49-F238E27FC236}">
+                <a16:creationId xmlns:a16="http://schemas.microsoft.com/office/drawing/2014/main" id="{A3FCB78E-0480-0C04-77F7-2A33D98FB6A5}"/>
+              </a:ext>
+            </a:extLst>
+          </p:cNvPr>
+          <p:cNvSpPr>
+            <a:spLocks noGrp="1"/>
+          </p:cNvSpPr>
+          <p:nvPr>
+            <p:ph type="title"/>
+          </p:nvPr>
+        </p:nvSpPr>
+        <p:spPr/>
+        <p:txBody>
+          <a:bodyPr/>
+          <a:lstStyle/>
+          <a:p>
+            <a:r>
+              <a:rPr lang="en-GB" dirty="0"/>
+              <a:t>Contents</a:t>
+            </a:r>
+          </a:p>
+        </p:txBody>
+      </p:sp>
+      <p:sp>
+        <p:nvSpPr>
+          <p:cNvPr id="3" name="Content Placeholder 2">
+            <a:extLst>
+              <a:ext uri="{FF2B5EF4-FFF2-40B4-BE49-F238E27FC236}">
+                <a16:creationId xmlns:a16="http://schemas.microsoft.com/office/drawing/2014/main" id="{3BDEACDD-6FE9-CA0B-5B74-21A2634E570E}"/>
+              </a:ext>
+            </a:extLst>
+          </p:cNvPr>
+          <p:cNvSpPr>
+            <a:spLocks noGrp="1"/>
+          </p:cNvSpPr>
+          <p:nvPr>
+            <p:ph idx="1"/>
+          </p:nvPr>
+        </p:nvSpPr>
+        <p:spPr/>
+        <p:txBody>
+          <a:bodyPr>
+            <a:normAutofit/>
+          </a:bodyPr>
+          <a:lstStyle/>
+          <a:p>
+            <a:pPr lvl="1"/>
+            <a:r>
+              <a:rPr lang="en-GB" sz="2400" dirty="0"/>
+              <a:t>SPC Overview</a:t>
+            </a:r>
+          </a:p>
+          <a:p>
+            <a:pPr lvl="1"/>
+            <a:r>
+              <a:rPr lang="en-GB" sz="2400" dirty="0"/>
+              <a:t>Data</a:t>
+            </a:r>
+          </a:p>
+          <a:p>
+            <a:pPr lvl="1"/>
+            <a:r>
+              <a:rPr lang="en-GB" sz="2400" dirty="0"/>
+              <a:t>Implementation and Demo</a:t>
+            </a:r>
+          </a:p>
+          <a:p>
+            <a:pPr lvl="1"/>
+            <a:r>
+              <a:rPr lang="en-GB" sz="2400" dirty="0"/>
+              <a:t>Findings and Conclusions</a:t>
+            </a:r>
+          </a:p>
+        </p:txBody>
+      </p:sp>
+    </p:spTree>
+    <p:extLst>
+      <p:ext uri="{BB962C8B-B14F-4D97-AF65-F5344CB8AC3E}">
+        <p14:creationId xmlns:p14="http://schemas.microsoft.com/office/powerpoint/2010/main" val="1205123647"/>
+      </p:ext>
+    </p:extLst>
+  </p:cSld>
+  <p:clrMapOvr>
+    <a:masterClrMapping/>
+  </p:clrMapOvr>
+</p:sld>
+</file>
+
+<file path=ppt/slides/slide20.xml><?xml version="1.0" encoding="utf-8"?>
 <p:sld xmlns:a="http://schemas.openxmlformats.org/drawingml/2006/main" xmlns:r="http://schemas.openxmlformats.org/officeDocument/2006/relationships" xmlns:p="http://schemas.openxmlformats.org/presentationml/2006/main">
   <p:cSld>
     <p:spTree>
@@ -10383,7 +10491,7 @@
 </p:sld>
 </file>
 
-<file path=ppt/slides/slide22.xml><?xml version="1.0" encoding="utf-8"?>
+<file path=ppt/slides/slide21.xml><?xml version="1.0" encoding="utf-8"?>
 <p:sld xmlns:a="http://schemas.openxmlformats.org/drawingml/2006/main" xmlns:r="http://schemas.openxmlformats.org/officeDocument/2006/relationships" xmlns:p="http://schemas.openxmlformats.org/presentationml/2006/main">
   <p:cSld>
     <p:spTree>
@@ -10429,16 +10537,19 @@
               <a:rPr lang="en-GB" dirty="0" err="1"/>
               <a:t>spc</a:t>
             </a:r>
-            <a:endParaRPr lang="en-GB" dirty="0"/>
+            <a:r>
+              <a:rPr lang="en-GB" dirty="0"/>
+              <a:t> – size 7500</a:t>
+            </a:r>
           </a:p>
         </p:txBody>
       </p:sp>
       <p:pic>
         <p:nvPicPr>
-          <p:cNvPr id="4" name="Imagem 3">
+          <p:cNvPr id="5" name="Imagem 4">
             <a:extLst>
               <a:ext uri="{FF2B5EF4-FFF2-40B4-BE49-F238E27FC236}">
-                <a16:creationId xmlns:a16="http://schemas.microsoft.com/office/drawing/2014/main" id="{4950F2BD-B4BD-7076-6212-8D1CDD075B70}"/>
+                <a16:creationId xmlns:a16="http://schemas.microsoft.com/office/drawing/2014/main" id="{39960BAE-70C2-6049-F8BD-BE6EF6D26B89}"/>
               </a:ext>
             </a:extLst>
           </p:cNvPr>
@@ -10455,8 +10566,8 @@
         </p:blipFill>
         <p:spPr>
           <a:xfrm>
-            <a:off x="741680" y="1830051"/>
-            <a:ext cx="9000000" cy="4442733"/>
+            <a:off x="758952" y="1894495"/>
+            <a:ext cx="9000000" cy="4478873"/>
           </a:xfrm>
           <a:prstGeom prst="rect">
             <a:avLst/>
@@ -10536,7 +10647,7 @@
 </p:sld>
 </file>
 
-<file path=ppt/slides/slide23.xml><?xml version="1.0" encoding="utf-8"?>
+<file path=ppt/slides/slide22.xml><?xml version="1.0" encoding="utf-8"?>
 <p:sld xmlns:a="http://schemas.openxmlformats.org/drawingml/2006/main" xmlns:r="http://schemas.openxmlformats.org/officeDocument/2006/relationships" xmlns:p="http://schemas.openxmlformats.org/presentationml/2006/main">
   <p:cSld>
     <p:spTree>
@@ -11111,7 +11222,7 @@
           <a:p>
             <a:fld id="{8F4CBC58-BB8C-4170-8CCF-9B5238C6B95B}" type="datetime1">
               <a:rPr lang="en-GB" smtClean="0"/>
-              <a:t>13/05/2024</a:t>
+              <a:t>14/05/2024</a:t>
             </a:fld>
             <a:endParaRPr lang="en-GB"/>
           </a:p>
@@ -12046,7 +12157,7 @@
           <a:p>
             <a:fld id="{2A453A30-6496-49B5-AD89-B924D74DD7EF}" type="datetime1">
               <a:rPr lang="en-GB" smtClean="0"/>
-              <a:t>13/05/2024</a:t>
+              <a:t>14/05/2024</a:t>
             </a:fld>
             <a:endParaRPr lang="en-GB"/>
           </a:p>
@@ -12441,7 +12552,7 @@
           <a:p>
             <a:fld id="{BED63001-51D4-426E-9FF9-924C0F966BFB}" type="datetime1">
               <a:rPr lang="en-GB" smtClean="0"/>
-              <a:t>13/05/2024</a:t>
+              <a:t>14/05/2024</a:t>
             </a:fld>
             <a:endParaRPr lang="en-GB"/>
           </a:p>
@@ -12982,7 +13093,7 @@
           <a:p>
             <a:fld id="{1169DF35-D925-4941-84AA-3EF91B687865}" type="datetime1">
               <a:rPr lang="en-GB" smtClean="0"/>
-              <a:t>13/05/2024</a:t>
+              <a:t>14/05/2024</a:t>
             </a:fld>
             <a:endParaRPr lang="en-GB"/>
           </a:p>
@@ -13179,7 +13290,7 @@
           <a:p>
             <a:fld id="{41F17A57-633F-40EB-9A71-C836B388990D}" type="datetime1">
               <a:rPr lang="en-GB" smtClean="0"/>
-              <a:t>13/05/2024</a:t>
+              <a:t>14/05/2024</a:t>
             </a:fld>
             <a:endParaRPr lang="en-GB"/>
           </a:p>
@@ -13295,7 +13406,7 @@
           <a:p>
             <a:r>
               <a:rPr lang="en-GB" dirty="0"/>
-              <a:t>Findings and Conclusions</a:t>
+              <a:t>Analysis</a:t>
             </a:r>
           </a:p>
         </p:txBody>
@@ -13328,6 +13439,27 @@
             </a:r>
           </a:p>
           <a:p>
+            <a:pPr lvl="2"/>
+            <a:r>
+              <a:rPr lang="en-GB" sz="2000" dirty="0"/>
+              <a:t>Naïve Bayes with pre-processing (standardization)</a:t>
+            </a:r>
+          </a:p>
+          <a:p>
+            <a:pPr lvl="2"/>
+            <a:r>
+              <a:rPr lang="en-GB" sz="2000" dirty="0"/>
+              <a:t>Logistic Regression with SGD</a:t>
+            </a:r>
+          </a:p>
+          <a:p>
+            <a:pPr lvl="2"/>
+            <a:r>
+              <a:rPr lang="en-GB" sz="2000" dirty="0"/>
+              <a:t>MLP classifier</a:t>
+            </a:r>
+          </a:p>
+          <a:p>
             <a:pPr lvl="1"/>
             <a:r>
               <a:rPr lang="en-GB" sz="2400" dirty="0"/>
@@ -13346,6 +13478,27 @@
             <a:r>
               <a:rPr lang="en-GB" sz="2400" dirty="0"/>
               <a:t>Detecting concept drift in hidden variables</a:t>
+            </a:r>
+          </a:p>
+          <a:p>
+            <a:pPr lvl="2"/>
+            <a:r>
+              <a:rPr lang="en-GB" sz="2000" dirty="0"/>
+              <a:t>Standard SPC algorithm</a:t>
+            </a:r>
+          </a:p>
+          <a:p>
+            <a:pPr lvl="2"/>
+            <a:r>
+              <a:rPr lang="en-GB" sz="2000" dirty="0"/>
+              <a:t>SPC with exponential smoothing update</a:t>
+            </a:r>
+          </a:p>
+          <a:p>
+            <a:pPr lvl="2"/>
+            <a:r>
+              <a:rPr lang="en-GB" sz="2000" dirty="0"/>
+              <a:t>SPC with sliding window update</a:t>
             </a:r>
           </a:p>
         </p:txBody>
@@ -13426,7 +13579,12 @@
             <p:ph idx="1"/>
           </p:nvPr>
         </p:nvSpPr>
-        <p:spPr/>
+        <p:spPr>
+          <a:xfrm>
+            <a:off x="1024128" y="2286000"/>
+            <a:ext cx="9720071" cy="967210"/>
+          </a:xfrm>
+        </p:spPr>
         <p:txBody>
           <a:bodyPr/>
           <a:lstStyle/>
@@ -13466,8 +13624,8 @@
         </p:blipFill>
         <p:spPr>
           <a:xfrm>
-            <a:off x="0" y="3253210"/>
-            <a:ext cx="12192000" cy="3056150"/>
+            <a:off x="1384163" y="3500098"/>
+            <a:ext cx="9000000" cy="2256016"/>
           </a:xfrm>
           <a:prstGeom prst="rect">
             <a:avLst/>
